--- a/Praesentation/SuperSort.pptx
+++ b/Praesentation/SuperSort.pptx
@@ -12,8 +12,8 @@
     <p:sldId id="267" r:id="rId6"/>
     <p:sldId id="259" r:id="rId7"/>
     <p:sldId id="260" r:id="rId8"/>
-    <p:sldId id="263" r:id="rId9"/>
-    <p:sldId id="262" r:id="rId10"/>
+    <p:sldId id="268" r:id="rId9"/>
+    <p:sldId id="263" r:id="rId10"/>
     <p:sldId id="261" r:id="rId11"/>
     <p:sldId id="264" r:id="rId12"/>
     <p:sldId id="265" r:id="rId13"/>
@@ -270,7 +270,7 @@
           <a:p>
             <a:fld id="{AEBCA739-919E-4F44-8D27-30D310F4C35C}" type="datetimeFigureOut">
               <a:rPr lang="de-DE" smtClean="0"/>
-              <a:t>04.05.2024</a:t>
+              <a:t>11.05.2024</a:t>
             </a:fld>
             <a:endParaRPr lang="de-DE"/>
           </a:p>
@@ -468,7 +468,7 @@
           <a:p>
             <a:fld id="{AEBCA739-919E-4F44-8D27-30D310F4C35C}" type="datetimeFigureOut">
               <a:rPr lang="de-DE" smtClean="0"/>
-              <a:t>04.05.2024</a:t>
+              <a:t>11.05.2024</a:t>
             </a:fld>
             <a:endParaRPr lang="de-DE"/>
           </a:p>
@@ -676,7 +676,7 @@
           <a:p>
             <a:fld id="{AEBCA739-919E-4F44-8D27-30D310F4C35C}" type="datetimeFigureOut">
               <a:rPr lang="de-DE" smtClean="0"/>
-              <a:t>04.05.2024</a:t>
+              <a:t>11.05.2024</a:t>
             </a:fld>
             <a:endParaRPr lang="de-DE"/>
           </a:p>
@@ -874,7 +874,7 @@
           <a:p>
             <a:fld id="{AEBCA739-919E-4F44-8D27-30D310F4C35C}" type="datetimeFigureOut">
               <a:rPr lang="de-DE" smtClean="0"/>
-              <a:t>04.05.2024</a:t>
+              <a:t>11.05.2024</a:t>
             </a:fld>
             <a:endParaRPr lang="de-DE"/>
           </a:p>
@@ -1149,7 +1149,7 @@
           <a:p>
             <a:fld id="{AEBCA739-919E-4F44-8D27-30D310F4C35C}" type="datetimeFigureOut">
               <a:rPr lang="de-DE" smtClean="0"/>
-              <a:t>04.05.2024</a:t>
+              <a:t>11.05.2024</a:t>
             </a:fld>
             <a:endParaRPr lang="de-DE"/>
           </a:p>
@@ -1414,7 +1414,7 @@
           <a:p>
             <a:fld id="{AEBCA739-919E-4F44-8D27-30D310F4C35C}" type="datetimeFigureOut">
               <a:rPr lang="de-DE" smtClean="0"/>
-              <a:t>04.05.2024</a:t>
+              <a:t>11.05.2024</a:t>
             </a:fld>
             <a:endParaRPr lang="de-DE"/>
           </a:p>
@@ -1826,7 +1826,7 @@
           <a:p>
             <a:fld id="{AEBCA739-919E-4F44-8D27-30D310F4C35C}" type="datetimeFigureOut">
               <a:rPr lang="de-DE" smtClean="0"/>
-              <a:t>04.05.2024</a:t>
+              <a:t>11.05.2024</a:t>
             </a:fld>
             <a:endParaRPr lang="de-DE"/>
           </a:p>
@@ -1967,7 +1967,7 @@
           <a:p>
             <a:fld id="{AEBCA739-919E-4F44-8D27-30D310F4C35C}" type="datetimeFigureOut">
               <a:rPr lang="de-DE" smtClean="0"/>
-              <a:t>04.05.2024</a:t>
+              <a:t>11.05.2024</a:t>
             </a:fld>
             <a:endParaRPr lang="de-DE"/>
           </a:p>
@@ -2080,7 +2080,7 @@
           <a:p>
             <a:fld id="{AEBCA739-919E-4F44-8D27-30D310F4C35C}" type="datetimeFigureOut">
               <a:rPr lang="de-DE" smtClean="0"/>
-              <a:t>04.05.2024</a:t>
+              <a:t>11.05.2024</a:t>
             </a:fld>
             <a:endParaRPr lang="de-DE"/>
           </a:p>
@@ -2391,7 +2391,7 @@
           <a:p>
             <a:fld id="{AEBCA739-919E-4F44-8D27-30D310F4C35C}" type="datetimeFigureOut">
               <a:rPr lang="de-DE" smtClean="0"/>
-              <a:t>04.05.2024</a:t>
+              <a:t>11.05.2024</a:t>
             </a:fld>
             <a:endParaRPr lang="de-DE"/>
           </a:p>
@@ -2679,7 +2679,7 @@
           <a:p>
             <a:fld id="{AEBCA739-919E-4F44-8D27-30D310F4C35C}" type="datetimeFigureOut">
               <a:rPr lang="de-DE" smtClean="0"/>
-              <a:t>04.05.2024</a:t>
+              <a:t>11.05.2024</a:t>
             </a:fld>
             <a:endParaRPr lang="de-DE"/>
           </a:p>
@@ -2949,7 +2949,7 @@
           <a:p>
             <a:fld id="{AEBCA739-919E-4F44-8D27-30D310F4C35C}" type="datetimeFigureOut">
               <a:rPr lang="de-DE" smtClean="0"/>
-              <a:t>04.05.2024</a:t>
+              <a:t>11.05.2024</a:t>
             </a:fld>
             <a:endParaRPr lang="de-DE"/>
           </a:p>
@@ -3562,65 +3562,163 @@
             <p:ph idx="1"/>
           </p:nvPr>
         </p:nvSpPr>
-        <p:spPr/>
+        <p:spPr>
+          <a:xfrm>
+            <a:off x="838200" y="1466662"/>
+            <a:ext cx="10515600" cy="5241956"/>
+          </a:xfrm>
+        </p:spPr>
         <p:txBody>
           <a:bodyPr>
-            <a:normAutofit lnSpcReduction="10000"/>
+            <a:normAutofit fontScale="47500" lnSpcReduction="20000"/>
           </a:bodyPr>
           <a:lstStyle/>
           <a:p>
+            <a:pPr marL="0" indent="0">
+              <a:buNone/>
+            </a:pPr>
+            <a:r>
+              <a:rPr lang="de-DE" sz="3600" dirty="0"/>
+              <a:t>Innerhalb von </a:t>
+            </a:r>
+            <a:r>
+              <a:rPr lang="de-DE" sz="3600" u="sng" dirty="0"/>
+              <a:t>43</a:t>
+            </a:r>
+            <a:r>
+              <a:rPr lang="de-DE" sz="3600" dirty="0"/>
+              <a:t> Stunden folgende Ziele erreicht:</a:t>
+            </a:r>
+          </a:p>
+          <a:p>
+            <a:endParaRPr lang="de-DE" dirty="0"/>
+          </a:p>
+          <a:p>
             <a:r>
               <a:rPr lang="de-DE" dirty="0"/>
-              <a:t>Innerhalb von x Stunden folgende Ziele erreicht:</a:t>
+              <a:t>GUI ohne Funktion</a:t>
             </a:r>
-          </a:p>
-          <a:p>
-            <a:endParaRPr lang="de-DE" dirty="0"/>
           </a:p>
           <a:p>
             <a:r>
               <a:rPr lang="de-DE" dirty="0"/>
-              <a:t>A, B, C, D</a:t>
+              <a:t>Aufruf einer API (ohne Header)</a:t>
             </a:r>
-          </a:p>
-          <a:p>
-            <a:endParaRPr lang="de-DE" dirty="0"/>
           </a:p>
           <a:p>
             <a:r>
               <a:rPr lang="de-DE" dirty="0"/>
-              <a:t>Folgende Probleme gehabt</a:t>
+              <a:t>Kompilierung der Abhängigkeiten mit Nix-Shell</a:t>
             </a:r>
-          </a:p>
-          <a:p>
-            <a:endParaRPr lang="de-DE" dirty="0"/>
           </a:p>
           <a:p>
             <a:r>
               <a:rPr lang="de-DE" dirty="0"/>
-              <a:t>A,B, C, D</a:t>
+              <a:t>Grundfunktion des Programms ist gegeben</a:t>
             </a:r>
           </a:p>
           <a:p>
-            <a:endParaRPr lang="de-DE" dirty="0"/>
-          </a:p>
-          <a:p>
+            <a:r>
+              <a:rPr lang="de-DE" dirty="0"/>
+              <a:t>Gute Zusammenarbeit mit </a:t>
+            </a:r>
             <a:r>
               <a:rPr lang="de-DE" dirty="0" err="1"/>
+              <a:t>Git</a:t>
+            </a:r>
+            <a:r>
+              <a:rPr lang="de-DE" dirty="0"/>
+              <a:t> (via </a:t>
+            </a:r>
+            <a:r>
+              <a:rPr lang="de-DE" dirty="0" err="1"/>
+              <a:t>Github</a:t>
+            </a:r>
+            <a:r>
+              <a:rPr lang="de-DE" dirty="0"/>
+              <a:t>)</a:t>
+            </a:r>
+          </a:p>
+          <a:p>
+            <a:endParaRPr lang="de-DE" dirty="0"/>
+          </a:p>
+          <a:p>
+            <a:pPr marL="0" indent="0">
+              <a:buNone/>
+            </a:pPr>
+            <a:r>
+              <a:rPr lang="de-DE" sz="3600" dirty="0"/>
+              <a:t>Folgende Probleme gehabt:</a:t>
+            </a:r>
+          </a:p>
+          <a:p>
+            <a:endParaRPr lang="de-DE" dirty="0"/>
+          </a:p>
+          <a:p>
+            <a:r>
+              <a:rPr lang="de-DE" dirty="0"/>
+              <a:t>Keine oder unzureichende Dokumentation und kaum Anwendungsbeispiele</a:t>
+            </a:r>
+          </a:p>
+          <a:p>
+            <a:r>
+              <a:rPr lang="de-DE" dirty="0"/>
+              <a:t>Pakete konnten mit Cabal nicht verlässlich installiert werden</a:t>
+            </a:r>
+          </a:p>
+          <a:p>
+            <a:r>
+              <a:rPr lang="de-DE" dirty="0"/>
+              <a:t>Veraltete Pakete</a:t>
+            </a:r>
+          </a:p>
+          <a:p>
+            <a:r>
+              <a:rPr lang="de-DE" dirty="0"/>
+              <a:t>Funktionsumfang nicht erreicht</a:t>
+            </a:r>
+          </a:p>
+          <a:p>
+            <a:endParaRPr lang="de-DE" dirty="0"/>
+          </a:p>
+          <a:p>
+            <a:pPr marL="0" indent="0">
+              <a:buNone/>
+            </a:pPr>
+            <a:r>
+              <a:rPr lang="de-DE" sz="3700" dirty="0" err="1"/>
               <a:t>Has</a:t>
             </a:r>
             <a:r>
-              <a:rPr lang="de-DE" dirty="0"/>
-              <a:t>(s)</a:t>
+              <a:rPr lang="de-DE" sz="3700" u="sng" dirty="0" err="1"/>
+              <a:t>s</a:t>
             </a:r>
             <a:r>
-              <a:rPr lang="de-DE" dirty="0" err="1"/>
+              <a:rPr lang="de-DE" sz="3700" dirty="0" err="1"/>
               <a:t>kell</a:t>
             </a:r>
             <a:r>
-              <a:rPr lang="de-DE" dirty="0"/>
+              <a:rPr lang="de-DE" sz="3700" dirty="0"/>
               <a:t> als Programmiersprache?!</a:t>
             </a:r>
+          </a:p>
+          <a:p>
+            <a:pPr marL="0" indent="0">
+              <a:buNone/>
+            </a:pPr>
+            <a:endParaRPr lang="de-DE" dirty="0"/>
+          </a:p>
+          <a:p>
+            <a:r>
+              <a:rPr lang="de-DE" dirty="0"/>
+              <a:t>Bleibt und ist eine Nische für spezielle Anwendungsfälle</a:t>
+            </a:r>
+          </a:p>
+          <a:p>
+            <a:pPr marL="0" indent="0">
+              <a:buNone/>
+            </a:pPr>
+            <a:endParaRPr lang="de-DE" dirty="0"/>
           </a:p>
           <a:p>
             <a:pPr marL="0" indent="0">
@@ -3801,7 +3899,7 @@
                                         <p:tgtEl>
                                           <p:spTgt spid="3">
                                             <p:txEl>
-                                              <p:pRg st="4" end="4"/>
+                                              <p:pRg st="3" end="3"/>
                                             </p:txEl>
                                           </p:spTgt>
                                         </p:tgtEl>
@@ -3819,7 +3917,7 @@
                                         <p:tgtEl>
                                           <p:spTgt spid="3">
                                             <p:txEl>
-                                              <p:pRg st="4" end="4"/>
+                                              <p:pRg st="3" end="3"/>
                                             </p:txEl>
                                           </p:spTgt>
                                         </p:tgtEl>
@@ -3862,7 +3960,7 @@
                                         <p:tgtEl>
                                           <p:spTgt spid="3">
                                             <p:txEl>
-                                              <p:pRg st="6" end="6"/>
+                                              <p:pRg st="4" end="4"/>
                                             </p:txEl>
                                           </p:spTgt>
                                         </p:tgtEl>
@@ -3880,7 +3978,7 @@
                                         <p:tgtEl>
                                           <p:spTgt spid="3">
                                             <p:txEl>
-                                              <p:pRg st="6" end="6"/>
+                                              <p:pRg st="4" end="4"/>
                                             </p:txEl>
                                           </p:spTgt>
                                         </p:tgtEl>
@@ -3923,7 +4021,7 @@
                                         <p:tgtEl>
                                           <p:spTgt spid="3">
                                             <p:txEl>
-                                              <p:pRg st="8" end="8"/>
+                                              <p:pRg st="5" end="5"/>
                                             </p:txEl>
                                           </p:spTgt>
                                         </p:tgtEl>
@@ -3941,7 +4039,495 @@
                                         <p:tgtEl>
                                           <p:spTgt spid="3">
                                             <p:txEl>
+                                              <p:pRg st="5" end="5"/>
+                                            </p:txEl>
+                                          </p:spTgt>
+                                        </p:tgtEl>
+                                      </p:cBhvr>
+                                    </p:animEffect>
+                                  </p:childTnLst>
+                                </p:cTn>
+                              </p:par>
+                            </p:childTnLst>
+                          </p:cTn>
+                        </p:par>
+                      </p:childTnLst>
+                    </p:cTn>
+                  </p:par>
+                  <p:par>
+                    <p:cTn id="28" fill="hold">
+                      <p:stCondLst>
+                        <p:cond delay="indefinite"/>
+                      </p:stCondLst>
+                      <p:childTnLst>
+                        <p:par>
+                          <p:cTn id="29" fill="hold">
+                            <p:stCondLst>
+                              <p:cond delay="0"/>
+                            </p:stCondLst>
+                            <p:childTnLst>
+                              <p:par>
+                                <p:cTn id="30" presetID="10" presetClass="entr" presetSubtype="0" fill="hold" grpId="0" nodeType="clickEffect">
+                                  <p:stCondLst>
+                                    <p:cond delay="0"/>
+                                  </p:stCondLst>
+                                  <p:childTnLst>
+                                    <p:set>
+                                      <p:cBhvr>
+                                        <p:cTn id="31" dur="1" fill="hold">
+                                          <p:stCondLst>
+                                            <p:cond delay="0"/>
+                                          </p:stCondLst>
+                                        </p:cTn>
+                                        <p:tgtEl>
+                                          <p:spTgt spid="3">
+                                            <p:txEl>
+                                              <p:pRg st="6" end="6"/>
+                                            </p:txEl>
+                                          </p:spTgt>
+                                        </p:tgtEl>
+                                        <p:attrNameLst>
+                                          <p:attrName>style.visibility</p:attrName>
+                                        </p:attrNameLst>
+                                      </p:cBhvr>
+                                      <p:to>
+                                        <p:strVal val="visible"/>
+                                      </p:to>
+                                    </p:set>
+                                    <p:animEffect transition="in" filter="fade">
+                                      <p:cBhvr>
+                                        <p:cTn id="32" dur="500"/>
+                                        <p:tgtEl>
+                                          <p:spTgt spid="3">
+                                            <p:txEl>
+                                              <p:pRg st="6" end="6"/>
+                                            </p:txEl>
+                                          </p:spTgt>
+                                        </p:tgtEl>
+                                      </p:cBhvr>
+                                    </p:animEffect>
+                                  </p:childTnLst>
+                                </p:cTn>
+                              </p:par>
+                            </p:childTnLst>
+                          </p:cTn>
+                        </p:par>
+                      </p:childTnLst>
+                    </p:cTn>
+                  </p:par>
+                  <p:par>
+                    <p:cTn id="33" fill="hold">
+                      <p:stCondLst>
+                        <p:cond delay="indefinite"/>
+                      </p:stCondLst>
+                      <p:childTnLst>
+                        <p:par>
+                          <p:cTn id="34" fill="hold">
+                            <p:stCondLst>
+                              <p:cond delay="0"/>
+                            </p:stCondLst>
+                            <p:childTnLst>
+                              <p:par>
+                                <p:cTn id="35" presetID="10" presetClass="entr" presetSubtype="0" fill="hold" grpId="0" nodeType="clickEffect">
+                                  <p:stCondLst>
+                                    <p:cond delay="0"/>
+                                  </p:stCondLst>
+                                  <p:childTnLst>
+                                    <p:set>
+                                      <p:cBhvr>
+                                        <p:cTn id="36" dur="1" fill="hold">
+                                          <p:stCondLst>
+                                            <p:cond delay="0"/>
+                                          </p:stCondLst>
+                                        </p:cTn>
+                                        <p:tgtEl>
+                                          <p:spTgt spid="3">
+                                            <p:txEl>
                                               <p:pRg st="8" end="8"/>
+                                            </p:txEl>
+                                          </p:spTgt>
+                                        </p:tgtEl>
+                                        <p:attrNameLst>
+                                          <p:attrName>style.visibility</p:attrName>
+                                        </p:attrNameLst>
+                                      </p:cBhvr>
+                                      <p:to>
+                                        <p:strVal val="visible"/>
+                                      </p:to>
+                                    </p:set>
+                                    <p:animEffect transition="in" filter="fade">
+                                      <p:cBhvr>
+                                        <p:cTn id="37" dur="500"/>
+                                        <p:tgtEl>
+                                          <p:spTgt spid="3">
+                                            <p:txEl>
+                                              <p:pRg st="8" end="8"/>
+                                            </p:txEl>
+                                          </p:spTgt>
+                                        </p:tgtEl>
+                                      </p:cBhvr>
+                                    </p:animEffect>
+                                  </p:childTnLst>
+                                </p:cTn>
+                              </p:par>
+                            </p:childTnLst>
+                          </p:cTn>
+                        </p:par>
+                      </p:childTnLst>
+                    </p:cTn>
+                  </p:par>
+                  <p:par>
+                    <p:cTn id="38" fill="hold">
+                      <p:stCondLst>
+                        <p:cond delay="indefinite"/>
+                      </p:stCondLst>
+                      <p:childTnLst>
+                        <p:par>
+                          <p:cTn id="39" fill="hold">
+                            <p:stCondLst>
+                              <p:cond delay="0"/>
+                            </p:stCondLst>
+                            <p:childTnLst>
+                              <p:par>
+                                <p:cTn id="40" presetID="10" presetClass="entr" presetSubtype="0" fill="hold" grpId="0" nodeType="clickEffect">
+                                  <p:stCondLst>
+                                    <p:cond delay="0"/>
+                                  </p:stCondLst>
+                                  <p:childTnLst>
+                                    <p:set>
+                                      <p:cBhvr>
+                                        <p:cTn id="41" dur="1" fill="hold">
+                                          <p:stCondLst>
+                                            <p:cond delay="0"/>
+                                          </p:stCondLst>
+                                        </p:cTn>
+                                        <p:tgtEl>
+                                          <p:spTgt spid="3">
+                                            <p:txEl>
+                                              <p:pRg st="10" end="10"/>
+                                            </p:txEl>
+                                          </p:spTgt>
+                                        </p:tgtEl>
+                                        <p:attrNameLst>
+                                          <p:attrName>style.visibility</p:attrName>
+                                        </p:attrNameLst>
+                                      </p:cBhvr>
+                                      <p:to>
+                                        <p:strVal val="visible"/>
+                                      </p:to>
+                                    </p:set>
+                                    <p:animEffect transition="in" filter="fade">
+                                      <p:cBhvr>
+                                        <p:cTn id="42" dur="500"/>
+                                        <p:tgtEl>
+                                          <p:spTgt spid="3">
+                                            <p:txEl>
+                                              <p:pRg st="10" end="10"/>
+                                            </p:txEl>
+                                          </p:spTgt>
+                                        </p:tgtEl>
+                                      </p:cBhvr>
+                                    </p:animEffect>
+                                  </p:childTnLst>
+                                </p:cTn>
+                              </p:par>
+                            </p:childTnLst>
+                          </p:cTn>
+                        </p:par>
+                      </p:childTnLst>
+                    </p:cTn>
+                  </p:par>
+                  <p:par>
+                    <p:cTn id="43" fill="hold">
+                      <p:stCondLst>
+                        <p:cond delay="indefinite"/>
+                      </p:stCondLst>
+                      <p:childTnLst>
+                        <p:par>
+                          <p:cTn id="44" fill="hold">
+                            <p:stCondLst>
+                              <p:cond delay="0"/>
+                            </p:stCondLst>
+                            <p:childTnLst>
+                              <p:par>
+                                <p:cTn id="45" presetID="10" presetClass="entr" presetSubtype="0" fill="hold" grpId="0" nodeType="clickEffect">
+                                  <p:stCondLst>
+                                    <p:cond delay="0"/>
+                                  </p:stCondLst>
+                                  <p:childTnLst>
+                                    <p:set>
+                                      <p:cBhvr>
+                                        <p:cTn id="46" dur="1" fill="hold">
+                                          <p:stCondLst>
+                                            <p:cond delay="0"/>
+                                          </p:stCondLst>
+                                        </p:cTn>
+                                        <p:tgtEl>
+                                          <p:spTgt spid="3">
+                                            <p:txEl>
+                                              <p:pRg st="11" end="11"/>
+                                            </p:txEl>
+                                          </p:spTgt>
+                                        </p:tgtEl>
+                                        <p:attrNameLst>
+                                          <p:attrName>style.visibility</p:attrName>
+                                        </p:attrNameLst>
+                                      </p:cBhvr>
+                                      <p:to>
+                                        <p:strVal val="visible"/>
+                                      </p:to>
+                                    </p:set>
+                                    <p:animEffect transition="in" filter="fade">
+                                      <p:cBhvr>
+                                        <p:cTn id="47" dur="500"/>
+                                        <p:tgtEl>
+                                          <p:spTgt spid="3">
+                                            <p:txEl>
+                                              <p:pRg st="11" end="11"/>
+                                            </p:txEl>
+                                          </p:spTgt>
+                                        </p:tgtEl>
+                                      </p:cBhvr>
+                                    </p:animEffect>
+                                  </p:childTnLst>
+                                </p:cTn>
+                              </p:par>
+                            </p:childTnLst>
+                          </p:cTn>
+                        </p:par>
+                      </p:childTnLst>
+                    </p:cTn>
+                  </p:par>
+                  <p:par>
+                    <p:cTn id="48" fill="hold">
+                      <p:stCondLst>
+                        <p:cond delay="indefinite"/>
+                      </p:stCondLst>
+                      <p:childTnLst>
+                        <p:par>
+                          <p:cTn id="49" fill="hold">
+                            <p:stCondLst>
+                              <p:cond delay="0"/>
+                            </p:stCondLst>
+                            <p:childTnLst>
+                              <p:par>
+                                <p:cTn id="50" presetID="10" presetClass="entr" presetSubtype="0" fill="hold" grpId="0" nodeType="clickEffect">
+                                  <p:stCondLst>
+                                    <p:cond delay="0"/>
+                                  </p:stCondLst>
+                                  <p:childTnLst>
+                                    <p:set>
+                                      <p:cBhvr>
+                                        <p:cTn id="51" dur="1" fill="hold">
+                                          <p:stCondLst>
+                                            <p:cond delay="0"/>
+                                          </p:stCondLst>
+                                        </p:cTn>
+                                        <p:tgtEl>
+                                          <p:spTgt spid="3">
+                                            <p:txEl>
+                                              <p:pRg st="12" end="12"/>
+                                            </p:txEl>
+                                          </p:spTgt>
+                                        </p:tgtEl>
+                                        <p:attrNameLst>
+                                          <p:attrName>style.visibility</p:attrName>
+                                        </p:attrNameLst>
+                                      </p:cBhvr>
+                                      <p:to>
+                                        <p:strVal val="visible"/>
+                                      </p:to>
+                                    </p:set>
+                                    <p:animEffect transition="in" filter="fade">
+                                      <p:cBhvr>
+                                        <p:cTn id="52" dur="500"/>
+                                        <p:tgtEl>
+                                          <p:spTgt spid="3">
+                                            <p:txEl>
+                                              <p:pRg st="12" end="12"/>
+                                            </p:txEl>
+                                          </p:spTgt>
+                                        </p:tgtEl>
+                                      </p:cBhvr>
+                                    </p:animEffect>
+                                  </p:childTnLst>
+                                </p:cTn>
+                              </p:par>
+                            </p:childTnLst>
+                          </p:cTn>
+                        </p:par>
+                      </p:childTnLst>
+                    </p:cTn>
+                  </p:par>
+                  <p:par>
+                    <p:cTn id="53" fill="hold">
+                      <p:stCondLst>
+                        <p:cond delay="indefinite"/>
+                      </p:stCondLst>
+                      <p:childTnLst>
+                        <p:par>
+                          <p:cTn id="54" fill="hold">
+                            <p:stCondLst>
+                              <p:cond delay="0"/>
+                            </p:stCondLst>
+                            <p:childTnLst>
+                              <p:par>
+                                <p:cTn id="55" presetID="10" presetClass="entr" presetSubtype="0" fill="hold" grpId="0" nodeType="clickEffect">
+                                  <p:stCondLst>
+                                    <p:cond delay="0"/>
+                                  </p:stCondLst>
+                                  <p:childTnLst>
+                                    <p:set>
+                                      <p:cBhvr>
+                                        <p:cTn id="56" dur="1" fill="hold">
+                                          <p:stCondLst>
+                                            <p:cond delay="0"/>
+                                          </p:stCondLst>
+                                        </p:cTn>
+                                        <p:tgtEl>
+                                          <p:spTgt spid="3">
+                                            <p:txEl>
+                                              <p:pRg st="13" end="13"/>
+                                            </p:txEl>
+                                          </p:spTgt>
+                                        </p:tgtEl>
+                                        <p:attrNameLst>
+                                          <p:attrName>style.visibility</p:attrName>
+                                        </p:attrNameLst>
+                                      </p:cBhvr>
+                                      <p:to>
+                                        <p:strVal val="visible"/>
+                                      </p:to>
+                                    </p:set>
+                                    <p:animEffect transition="in" filter="fade">
+                                      <p:cBhvr>
+                                        <p:cTn id="57" dur="500"/>
+                                        <p:tgtEl>
+                                          <p:spTgt spid="3">
+                                            <p:txEl>
+                                              <p:pRg st="13" end="13"/>
+                                            </p:txEl>
+                                          </p:spTgt>
+                                        </p:tgtEl>
+                                      </p:cBhvr>
+                                    </p:animEffect>
+                                  </p:childTnLst>
+                                </p:cTn>
+                              </p:par>
+                            </p:childTnLst>
+                          </p:cTn>
+                        </p:par>
+                      </p:childTnLst>
+                    </p:cTn>
+                  </p:par>
+                  <p:par>
+                    <p:cTn id="58" fill="hold">
+                      <p:stCondLst>
+                        <p:cond delay="indefinite"/>
+                      </p:stCondLst>
+                      <p:childTnLst>
+                        <p:par>
+                          <p:cTn id="59" fill="hold">
+                            <p:stCondLst>
+                              <p:cond delay="0"/>
+                            </p:stCondLst>
+                            <p:childTnLst>
+                              <p:par>
+                                <p:cTn id="60" presetID="10" presetClass="entr" presetSubtype="0" fill="hold" grpId="0" nodeType="clickEffect">
+                                  <p:stCondLst>
+                                    <p:cond delay="0"/>
+                                  </p:stCondLst>
+                                  <p:childTnLst>
+                                    <p:set>
+                                      <p:cBhvr>
+                                        <p:cTn id="61" dur="1" fill="hold">
+                                          <p:stCondLst>
+                                            <p:cond delay="0"/>
+                                          </p:stCondLst>
+                                        </p:cTn>
+                                        <p:tgtEl>
+                                          <p:spTgt spid="3">
+                                            <p:txEl>
+                                              <p:pRg st="15" end="15"/>
+                                            </p:txEl>
+                                          </p:spTgt>
+                                        </p:tgtEl>
+                                        <p:attrNameLst>
+                                          <p:attrName>style.visibility</p:attrName>
+                                        </p:attrNameLst>
+                                      </p:cBhvr>
+                                      <p:to>
+                                        <p:strVal val="visible"/>
+                                      </p:to>
+                                    </p:set>
+                                    <p:animEffect transition="in" filter="fade">
+                                      <p:cBhvr>
+                                        <p:cTn id="62" dur="500"/>
+                                        <p:tgtEl>
+                                          <p:spTgt spid="3">
+                                            <p:txEl>
+                                              <p:pRg st="15" end="15"/>
+                                            </p:txEl>
+                                          </p:spTgt>
+                                        </p:tgtEl>
+                                      </p:cBhvr>
+                                    </p:animEffect>
+                                  </p:childTnLst>
+                                </p:cTn>
+                              </p:par>
+                            </p:childTnLst>
+                          </p:cTn>
+                        </p:par>
+                      </p:childTnLst>
+                    </p:cTn>
+                  </p:par>
+                  <p:par>
+                    <p:cTn id="63" fill="hold">
+                      <p:stCondLst>
+                        <p:cond delay="indefinite"/>
+                      </p:stCondLst>
+                      <p:childTnLst>
+                        <p:par>
+                          <p:cTn id="64" fill="hold">
+                            <p:stCondLst>
+                              <p:cond delay="0"/>
+                            </p:stCondLst>
+                            <p:childTnLst>
+                              <p:par>
+                                <p:cTn id="65" presetID="10" presetClass="entr" presetSubtype="0" fill="hold" grpId="0" nodeType="clickEffect">
+                                  <p:stCondLst>
+                                    <p:cond delay="0"/>
+                                  </p:stCondLst>
+                                  <p:childTnLst>
+                                    <p:set>
+                                      <p:cBhvr>
+                                        <p:cTn id="66" dur="1" fill="hold">
+                                          <p:stCondLst>
+                                            <p:cond delay="0"/>
+                                          </p:stCondLst>
+                                        </p:cTn>
+                                        <p:tgtEl>
+                                          <p:spTgt spid="3">
+                                            <p:txEl>
+                                              <p:pRg st="17" end="17"/>
+                                            </p:txEl>
+                                          </p:spTgt>
+                                        </p:tgtEl>
+                                        <p:attrNameLst>
+                                          <p:attrName>style.visibility</p:attrName>
+                                        </p:attrNameLst>
+                                      </p:cBhvr>
+                                      <p:to>
+                                        <p:strVal val="visible"/>
+                                      </p:to>
+                                    </p:set>
+                                    <p:animEffect transition="in" filter="fade">
+                                      <p:cBhvr>
+                                        <p:cTn id="67" dur="500"/>
+                                        <p:tgtEl>
+                                          <p:spTgt spid="3">
+                                            <p:txEl>
+                                              <p:pRg st="17" end="17"/>
                                             </p:txEl>
                                           </p:spTgt>
                                         </p:tgtEl>
@@ -4045,14 +4631,14 @@
           <p:nvPr>
             <p:extLst>
               <p:ext uri="{D42A27DB-BD31-4B8C-83A1-F6EECF244321}">
-                <p14:modId xmlns:p14="http://schemas.microsoft.com/office/powerpoint/2010/main" val="3247270097"/>
+                <p14:modId xmlns:p14="http://schemas.microsoft.com/office/powerpoint/2010/main" val="2397763876"/>
               </p:ext>
             </p:extLst>
           </p:nvPr>
         </p:nvGraphicFramePr>
         <p:xfrm>
-          <a:off x="1409698" y="1690688"/>
-          <a:ext cx="9372603" cy="4242255"/>
+          <a:off x="1409698" y="1473404"/>
+          <a:ext cx="8942307" cy="4242255"/>
         </p:xfrm>
         <a:graphic>
           <a:graphicData uri="http://schemas.openxmlformats.org/drawingml/2006/table">
@@ -4061,28 +4647,35 @@
                 <a:tableStyleId>{5C22544A-7EE6-4342-B048-85BDC9FD1C3A}</a:tableStyleId>
               </a:tblPr>
               <a:tblGrid>
-                <a:gridCol w="2116033">
+                <a:gridCol w="1723602">
                   <a:extLst>
                     <a:ext uri="{9D8B030D-6E8A-4147-A177-3AD203B41FA5}">
                       <a16:colId xmlns:a16="http://schemas.microsoft.com/office/drawing/2014/main" val="1802161498"/>
                     </a:ext>
                   </a:extLst>
                 </a:gridCol>
-                <a:gridCol w="2133964">
+                <a:gridCol w="1738207">
                   <a:extLst>
                     <a:ext uri="{9D8B030D-6E8A-4147-A177-3AD203B41FA5}">
                       <a16:colId xmlns:a16="http://schemas.microsoft.com/office/drawing/2014/main" val="1269543500"/>
                     </a:ext>
                   </a:extLst>
                 </a:gridCol>
-                <a:gridCol w="2456748">
+                <a:gridCol w="1656042">
+                  <a:extLst>
+                    <a:ext uri="{9D8B030D-6E8A-4147-A177-3AD203B41FA5}">
+                      <a16:colId xmlns:a16="http://schemas.microsoft.com/office/drawing/2014/main" val="2223170665"/>
+                    </a:ext>
+                  </a:extLst>
+                </a:gridCol>
+                <a:gridCol w="1819746">
                   <a:extLst>
                     <a:ext uri="{9D8B030D-6E8A-4147-A177-3AD203B41FA5}">
                       <a16:colId xmlns:a16="http://schemas.microsoft.com/office/drawing/2014/main" val="212369715"/>
                     </a:ext>
                   </a:extLst>
                 </a:gridCol>
-                <a:gridCol w="2665858">
+                <a:gridCol w="2004710">
                   <a:extLst>
                     <a:ext uri="{9D8B030D-6E8A-4147-A177-3AD203B41FA5}">
                       <a16:colId xmlns:a16="http://schemas.microsoft.com/office/drawing/2014/main" val="4248164998"/>
@@ -4111,6 +4704,20 @@
                       <a:r>
                         <a:rPr lang="de-DE" dirty="0"/>
                         <a:t>Konzeption</a:t>
+                      </a:r>
+                    </a:p>
+                  </a:txBody>
+                  <a:tcPr anchor="ctr"/>
+                </a:tc>
+                <a:tc>
+                  <a:txBody>
+                    <a:bodyPr/>
+                    <a:lstStyle/>
+                    <a:p>
+                      <a:pPr algn="ctr"/>
+                      <a:r>
+                        <a:rPr lang="de-DE" dirty="0"/>
+                        <a:t>Einrichtung</a:t>
                       </a:r>
                     </a:p>
                   </a:txBody>
@@ -4187,6 +4794,20 @@
                       <a:pPr algn="ctr"/>
                       <a:r>
                         <a:rPr lang="de-DE" dirty="0"/>
+                        <a:t>7 h</a:t>
+                      </a:r>
+                    </a:p>
+                  </a:txBody>
+                  <a:tcPr anchor="ctr"/>
+                </a:tc>
+                <a:tc>
+                  <a:txBody>
+                    <a:bodyPr/>
+                    <a:lstStyle/>
+                    <a:p>
+                      <a:pPr algn="ctr"/>
+                      <a:r>
+                        <a:rPr lang="de-DE" dirty="0"/>
                         <a:t>3 h</a:t>
                       </a:r>
                     </a:p>
@@ -4198,8 +4819,27 @@
                     <a:bodyPr/>
                     <a:lstStyle/>
                     <a:p>
-                      <a:pPr algn="ctr"/>
-                      <a:endParaRPr lang="de-DE" dirty="0"/>
+                      <a:pPr marL="0" marR="0" lvl="0" indent="0" algn="ctr" defTabSz="914400" rtl="0" eaLnBrk="1" fontAlgn="auto" latinLnBrk="0" hangingPunct="1">
+                        <a:lnSpc>
+                          <a:spcPct val="100000"/>
+                        </a:lnSpc>
+                        <a:spcBef>
+                          <a:spcPts val="0"/>
+                        </a:spcBef>
+                        <a:spcAft>
+                          <a:spcPts val="0"/>
+                        </a:spcAft>
+                        <a:buClrTx/>
+                        <a:buSzTx/>
+                        <a:buFontTx/>
+                        <a:buNone/>
+                        <a:tabLst/>
+                        <a:defRPr/>
+                      </a:pPr>
+                      <a:r>
+                        <a:rPr lang="de-DE" dirty="0"/>
+                        <a:t>½ h</a:t>
+                      </a:r>
                     </a:p>
                   </a:txBody>
                   <a:tcPr anchor="ctr"/>
@@ -4233,7 +4873,7 @@
                       <a:pPr algn="ctr"/>
                       <a:r>
                         <a:rPr lang="de-DE" dirty="0"/>
-                        <a:t>1 h</a:t>
+                        <a:t>2 h</a:t>
                       </a:r>
                     </a:p>
                   </a:txBody>
@@ -4247,7 +4887,7 @@
                       <a:pPr algn="ctr"/>
                       <a:r>
                         <a:rPr lang="de-DE" dirty="0"/>
-                        <a:t>5 h</a:t>
+                        <a:t>7 h</a:t>
                       </a:r>
                     </a:p>
                   </a:txBody>
@@ -4259,7 +4899,40 @@
                     <a:lstStyle/>
                     <a:p>
                       <a:pPr algn="ctr"/>
-                      <a:endParaRPr lang="de-DE" dirty="0"/>
+                      <a:r>
+                        <a:rPr lang="de-DE" dirty="0"/>
+                        <a:t>8 h</a:t>
+                      </a:r>
+                    </a:p>
+                  </a:txBody>
+                  <a:tcPr anchor="ctr"/>
+                </a:tc>
+                <a:tc>
+                  <a:txBody>
+                    <a:bodyPr/>
+                    <a:lstStyle/>
+                    <a:p>
+                      <a:pPr marL="0" marR="0" lvl="0" indent="0" algn="ctr" defTabSz="914400" rtl="0" eaLnBrk="1" fontAlgn="auto" latinLnBrk="0" hangingPunct="1">
+                        <a:lnSpc>
+                          <a:spcPct val="100000"/>
+                        </a:lnSpc>
+                        <a:spcBef>
+                          <a:spcPts val="0"/>
+                        </a:spcBef>
+                        <a:spcAft>
+                          <a:spcPts val="0"/>
+                        </a:spcAft>
+                        <a:buClrTx/>
+                        <a:buSzTx/>
+                        <a:buFontTx/>
+                        <a:buNone/>
+                        <a:tabLst/>
+                        <a:defRPr/>
+                      </a:pPr>
+                      <a:r>
+                        <a:rPr lang="de-DE" dirty="0"/>
+                        <a:t>½ h</a:t>
+                      </a:r>
                     </a:p>
                   </a:txBody>
                   <a:tcPr anchor="ctr"/>
@@ -4293,7 +4966,7 @@
                       <a:pPr algn="ctr"/>
                       <a:r>
                         <a:rPr lang="de-DE" dirty="0"/>
-                        <a:t>½ h</a:t>
+                        <a:t>2 h</a:t>
                       </a:r>
                     </a:p>
                   </a:txBody>
@@ -4307,7 +4980,7 @@
                       <a:pPr algn="ctr"/>
                       <a:r>
                         <a:rPr lang="de-DE" dirty="0"/>
-                        <a:t>1 h</a:t>
+                        <a:t>5 h</a:t>
                       </a:r>
                     </a:p>
                   </a:txBody>
@@ -4321,7 +4994,37 @@
                       <a:pPr algn="ctr"/>
                       <a:r>
                         <a:rPr lang="de-DE" dirty="0"/>
-                        <a:t>1 h</a:t>
+                        <a:t>5 h</a:t>
+                      </a:r>
+                    </a:p>
+                  </a:txBody>
+                  <a:tcPr anchor="ctr"/>
+                </a:tc>
+                <a:tc>
+                  <a:txBody>
+                    <a:bodyPr/>
+                    <a:lstStyle/>
+                    <a:p>
+                      <a:pPr marL="0" marR="0" lvl="0" indent="0" algn="ctr" defTabSz="914400" rtl="0" eaLnBrk="1" fontAlgn="auto" latinLnBrk="0" hangingPunct="1">
+                        <a:lnSpc>
+                          <a:spcPct val="100000"/>
+                        </a:lnSpc>
+                        <a:spcBef>
+                          <a:spcPts val="0"/>
+                        </a:spcBef>
+                        <a:spcAft>
+                          <a:spcPts val="0"/>
+                        </a:spcAft>
+                        <a:buClrTx/>
+                        <a:buSzTx/>
+                        <a:buFontTx/>
+                        <a:buNone/>
+                        <a:tabLst/>
+                        <a:defRPr/>
+                      </a:pPr>
+                      <a:r>
+                        <a:rPr lang="de-DE" dirty="0"/>
+                        <a:t>2½ h</a:t>
                       </a:r>
                     </a:p>
                   </a:txBody>
@@ -4353,8 +5056,27 @@
                     <a:bodyPr/>
                     <a:lstStyle/>
                     <a:p>
-                      <a:pPr algn="ctr"/>
-                      <a:endParaRPr lang="de-DE" dirty="0"/>
+                      <a:pPr marL="0" marR="0" lvl="0" indent="0" algn="ctr" defTabSz="914400" rtl="0" eaLnBrk="1" fontAlgn="auto" latinLnBrk="0" hangingPunct="1">
+                        <a:lnSpc>
+                          <a:spcPct val="100000"/>
+                        </a:lnSpc>
+                        <a:spcBef>
+                          <a:spcPts val="0"/>
+                        </a:spcBef>
+                        <a:spcAft>
+                          <a:spcPts val="0"/>
+                        </a:spcAft>
+                        <a:buClrTx/>
+                        <a:buSzTx/>
+                        <a:buFontTx/>
+                        <a:buNone/>
+                        <a:tabLst/>
+                        <a:defRPr/>
+                      </a:pPr>
+                      <a:r>
+                        <a:rPr lang="de-DE" dirty="0"/>
+                        <a:t>4½ h</a:t>
+                      </a:r>
                     </a:p>
                   </a:txBody>
                   <a:tcPr anchor="ctr"/>
@@ -4365,7 +5087,10 @@
                     <a:lstStyle/>
                     <a:p>
                       <a:pPr algn="ctr"/>
-                      <a:endParaRPr lang="de-DE" dirty="0"/>
+                      <a:r>
+                        <a:rPr lang="de-DE" dirty="0"/>
+                        <a:t>19 h</a:t>
+                      </a:r>
                     </a:p>
                   </a:txBody>
                   <a:tcPr anchor="ctr"/>
@@ -4376,7 +5101,40 @@
                     <a:lstStyle/>
                     <a:p>
                       <a:pPr algn="ctr"/>
-                      <a:endParaRPr lang="de-DE" dirty="0"/>
+                      <a:r>
+                        <a:rPr lang="de-DE" dirty="0"/>
+                        <a:t>16 h</a:t>
+                      </a:r>
+                    </a:p>
+                  </a:txBody>
+                  <a:tcPr anchor="ctr"/>
+                </a:tc>
+                <a:tc>
+                  <a:txBody>
+                    <a:bodyPr/>
+                    <a:lstStyle/>
+                    <a:p>
+                      <a:pPr marL="0" marR="0" lvl="0" indent="0" algn="ctr" defTabSz="914400" rtl="0" eaLnBrk="1" fontAlgn="auto" latinLnBrk="0" hangingPunct="1">
+                        <a:lnSpc>
+                          <a:spcPct val="100000"/>
+                        </a:lnSpc>
+                        <a:spcBef>
+                          <a:spcPts val="0"/>
+                        </a:spcBef>
+                        <a:spcAft>
+                          <a:spcPts val="0"/>
+                        </a:spcAft>
+                        <a:buClrTx/>
+                        <a:buSzTx/>
+                        <a:buFontTx/>
+                        <a:buNone/>
+                        <a:tabLst/>
+                        <a:defRPr/>
+                      </a:pPr>
+                      <a:r>
+                        <a:rPr lang="de-DE" dirty="0"/>
+                        <a:t>3½ h</a:t>
+                      </a:r>
                     </a:p>
                   </a:txBody>
                   <a:tcPr anchor="ctr"/>
@@ -4391,6 +5149,65 @@
           </a:graphicData>
         </a:graphic>
       </p:graphicFrame>
+      <p:sp>
+        <p:nvSpPr>
+          <p:cNvPr id="3" name="Titel 1">
+            <a:extLst>
+              <a:ext uri="{FF2B5EF4-FFF2-40B4-BE49-F238E27FC236}">
+                <a16:creationId xmlns:a16="http://schemas.microsoft.com/office/drawing/2014/main" id="{3D15D9F0-B76B-7E71-DCA0-600B26BD02C1}"/>
+              </a:ext>
+            </a:extLst>
+          </p:cNvPr>
+          <p:cNvSpPr txBox="1">
+            <a:spLocks/>
+          </p:cNvSpPr>
+          <p:nvPr/>
+        </p:nvSpPr>
+        <p:spPr>
+          <a:xfrm rot="817074">
+            <a:off x="838200" y="3040391"/>
+            <a:ext cx="10515600" cy="1325563"/>
+          </a:xfrm>
+          <a:prstGeom prst="rect">
+            <a:avLst/>
+          </a:prstGeom>
+        </p:spPr>
+        <p:txBody>
+          <a:bodyPr vert="horz" lIns="91440" tIns="45720" rIns="91440" bIns="45720" rtlCol="0" anchor="ctr">
+            <a:normAutofit/>
+          </a:bodyPr>
+          <a:lstStyle>
+            <a:lvl1pPr algn="l" defTabSz="914400" rtl="0" eaLnBrk="1" latinLnBrk="0" hangingPunct="1">
+              <a:lnSpc>
+                <a:spcPct val="90000"/>
+              </a:lnSpc>
+              <a:spcBef>
+                <a:spcPct val="0"/>
+              </a:spcBef>
+              <a:buNone/>
+              <a:defRPr sz="4400" kern="1200">
+                <a:solidFill>
+                  <a:schemeClr val="tx1"/>
+                </a:solidFill>
+                <a:latin typeface="+mj-lt"/>
+                <a:ea typeface="+mj-ea"/>
+                <a:cs typeface="+mj-cs"/>
+              </a:defRPr>
+            </a:lvl1pPr>
+          </a:lstStyle>
+          <a:p>
+            <a:pPr algn="ctr"/>
+            <a:r>
+              <a:rPr lang="de-DE" dirty="0">
+                <a:highlight>
+                  <a:srgbClr val="FFFF00"/>
+                </a:highlight>
+              </a:rPr>
+              <a:t> = 43 Mannstunden</a:t>
+            </a:r>
+          </a:p>
+        </p:txBody>
+      </p:sp>
     </p:spTree>
     <p:extLst>
       <p:ext uri="{BB962C8B-B14F-4D97-AF65-F5344CB8AC3E}">
@@ -4401,6 +5218,145 @@
   <p:clrMapOvr>
     <a:masterClrMapping/>
   </p:clrMapOvr>
+  <p:timing>
+    <p:tnLst>
+      <p:par>
+        <p:cTn id="1" dur="indefinite" restart="never" nodeType="tmRoot">
+          <p:childTnLst>
+            <p:seq concurrent="1" nextAc="seek">
+              <p:cTn id="2" dur="indefinite" nodeType="mainSeq">
+                <p:childTnLst>
+                  <p:par>
+                    <p:cTn id="3" fill="hold">
+                      <p:stCondLst>
+                        <p:cond delay="indefinite"/>
+                      </p:stCondLst>
+                      <p:childTnLst>
+                        <p:par>
+                          <p:cTn id="4" fill="hold">
+                            <p:stCondLst>
+                              <p:cond delay="0"/>
+                            </p:stCondLst>
+                            <p:childTnLst>
+                              <p:par>
+                                <p:cTn id="5" presetID="10" presetClass="entr" presetSubtype="0" fill="hold" nodeType="clickEffect">
+                                  <p:stCondLst>
+                                    <p:cond delay="0"/>
+                                  </p:stCondLst>
+                                  <p:childTnLst>
+                                    <p:set>
+                                      <p:cBhvr>
+                                        <p:cTn id="6" dur="1" fill="hold">
+                                          <p:stCondLst>
+                                            <p:cond delay="0"/>
+                                          </p:stCondLst>
+                                        </p:cTn>
+                                        <p:tgtEl>
+                                          <p:spTgt spid="4"/>
+                                        </p:tgtEl>
+                                        <p:attrNameLst>
+                                          <p:attrName>style.visibility</p:attrName>
+                                        </p:attrNameLst>
+                                      </p:cBhvr>
+                                      <p:to>
+                                        <p:strVal val="visible"/>
+                                      </p:to>
+                                    </p:set>
+                                    <p:animEffect transition="in" filter="fade">
+                                      <p:cBhvr>
+                                        <p:cTn id="7" dur="500"/>
+                                        <p:tgtEl>
+                                          <p:spTgt spid="4"/>
+                                        </p:tgtEl>
+                                      </p:cBhvr>
+                                    </p:animEffect>
+                                  </p:childTnLst>
+                                </p:cTn>
+                              </p:par>
+                            </p:childTnLst>
+                          </p:cTn>
+                        </p:par>
+                      </p:childTnLst>
+                    </p:cTn>
+                  </p:par>
+                  <p:par>
+                    <p:cTn id="8" fill="hold">
+                      <p:stCondLst>
+                        <p:cond delay="indefinite"/>
+                      </p:stCondLst>
+                      <p:childTnLst>
+                        <p:par>
+                          <p:cTn id="9" fill="hold">
+                            <p:stCondLst>
+                              <p:cond delay="0"/>
+                            </p:stCondLst>
+                            <p:childTnLst>
+                              <p:par>
+                                <p:cTn id="10" presetID="10" presetClass="entr" presetSubtype="0" fill="hold" grpId="0" nodeType="clickEffect">
+                                  <p:stCondLst>
+                                    <p:cond delay="0"/>
+                                  </p:stCondLst>
+                                  <p:childTnLst>
+                                    <p:set>
+                                      <p:cBhvr>
+                                        <p:cTn id="11" dur="1" fill="hold">
+                                          <p:stCondLst>
+                                            <p:cond delay="0"/>
+                                          </p:stCondLst>
+                                        </p:cTn>
+                                        <p:tgtEl>
+                                          <p:spTgt spid="3"/>
+                                        </p:tgtEl>
+                                        <p:attrNameLst>
+                                          <p:attrName>style.visibility</p:attrName>
+                                        </p:attrNameLst>
+                                      </p:cBhvr>
+                                      <p:to>
+                                        <p:strVal val="visible"/>
+                                      </p:to>
+                                    </p:set>
+                                    <p:animEffect transition="in" filter="fade">
+                                      <p:cBhvr>
+                                        <p:cTn id="12" dur="500"/>
+                                        <p:tgtEl>
+                                          <p:spTgt spid="3"/>
+                                        </p:tgtEl>
+                                      </p:cBhvr>
+                                    </p:animEffect>
+                                  </p:childTnLst>
+                                </p:cTn>
+                              </p:par>
+                            </p:childTnLst>
+                          </p:cTn>
+                        </p:par>
+                      </p:childTnLst>
+                    </p:cTn>
+                  </p:par>
+                </p:childTnLst>
+              </p:cTn>
+              <p:prevCondLst>
+                <p:cond evt="onPrev" delay="0">
+                  <p:tgtEl>
+                    <p:sldTgt/>
+                  </p:tgtEl>
+                </p:cond>
+              </p:prevCondLst>
+              <p:nextCondLst>
+                <p:cond evt="onNext" delay="0">
+                  <p:tgtEl>
+                    <p:sldTgt/>
+                  </p:tgtEl>
+                </p:cond>
+              </p:nextCondLst>
+            </p:seq>
+          </p:childTnLst>
+        </p:cTn>
+      </p:par>
+    </p:tnLst>
+    <p:bldLst>
+      <p:bldP spid="3" grpId="0"/>
+    </p:bldLst>
+  </p:timing>
 </p:sld>
 </file>
 
@@ -9120,10 +10076,27 @@
                 <a:buNone/>
               </a:pPr>
               <a:r>
-                <a:rPr lang="de-DE" sz="1500" dirty="0"/>
+                <a:rPr lang="de-DE" sz="1500" strike="sngStrike" dirty="0"/>
                 <a:t>Gloss</a:t>
               </a:r>
-              <a:endParaRPr lang="de-DE" sz="1500" kern="1200" dirty="0"/>
+            </a:p>
+            <a:p>
+              <a:pPr marL="0" lvl="0" indent="0" algn="ctr" defTabSz="666750">
+                <a:lnSpc>
+                  <a:spcPct val="90000"/>
+                </a:lnSpc>
+                <a:spcBef>
+                  <a:spcPct val="0"/>
+                </a:spcBef>
+                <a:spcAft>
+                  <a:spcPct val="35000"/>
+                </a:spcAft>
+                <a:buNone/>
+              </a:pPr>
+              <a:r>
+                <a:rPr lang="de-DE" sz="1500" kern="1200" dirty="0"/>
+                <a:t>GTK3</a:t>
+              </a:r>
             </a:p>
           </p:txBody>
         </p:sp>
@@ -12634,7 +13607,7 @@
           <p:cNvPr id="2" name="Titel 1">
             <a:extLst>
               <a:ext uri="{FF2B5EF4-FFF2-40B4-BE49-F238E27FC236}">
-                <a16:creationId xmlns:a16="http://schemas.microsoft.com/office/drawing/2014/main" id="{91A9A188-7E7B-25AD-68C9-E60C4111C488}"/>
+                <a16:creationId xmlns:a16="http://schemas.microsoft.com/office/drawing/2014/main" id="{AF306DCF-BA83-BC72-4659-E9D267E93760}"/>
               </a:ext>
             </a:extLst>
           </p:cNvPr>
@@ -12653,15 +13626,50 @@
             <a:pPr algn="ctr"/>
             <a:r>
               <a:rPr lang="de-DE" dirty="0"/>
-              <a:t>Programmvorstellung</a:t>
+              <a:t>Konzeption</a:t>
             </a:r>
           </a:p>
         </p:txBody>
       </p:sp>
+      <p:pic>
+        <p:nvPicPr>
+          <p:cNvPr id="5" name="Inhaltsplatzhalter 4">
+            <a:extLst>
+              <a:ext uri="{FF2B5EF4-FFF2-40B4-BE49-F238E27FC236}">
+                <a16:creationId xmlns:a16="http://schemas.microsoft.com/office/drawing/2014/main" id="{ED78B15B-D229-96C0-6081-34CC4208676B}"/>
+              </a:ext>
+            </a:extLst>
+          </p:cNvPr>
+          <p:cNvPicPr>
+            <a:picLocks noGrp="1" noChangeAspect="1"/>
+          </p:cNvPicPr>
+          <p:nvPr>
+            <p:ph idx="1"/>
+          </p:nvPr>
+        </p:nvPicPr>
+        <p:blipFill>
+          <a:blip r:embed="rId2">
+            <a:extLst>
+              <a:ext uri="{28A0092B-C50C-407E-A947-70E740481C1C}">
+                <a14:useLocalDpi xmlns:a14="http://schemas.microsoft.com/office/drawing/2010/main" val="0"/>
+              </a:ext>
+            </a:extLst>
+          </a:blip>
+          <a:stretch>
+            <a:fillRect/>
+          </a:stretch>
+        </p:blipFill>
+        <p:spPr>
+          <a:xfrm>
+            <a:off x="3291285" y="1690688"/>
+            <a:ext cx="5609429" cy="4947356"/>
+          </a:xfrm>
+        </p:spPr>
+      </p:pic>
     </p:spTree>
     <p:extLst>
       <p:ext uri="{BB962C8B-B14F-4D97-AF65-F5344CB8AC3E}">
-        <p14:creationId xmlns:p14="http://schemas.microsoft.com/office/powerpoint/2010/main" val="2345368440"/>
+        <p14:creationId xmlns:p14="http://schemas.microsoft.com/office/powerpoint/2010/main" val="1842051178"/>
       </p:ext>
     </p:extLst>
   </p:cSld>
@@ -12693,7 +13701,7 @@
           <p:cNvPr id="2" name="Titel 1">
             <a:extLst>
               <a:ext uri="{FF2B5EF4-FFF2-40B4-BE49-F238E27FC236}">
-                <a16:creationId xmlns:a16="http://schemas.microsoft.com/office/drawing/2014/main" id="{72DD5949-DBEF-06D6-131F-71210ACDD7A0}"/>
+                <a16:creationId xmlns:a16="http://schemas.microsoft.com/office/drawing/2014/main" id="{91A9A188-7E7B-25AD-68C9-E60C4111C488}"/>
               </a:ext>
             </a:extLst>
           </p:cNvPr>
@@ -12712,40 +13720,15 @@
             <a:pPr algn="ctr"/>
             <a:r>
               <a:rPr lang="de-DE" dirty="0"/>
-              <a:t>Der Code</a:t>
+              <a:t>Programm- und Codevorstellung</a:t>
             </a:r>
-          </a:p>
-        </p:txBody>
-      </p:sp>
-      <p:sp>
-        <p:nvSpPr>
-          <p:cNvPr id="3" name="Inhaltsplatzhalter 2">
-            <a:extLst>
-              <a:ext uri="{FF2B5EF4-FFF2-40B4-BE49-F238E27FC236}">
-                <a16:creationId xmlns:a16="http://schemas.microsoft.com/office/drawing/2014/main" id="{4A52F948-9394-B3F0-BB7E-9A5E6B11719F}"/>
-              </a:ext>
-            </a:extLst>
-          </p:cNvPr>
-          <p:cNvSpPr>
-            <a:spLocks noGrp="1"/>
-          </p:cNvSpPr>
-          <p:nvPr>
-            <p:ph idx="1"/>
-          </p:nvPr>
-        </p:nvSpPr>
-        <p:spPr/>
-        <p:txBody>
-          <a:bodyPr/>
-          <a:lstStyle/>
-          <a:p>
-            <a:endParaRPr lang="de-DE"/>
           </a:p>
         </p:txBody>
       </p:sp>
     </p:spTree>
     <p:extLst>
       <p:ext uri="{BB962C8B-B14F-4D97-AF65-F5344CB8AC3E}">
-        <p14:creationId xmlns:p14="http://schemas.microsoft.com/office/powerpoint/2010/main" val="2245428649"/>
+        <p14:creationId xmlns:p14="http://schemas.microsoft.com/office/powerpoint/2010/main" val="2345368440"/>
       </p:ext>
     </p:extLst>
   </p:cSld>

--- a/Praesentation/SuperSort.pptx
+++ b/Praesentation/SuperSort.pptx
@@ -14,9 +14,11 @@
     <p:sldId id="260" r:id="rId8"/>
     <p:sldId id="268" r:id="rId9"/>
     <p:sldId id="263" r:id="rId10"/>
-    <p:sldId id="261" r:id="rId11"/>
-    <p:sldId id="264" r:id="rId12"/>
-    <p:sldId id="265" r:id="rId13"/>
+    <p:sldId id="269" r:id="rId11"/>
+    <p:sldId id="261" r:id="rId12"/>
+    <p:sldId id="270" r:id="rId13"/>
+    <p:sldId id="264" r:id="rId14"/>
+    <p:sldId id="265" r:id="rId15"/>
   </p:sldIdLst>
   <p:sldSz cx="12192000" cy="6858000"/>
   <p:notesSz cx="6858000" cy="9144000"/>
@@ -270,7 +272,7 @@
           <a:p>
             <a:fld id="{AEBCA739-919E-4F44-8D27-30D310F4C35C}" type="datetimeFigureOut">
               <a:rPr lang="de-DE" smtClean="0"/>
-              <a:t>11.05.2024</a:t>
+              <a:t>12.05.2024</a:t>
             </a:fld>
             <a:endParaRPr lang="de-DE"/>
           </a:p>
@@ -468,7 +470,7 @@
           <a:p>
             <a:fld id="{AEBCA739-919E-4F44-8D27-30D310F4C35C}" type="datetimeFigureOut">
               <a:rPr lang="de-DE" smtClean="0"/>
-              <a:t>11.05.2024</a:t>
+              <a:t>12.05.2024</a:t>
             </a:fld>
             <a:endParaRPr lang="de-DE"/>
           </a:p>
@@ -676,7 +678,7 @@
           <a:p>
             <a:fld id="{AEBCA739-919E-4F44-8D27-30D310F4C35C}" type="datetimeFigureOut">
               <a:rPr lang="de-DE" smtClean="0"/>
-              <a:t>11.05.2024</a:t>
+              <a:t>12.05.2024</a:t>
             </a:fld>
             <a:endParaRPr lang="de-DE"/>
           </a:p>
@@ -874,7 +876,7 @@
           <a:p>
             <a:fld id="{AEBCA739-919E-4F44-8D27-30D310F4C35C}" type="datetimeFigureOut">
               <a:rPr lang="de-DE" smtClean="0"/>
-              <a:t>11.05.2024</a:t>
+              <a:t>12.05.2024</a:t>
             </a:fld>
             <a:endParaRPr lang="de-DE"/>
           </a:p>
@@ -1149,7 +1151,7 @@
           <a:p>
             <a:fld id="{AEBCA739-919E-4F44-8D27-30D310F4C35C}" type="datetimeFigureOut">
               <a:rPr lang="de-DE" smtClean="0"/>
-              <a:t>11.05.2024</a:t>
+              <a:t>12.05.2024</a:t>
             </a:fld>
             <a:endParaRPr lang="de-DE"/>
           </a:p>
@@ -1414,7 +1416,7 @@
           <a:p>
             <a:fld id="{AEBCA739-919E-4F44-8D27-30D310F4C35C}" type="datetimeFigureOut">
               <a:rPr lang="de-DE" smtClean="0"/>
-              <a:t>11.05.2024</a:t>
+              <a:t>12.05.2024</a:t>
             </a:fld>
             <a:endParaRPr lang="de-DE"/>
           </a:p>
@@ -1826,7 +1828,7 @@
           <a:p>
             <a:fld id="{AEBCA739-919E-4F44-8D27-30D310F4C35C}" type="datetimeFigureOut">
               <a:rPr lang="de-DE" smtClean="0"/>
-              <a:t>11.05.2024</a:t>
+              <a:t>12.05.2024</a:t>
             </a:fld>
             <a:endParaRPr lang="de-DE"/>
           </a:p>
@@ -1967,7 +1969,7 @@
           <a:p>
             <a:fld id="{AEBCA739-919E-4F44-8D27-30D310F4C35C}" type="datetimeFigureOut">
               <a:rPr lang="de-DE" smtClean="0"/>
-              <a:t>11.05.2024</a:t>
+              <a:t>12.05.2024</a:t>
             </a:fld>
             <a:endParaRPr lang="de-DE"/>
           </a:p>
@@ -2080,7 +2082,7 @@
           <a:p>
             <a:fld id="{AEBCA739-919E-4F44-8D27-30D310F4C35C}" type="datetimeFigureOut">
               <a:rPr lang="de-DE" smtClean="0"/>
-              <a:t>11.05.2024</a:t>
+              <a:t>12.05.2024</a:t>
             </a:fld>
             <a:endParaRPr lang="de-DE"/>
           </a:p>
@@ -2391,7 +2393,7 @@
           <a:p>
             <a:fld id="{AEBCA739-919E-4F44-8D27-30D310F4C35C}" type="datetimeFigureOut">
               <a:rPr lang="de-DE" smtClean="0"/>
-              <a:t>11.05.2024</a:t>
+              <a:t>12.05.2024</a:t>
             </a:fld>
             <a:endParaRPr lang="de-DE"/>
           </a:p>
@@ -2679,7 +2681,7 @@
           <a:p>
             <a:fld id="{AEBCA739-919E-4F44-8D27-30D310F4C35C}" type="datetimeFigureOut">
               <a:rPr lang="de-DE" smtClean="0"/>
-              <a:t>11.05.2024</a:t>
+              <a:t>12.05.2024</a:t>
             </a:fld>
             <a:endParaRPr lang="de-DE"/>
           </a:p>
@@ -2949,7 +2951,7 @@
           <a:p>
             <a:fld id="{AEBCA739-919E-4F44-8D27-30D310F4C35C}" type="datetimeFigureOut">
               <a:rPr lang="de-DE" smtClean="0"/>
-              <a:t>11.05.2024</a:t>
+              <a:t>12.05.2024</a:t>
             </a:fld>
             <a:endParaRPr lang="de-DE"/>
           </a:p>
@@ -3522,6 +3524,123 @@
           <p:cNvPr id="2" name="Titel 1">
             <a:extLst>
               <a:ext uri="{FF2B5EF4-FFF2-40B4-BE49-F238E27FC236}">
+                <a16:creationId xmlns:a16="http://schemas.microsoft.com/office/drawing/2014/main" id="{5D209B16-6EBA-31CC-58E9-27E8FFE04FB9}"/>
+              </a:ext>
+            </a:extLst>
+          </p:cNvPr>
+          <p:cNvSpPr>
+            <a:spLocks noGrp="1"/>
+          </p:cNvSpPr>
+          <p:nvPr>
+            <p:ph type="title"/>
+          </p:nvPr>
+        </p:nvSpPr>
+        <p:spPr/>
+        <p:txBody>
+          <a:bodyPr/>
+          <a:lstStyle/>
+          <a:p>
+            <a:pPr algn="ctr"/>
+            <a:r>
+              <a:rPr lang="de-DE" dirty="0"/>
+              <a:t>Fazit</a:t>
+            </a:r>
+          </a:p>
+        </p:txBody>
+      </p:sp>
+      <p:sp>
+        <p:nvSpPr>
+          <p:cNvPr id="3" name="Inhaltsplatzhalter 2">
+            <a:extLst>
+              <a:ext uri="{FF2B5EF4-FFF2-40B4-BE49-F238E27FC236}">
+                <a16:creationId xmlns:a16="http://schemas.microsoft.com/office/drawing/2014/main" id="{08EED26D-2606-AAF6-118D-0D44BDF88808}"/>
+              </a:ext>
+            </a:extLst>
+          </p:cNvPr>
+          <p:cNvSpPr>
+            <a:spLocks noGrp="1"/>
+          </p:cNvSpPr>
+          <p:nvPr>
+            <p:ph idx="1"/>
+          </p:nvPr>
+        </p:nvSpPr>
+        <p:spPr/>
+        <p:txBody>
+          <a:bodyPr/>
+          <a:lstStyle/>
+          <a:p>
+            <a:pPr marL="0" indent="0">
+              <a:buNone/>
+            </a:pPr>
+            <a:r>
+              <a:rPr lang="de-DE" dirty="0"/>
+              <a:t>Folgende Probleme gehabt:</a:t>
+            </a:r>
+          </a:p>
+          <a:p>
+            <a:endParaRPr lang="de-DE" dirty="0"/>
+          </a:p>
+          <a:p>
+            <a:r>
+              <a:rPr lang="de-DE" dirty="0"/>
+              <a:t>Keine oder unzureichende Dokumentation und kaum Anwendungsbeispiele</a:t>
+            </a:r>
+          </a:p>
+          <a:p>
+            <a:r>
+              <a:rPr lang="de-DE" dirty="0"/>
+              <a:t>Pakete konnten mit Cabal nicht verlässlich installiert werden</a:t>
+            </a:r>
+          </a:p>
+          <a:p>
+            <a:r>
+              <a:rPr lang="de-DE" dirty="0"/>
+              <a:t>Veraltete Pakete</a:t>
+            </a:r>
+          </a:p>
+          <a:p>
+            <a:r>
+              <a:rPr lang="de-DE" dirty="0"/>
+              <a:t>Funktionsumfang nicht erreicht</a:t>
+            </a:r>
+          </a:p>
+        </p:txBody>
+      </p:sp>
+    </p:spTree>
+    <p:extLst>
+      <p:ext uri="{BB962C8B-B14F-4D97-AF65-F5344CB8AC3E}">
+        <p14:creationId xmlns:p14="http://schemas.microsoft.com/office/powerpoint/2010/main" val="2680635727"/>
+      </p:ext>
+    </p:extLst>
+  </p:cSld>
+  <p:clrMapOvr>
+    <a:masterClrMapping/>
+  </p:clrMapOvr>
+</p:sld>
+</file>
+
+<file path=ppt/slides/slide11.xml><?xml version="1.0" encoding="utf-8"?>
+<p:sld xmlns:a="http://schemas.openxmlformats.org/drawingml/2006/main" xmlns:r="http://schemas.openxmlformats.org/officeDocument/2006/relationships" xmlns:p="http://schemas.openxmlformats.org/presentationml/2006/main">
+  <p:cSld>
+    <p:spTree>
+      <p:nvGrpSpPr>
+        <p:cNvPr id="1" name=""/>
+        <p:cNvGrpSpPr/>
+        <p:nvPr/>
+      </p:nvGrpSpPr>
+      <p:grpSpPr>
+        <a:xfrm>
+          <a:off x="0" y="0"/>
+          <a:ext cx="0" cy="0"/>
+          <a:chOff x="0" y="0"/>
+          <a:chExt cx="0" cy="0"/>
+        </a:xfrm>
+      </p:grpSpPr>
+      <p:sp>
+        <p:nvSpPr>
+          <p:cNvPr id="2" name="Titel 1">
+            <a:extLst>
+              <a:ext uri="{FF2B5EF4-FFF2-40B4-BE49-F238E27FC236}">
                 <a16:creationId xmlns:a16="http://schemas.microsoft.com/office/drawing/2014/main" id="{636AF43D-66EB-EF61-3A62-EA00537EFAD7}"/>
               </a:ext>
             </a:extLst>
@@ -3570,7 +3689,7 @@
         </p:spPr>
         <p:txBody>
           <a:bodyPr>
-            <a:normAutofit fontScale="47500" lnSpcReduction="20000"/>
+            <a:normAutofit/>
           </a:bodyPr>
           <a:lstStyle/>
           <a:p>
@@ -3578,15 +3697,15 @@
               <a:buNone/>
             </a:pPr>
             <a:r>
-              <a:rPr lang="de-DE" sz="3600" dirty="0"/>
+              <a:rPr lang="de-DE" dirty="0"/>
               <a:t>Innerhalb von </a:t>
             </a:r>
             <a:r>
-              <a:rPr lang="de-DE" sz="3600" u="sng" dirty="0"/>
+              <a:rPr lang="de-DE" u="sng" dirty="0"/>
               <a:t>43</a:t>
             </a:r>
             <a:r>
-              <a:rPr lang="de-DE" sz="3600" dirty="0"/>
+              <a:rPr lang="de-DE" dirty="0"/>
               <a:t> Stunden folgende Ziele erreicht:</a:t>
             </a:r>
           </a:p>
@@ -3637,81 +3756,6 @@
             <a:r>
               <a:rPr lang="de-DE" dirty="0"/>
               <a:t>)</a:t>
-            </a:r>
-          </a:p>
-          <a:p>
-            <a:endParaRPr lang="de-DE" dirty="0"/>
-          </a:p>
-          <a:p>
-            <a:pPr marL="0" indent="0">
-              <a:buNone/>
-            </a:pPr>
-            <a:r>
-              <a:rPr lang="de-DE" sz="3600" dirty="0"/>
-              <a:t>Folgende Probleme gehabt:</a:t>
-            </a:r>
-          </a:p>
-          <a:p>
-            <a:endParaRPr lang="de-DE" dirty="0"/>
-          </a:p>
-          <a:p>
-            <a:r>
-              <a:rPr lang="de-DE" dirty="0"/>
-              <a:t>Keine oder unzureichende Dokumentation und kaum Anwendungsbeispiele</a:t>
-            </a:r>
-          </a:p>
-          <a:p>
-            <a:r>
-              <a:rPr lang="de-DE" dirty="0"/>
-              <a:t>Pakete konnten mit Cabal nicht verlässlich installiert werden</a:t>
-            </a:r>
-          </a:p>
-          <a:p>
-            <a:r>
-              <a:rPr lang="de-DE" dirty="0"/>
-              <a:t>Veraltete Pakete</a:t>
-            </a:r>
-          </a:p>
-          <a:p>
-            <a:r>
-              <a:rPr lang="de-DE" dirty="0"/>
-              <a:t>Funktionsumfang nicht erreicht</a:t>
-            </a:r>
-          </a:p>
-          <a:p>
-            <a:endParaRPr lang="de-DE" dirty="0"/>
-          </a:p>
-          <a:p>
-            <a:pPr marL="0" indent="0">
-              <a:buNone/>
-            </a:pPr>
-            <a:r>
-              <a:rPr lang="de-DE" sz="3700" dirty="0" err="1"/>
-              <a:t>Has</a:t>
-            </a:r>
-            <a:r>
-              <a:rPr lang="de-DE" sz="3700" u="sng" dirty="0" err="1"/>
-              <a:t>s</a:t>
-            </a:r>
-            <a:r>
-              <a:rPr lang="de-DE" sz="3700" dirty="0" err="1"/>
-              <a:t>kell</a:t>
-            </a:r>
-            <a:r>
-              <a:rPr lang="de-DE" sz="3700" dirty="0"/>
-              <a:t> als Programmiersprache?!</a:t>
-            </a:r>
-          </a:p>
-          <a:p>
-            <a:pPr marL="0" indent="0">
-              <a:buNone/>
-            </a:pPr>
-            <a:endParaRPr lang="de-DE" dirty="0"/>
-          </a:p>
-          <a:p>
-            <a:r>
-              <a:rPr lang="de-DE" dirty="0"/>
-              <a:t>Bleibt und ist eine Nische für spezielle Anwendungsfälle</a:t>
             </a:r>
           </a:p>
           <a:p>
@@ -4115,433 +4159,6 @@
                       </p:childTnLst>
                     </p:cTn>
                   </p:par>
-                  <p:par>
-                    <p:cTn id="33" fill="hold">
-                      <p:stCondLst>
-                        <p:cond delay="indefinite"/>
-                      </p:stCondLst>
-                      <p:childTnLst>
-                        <p:par>
-                          <p:cTn id="34" fill="hold">
-                            <p:stCondLst>
-                              <p:cond delay="0"/>
-                            </p:stCondLst>
-                            <p:childTnLst>
-                              <p:par>
-                                <p:cTn id="35" presetID="10" presetClass="entr" presetSubtype="0" fill="hold" grpId="0" nodeType="clickEffect">
-                                  <p:stCondLst>
-                                    <p:cond delay="0"/>
-                                  </p:stCondLst>
-                                  <p:childTnLst>
-                                    <p:set>
-                                      <p:cBhvr>
-                                        <p:cTn id="36" dur="1" fill="hold">
-                                          <p:stCondLst>
-                                            <p:cond delay="0"/>
-                                          </p:stCondLst>
-                                        </p:cTn>
-                                        <p:tgtEl>
-                                          <p:spTgt spid="3">
-                                            <p:txEl>
-                                              <p:pRg st="8" end="8"/>
-                                            </p:txEl>
-                                          </p:spTgt>
-                                        </p:tgtEl>
-                                        <p:attrNameLst>
-                                          <p:attrName>style.visibility</p:attrName>
-                                        </p:attrNameLst>
-                                      </p:cBhvr>
-                                      <p:to>
-                                        <p:strVal val="visible"/>
-                                      </p:to>
-                                    </p:set>
-                                    <p:animEffect transition="in" filter="fade">
-                                      <p:cBhvr>
-                                        <p:cTn id="37" dur="500"/>
-                                        <p:tgtEl>
-                                          <p:spTgt spid="3">
-                                            <p:txEl>
-                                              <p:pRg st="8" end="8"/>
-                                            </p:txEl>
-                                          </p:spTgt>
-                                        </p:tgtEl>
-                                      </p:cBhvr>
-                                    </p:animEffect>
-                                  </p:childTnLst>
-                                </p:cTn>
-                              </p:par>
-                            </p:childTnLst>
-                          </p:cTn>
-                        </p:par>
-                      </p:childTnLst>
-                    </p:cTn>
-                  </p:par>
-                  <p:par>
-                    <p:cTn id="38" fill="hold">
-                      <p:stCondLst>
-                        <p:cond delay="indefinite"/>
-                      </p:stCondLst>
-                      <p:childTnLst>
-                        <p:par>
-                          <p:cTn id="39" fill="hold">
-                            <p:stCondLst>
-                              <p:cond delay="0"/>
-                            </p:stCondLst>
-                            <p:childTnLst>
-                              <p:par>
-                                <p:cTn id="40" presetID="10" presetClass="entr" presetSubtype="0" fill="hold" grpId="0" nodeType="clickEffect">
-                                  <p:stCondLst>
-                                    <p:cond delay="0"/>
-                                  </p:stCondLst>
-                                  <p:childTnLst>
-                                    <p:set>
-                                      <p:cBhvr>
-                                        <p:cTn id="41" dur="1" fill="hold">
-                                          <p:stCondLst>
-                                            <p:cond delay="0"/>
-                                          </p:stCondLst>
-                                        </p:cTn>
-                                        <p:tgtEl>
-                                          <p:spTgt spid="3">
-                                            <p:txEl>
-                                              <p:pRg st="10" end="10"/>
-                                            </p:txEl>
-                                          </p:spTgt>
-                                        </p:tgtEl>
-                                        <p:attrNameLst>
-                                          <p:attrName>style.visibility</p:attrName>
-                                        </p:attrNameLst>
-                                      </p:cBhvr>
-                                      <p:to>
-                                        <p:strVal val="visible"/>
-                                      </p:to>
-                                    </p:set>
-                                    <p:animEffect transition="in" filter="fade">
-                                      <p:cBhvr>
-                                        <p:cTn id="42" dur="500"/>
-                                        <p:tgtEl>
-                                          <p:spTgt spid="3">
-                                            <p:txEl>
-                                              <p:pRg st="10" end="10"/>
-                                            </p:txEl>
-                                          </p:spTgt>
-                                        </p:tgtEl>
-                                      </p:cBhvr>
-                                    </p:animEffect>
-                                  </p:childTnLst>
-                                </p:cTn>
-                              </p:par>
-                            </p:childTnLst>
-                          </p:cTn>
-                        </p:par>
-                      </p:childTnLst>
-                    </p:cTn>
-                  </p:par>
-                  <p:par>
-                    <p:cTn id="43" fill="hold">
-                      <p:stCondLst>
-                        <p:cond delay="indefinite"/>
-                      </p:stCondLst>
-                      <p:childTnLst>
-                        <p:par>
-                          <p:cTn id="44" fill="hold">
-                            <p:stCondLst>
-                              <p:cond delay="0"/>
-                            </p:stCondLst>
-                            <p:childTnLst>
-                              <p:par>
-                                <p:cTn id="45" presetID="10" presetClass="entr" presetSubtype="0" fill="hold" grpId="0" nodeType="clickEffect">
-                                  <p:stCondLst>
-                                    <p:cond delay="0"/>
-                                  </p:stCondLst>
-                                  <p:childTnLst>
-                                    <p:set>
-                                      <p:cBhvr>
-                                        <p:cTn id="46" dur="1" fill="hold">
-                                          <p:stCondLst>
-                                            <p:cond delay="0"/>
-                                          </p:stCondLst>
-                                        </p:cTn>
-                                        <p:tgtEl>
-                                          <p:spTgt spid="3">
-                                            <p:txEl>
-                                              <p:pRg st="11" end="11"/>
-                                            </p:txEl>
-                                          </p:spTgt>
-                                        </p:tgtEl>
-                                        <p:attrNameLst>
-                                          <p:attrName>style.visibility</p:attrName>
-                                        </p:attrNameLst>
-                                      </p:cBhvr>
-                                      <p:to>
-                                        <p:strVal val="visible"/>
-                                      </p:to>
-                                    </p:set>
-                                    <p:animEffect transition="in" filter="fade">
-                                      <p:cBhvr>
-                                        <p:cTn id="47" dur="500"/>
-                                        <p:tgtEl>
-                                          <p:spTgt spid="3">
-                                            <p:txEl>
-                                              <p:pRg st="11" end="11"/>
-                                            </p:txEl>
-                                          </p:spTgt>
-                                        </p:tgtEl>
-                                      </p:cBhvr>
-                                    </p:animEffect>
-                                  </p:childTnLst>
-                                </p:cTn>
-                              </p:par>
-                            </p:childTnLst>
-                          </p:cTn>
-                        </p:par>
-                      </p:childTnLst>
-                    </p:cTn>
-                  </p:par>
-                  <p:par>
-                    <p:cTn id="48" fill="hold">
-                      <p:stCondLst>
-                        <p:cond delay="indefinite"/>
-                      </p:stCondLst>
-                      <p:childTnLst>
-                        <p:par>
-                          <p:cTn id="49" fill="hold">
-                            <p:stCondLst>
-                              <p:cond delay="0"/>
-                            </p:stCondLst>
-                            <p:childTnLst>
-                              <p:par>
-                                <p:cTn id="50" presetID="10" presetClass="entr" presetSubtype="0" fill="hold" grpId="0" nodeType="clickEffect">
-                                  <p:stCondLst>
-                                    <p:cond delay="0"/>
-                                  </p:stCondLst>
-                                  <p:childTnLst>
-                                    <p:set>
-                                      <p:cBhvr>
-                                        <p:cTn id="51" dur="1" fill="hold">
-                                          <p:stCondLst>
-                                            <p:cond delay="0"/>
-                                          </p:stCondLst>
-                                        </p:cTn>
-                                        <p:tgtEl>
-                                          <p:spTgt spid="3">
-                                            <p:txEl>
-                                              <p:pRg st="12" end="12"/>
-                                            </p:txEl>
-                                          </p:spTgt>
-                                        </p:tgtEl>
-                                        <p:attrNameLst>
-                                          <p:attrName>style.visibility</p:attrName>
-                                        </p:attrNameLst>
-                                      </p:cBhvr>
-                                      <p:to>
-                                        <p:strVal val="visible"/>
-                                      </p:to>
-                                    </p:set>
-                                    <p:animEffect transition="in" filter="fade">
-                                      <p:cBhvr>
-                                        <p:cTn id="52" dur="500"/>
-                                        <p:tgtEl>
-                                          <p:spTgt spid="3">
-                                            <p:txEl>
-                                              <p:pRg st="12" end="12"/>
-                                            </p:txEl>
-                                          </p:spTgt>
-                                        </p:tgtEl>
-                                      </p:cBhvr>
-                                    </p:animEffect>
-                                  </p:childTnLst>
-                                </p:cTn>
-                              </p:par>
-                            </p:childTnLst>
-                          </p:cTn>
-                        </p:par>
-                      </p:childTnLst>
-                    </p:cTn>
-                  </p:par>
-                  <p:par>
-                    <p:cTn id="53" fill="hold">
-                      <p:stCondLst>
-                        <p:cond delay="indefinite"/>
-                      </p:stCondLst>
-                      <p:childTnLst>
-                        <p:par>
-                          <p:cTn id="54" fill="hold">
-                            <p:stCondLst>
-                              <p:cond delay="0"/>
-                            </p:stCondLst>
-                            <p:childTnLst>
-                              <p:par>
-                                <p:cTn id="55" presetID="10" presetClass="entr" presetSubtype="0" fill="hold" grpId="0" nodeType="clickEffect">
-                                  <p:stCondLst>
-                                    <p:cond delay="0"/>
-                                  </p:stCondLst>
-                                  <p:childTnLst>
-                                    <p:set>
-                                      <p:cBhvr>
-                                        <p:cTn id="56" dur="1" fill="hold">
-                                          <p:stCondLst>
-                                            <p:cond delay="0"/>
-                                          </p:stCondLst>
-                                        </p:cTn>
-                                        <p:tgtEl>
-                                          <p:spTgt spid="3">
-                                            <p:txEl>
-                                              <p:pRg st="13" end="13"/>
-                                            </p:txEl>
-                                          </p:spTgt>
-                                        </p:tgtEl>
-                                        <p:attrNameLst>
-                                          <p:attrName>style.visibility</p:attrName>
-                                        </p:attrNameLst>
-                                      </p:cBhvr>
-                                      <p:to>
-                                        <p:strVal val="visible"/>
-                                      </p:to>
-                                    </p:set>
-                                    <p:animEffect transition="in" filter="fade">
-                                      <p:cBhvr>
-                                        <p:cTn id="57" dur="500"/>
-                                        <p:tgtEl>
-                                          <p:spTgt spid="3">
-                                            <p:txEl>
-                                              <p:pRg st="13" end="13"/>
-                                            </p:txEl>
-                                          </p:spTgt>
-                                        </p:tgtEl>
-                                      </p:cBhvr>
-                                    </p:animEffect>
-                                  </p:childTnLst>
-                                </p:cTn>
-                              </p:par>
-                            </p:childTnLst>
-                          </p:cTn>
-                        </p:par>
-                      </p:childTnLst>
-                    </p:cTn>
-                  </p:par>
-                  <p:par>
-                    <p:cTn id="58" fill="hold">
-                      <p:stCondLst>
-                        <p:cond delay="indefinite"/>
-                      </p:stCondLst>
-                      <p:childTnLst>
-                        <p:par>
-                          <p:cTn id="59" fill="hold">
-                            <p:stCondLst>
-                              <p:cond delay="0"/>
-                            </p:stCondLst>
-                            <p:childTnLst>
-                              <p:par>
-                                <p:cTn id="60" presetID="10" presetClass="entr" presetSubtype="0" fill="hold" grpId="0" nodeType="clickEffect">
-                                  <p:stCondLst>
-                                    <p:cond delay="0"/>
-                                  </p:stCondLst>
-                                  <p:childTnLst>
-                                    <p:set>
-                                      <p:cBhvr>
-                                        <p:cTn id="61" dur="1" fill="hold">
-                                          <p:stCondLst>
-                                            <p:cond delay="0"/>
-                                          </p:stCondLst>
-                                        </p:cTn>
-                                        <p:tgtEl>
-                                          <p:spTgt spid="3">
-                                            <p:txEl>
-                                              <p:pRg st="15" end="15"/>
-                                            </p:txEl>
-                                          </p:spTgt>
-                                        </p:tgtEl>
-                                        <p:attrNameLst>
-                                          <p:attrName>style.visibility</p:attrName>
-                                        </p:attrNameLst>
-                                      </p:cBhvr>
-                                      <p:to>
-                                        <p:strVal val="visible"/>
-                                      </p:to>
-                                    </p:set>
-                                    <p:animEffect transition="in" filter="fade">
-                                      <p:cBhvr>
-                                        <p:cTn id="62" dur="500"/>
-                                        <p:tgtEl>
-                                          <p:spTgt spid="3">
-                                            <p:txEl>
-                                              <p:pRg st="15" end="15"/>
-                                            </p:txEl>
-                                          </p:spTgt>
-                                        </p:tgtEl>
-                                      </p:cBhvr>
-                                    </p:animEffect>
-                                  </p:childTnLst>
-                                </p:cTn>
-                              </p:par>
-                            </p:childTnLst>
-                          </p:cTn>
-                        </p:par>
-                      </p:childTnLst>
-                    </p:cTn>
-                  </p:par>
-                  <p:par>
-                    <p:cTn id="63" fill="hold">
-                      <p:stCondLst>
-                        <p:cond delay="indefinite"/>
-                      </p:stCondLst>
-                      <p:childTnLst>
-                        <p:par>
-                          <p:cTn id="64" fill="hold">
-                            <p:stCondLst>
-                              <p:cond delay="0"/>
-                            </p:stCondLst>
-                            <p:childTnLst>
-                              <p:par>
-                                <p:cTn id="65" presetID="10" presetClass="entr" presetSubtype="0" fill="hold" grpId="0" nodeType="clickEffect">
-                                  <p:stCondLst>
-                                    <p:cond delay="0"/>
-                                  </p:stCondLst>
-                                  <p:childTnLst>
-                                    <p:set>
-                                      <p:cBhvr>
-                                        <p:cTn id="66" dur="1" fill="hold">
-                                          <p:stCondLst>
-                                            <p:cond delay="0"/>
-                                          </p:stCondLst>
-                                        </p:cTn>
-                                        <p:tgtEl>
-                                          <p:spTgt spid="3">
-                                            <p:txEl>
-                                              <p:pRg st="17" end="17"/>
-                                            </p:txEl>
-                                          </p:spTgt>
-                                        </p:tgtEl>
-                                        <p:attrNameLst>
-                                          <p:attrName>style.visibility</p:attrName>
-                                        </p:attrNameLst>
-                                      </p:cBhvr>
-                                      <p:to>
-                                        <p:strVal val="visible"/>
-                                      </p:to>
-                                    </p:set>
-                                    <p:animEffect transition="in" filter="fade">
-                                      <p:cBhvr>
-                                        <p:cTn id="67" dur="500"/>
-                                        <p:tgtEl>
-                                          <p:spTgt spid="3">
-                                            <p:txEl>
-                                              <p:pRg st="17" end="17"/>
-                                            </p:txEl>
-                                          </p:spTgt>
-                                        </p:tgtEl>
-                                      </p:cBhvr>
-                                    </p:animEffect>
-                                  </p:childTnLst>
-                                </p:cTn>
-                              </p:par>
-                            </p:childTnLst>
-                          </p:cTn>
-                        </p:par>
-                      </p:childTnLst>
-                    </p:cTn>
-                  </p:par>
                 </p:childTnLst>
               </p:cTn>
               <p:prevCondLst>
@@ -4570,7 +4187,146 @@
 </p:sld>
 </file>
 
-<file path=ppt/slides/slide11.xml><?xml version="1.0" encoding="utf-8"?>
+<file path=ppt/slides/slide12.xml><?xml version="1.0" encoding="utf-8"?>
+<p:sld xmlns:a="http://schemas.openxmlformats.org/drawingml/2006/main" xmlns:r="http://schemas.openxmlformats.org/officeDocument/2006/relationships" xmlns:p="http://schemas.openxmlformats.org/presentationml/2006/main">
+  <p:cSld>
+    <p:spTree>
+      <p:nvGrpSpPr>
+        <p:cNvPr id="1" name=""/>
+        <p:cNvGrpSpPr/>
+        <p:nvPr/>
+      </p:nvGrpSpPr>
+      <p:grpSpPr>
+        <a:xfrm>
+          <a:off x="0" y="0"/>
+          <a:ext cx="0" cy="0"/>
+          <a:chOff x="0" y="0"/>
+          <a:chExt cx="0" cy="0"/>
+        </a:xfrm>
+      </p:grpSpPr>
+      <p:sp>
+        <p:nvSpPr>
+          <p:cNvPr id="2" name="Titel 1">
+            <a:extLst>
+              <a:ext uri="{FF2B5EF4-FFF2-40B4-BE49-F238E27FC236}">
+                <a16:creationId xmlns:a16="http://schemas.microsoft.com/office/drawing/2014/main" id="{6BA8B8C0-BC04-59CF-7F27-0F3F9363D57B}"/>
+              </a:ext>
+            </a:extLst>
+          </p:cNvPr>
+          <p:cNvSpPr>
+            <a:spLocks noGrp="1"/>
+          </p:cNvSpPr>
+          <p:nvPr>
+            <p:ph type="title"/>
+          </p:nvPr>
+        </p:nvSpPr>
+        <p:spPr/>
+        <p:txBody>
+          <a:bodyPr/>
+          <a:lstStyle/>
+          <a:p>
+            <a:pPr algn="ctr"/>
+            <a:r>
+              <a:rPr lang="de-DE" dirty="0"/>
+              <a:t>Fazit</a:t>
+            </a:r>
+          </a:p>
+        </p:txBody>
+      </p:sp>
+      <p:sp>
+        <p:nvSpPr>
+          <p:cNvPr id="3" name="Inhaltsplatzhalter 2">
+            <a:extLst>
+              <a:ext uri="{FF2B5EF4-FFF2-40B4-BE49-F238E27FC236}">
+                <a16:creationId xmlns:a16="http://schemas.microsoft.com/office/drawing/2014/main" id="{6FA4D540-6E2D-C10E-B709-6EC954995DB7}"/>
+              </a:ext>
+            </a:extLst>
+          </p:cNvPr>
+          <p:cNvSpPr>
+            <a:spLocks noGrp="1"/>
+          </p:cNvSpPr>
+          <p:nvPr>
+            <p:ph idx="1"/>
+          </p:nvPr>
+        </p:nvSpPr>
+        <p:spPr/>
+        <p:txBody>
+          <a:bodyPr/>
+          <a:lstStyle/>
+          <a:p>
+            <a:pPr marL="0" indent="0">
+              <a:buNone/>
+            </a:pPr>
+            <a:r>
+              <a:rPr lang="de-DE" dirty="0" err="1"/>
+              <a:t>Has</a:t>
+            </a:r>
+            <a:r>
+              <a:rPr lang="de-DE" u="sng" dirty="0" err="1"/>
+              <a:t>s</a:t>
+            </a:r>
+            <a:r>
+              <a:rPr lang="de-DE" dirty="0" err="1"/>
+              <a:t>kell</a:t>
+            </a:r>
+            <a:r>
+              <a:rPr lang="de-DE" dirty="0"/>
+              <a:t> als Programmiersprache?!</a:t>
+            </a:r>
+          </a:p>
+          <a:p>
+            <a:pPr marL="0" indent="0">
+              <a:buNone/>
+            </a:pPr>
+            <a:endParaRPr lang="de-DE" dirty="0"/>
+          </a:p>
+          <a:p>
+            <a:r>
+              <a:rPr lang="de-DE" dirty="0"/>
+              <a:t>Bleibt und ist eine Nische für spezielle Anwendungsfälle</a:t>
+            </a:r>
+          </a:p>
+          <a:p>
+            <a:r>
+              <a:rPr lang="de-DE" dirty="0"/>
+              <a:t>Ist so </a:t>
+            </a:r>
+            <a:r>
+              <a:rPr lang="de-DE" dirty="0" err="1"/>
+              <a:t>unintuitiv</a:t>
+            </a:r>
+            <a:r>
+              <a:rPr lang="de-DE" dirty="0"/>
+              <a:t> das drei Erwachsene </a:t>
+            </a:r>
+            <a:r>
+              <a:rPr lang="de-DE" dirty="0" err="1"/>
+              <a:t>ITler</a:t>
+            </a:r>
+            <a:r>
+              <a:rPr lang="de-DE" dirty="0"/>
+              <a:t> nicht in der Lage sind simpelste RL-Tools mit vertretbaren Zeitaufwand zu erstellen</a:t>
+            </a:r>
+          </a:p>
+          <a:p>
+            <a:endParaRPr lang="de-DE" dirty="0"/>
+          </a:p>
+        </p:txBody>
+      </p:sp>
+    </p:spTree>
+    <p:extLst>
+      <p:ext uri="{BB962C8B-B14F-4D97-AF65-F5344CB8AC3E}">
+        <p14:creationId xmlns:p14="http://schemas.microsoft.com/office/powerpoint/2010/main" val="1030915866"/>
+      </p:ext>
+    </p:extLst>
+  </p:cSld>
+  <p:clrMapOvr>
+    <a:masterClrMapping/>
+  </p:clrMapOvr>
+</p:sld>
+</file>
+
+<file path=ppt/slides/slide13.xml><?xml version="1.0" encoding="utf-8"?>
 <p:sld xmlns:a="http://schemas.openxmlformats.org/drawingml/2006/main" xmlns:r="http://schemas.openxmlformats.org/officeDocument/2006/relationships" xmlns:p="http://schemas.openxmlformats.org/presentationml/2006/main">
   <p:cSld>
     <p:spTree>
@@ -5360,7 +5116,7 @@
 </p:sld>
 </file>
 
-<file path=ppt/slides/slide12.xml><?xml version="1.0" encoding="utf-8"?>
+<file path=ppt/slides/slide14.xml><?xml version="1.0" encoding="utf-8"?>
 <p:sld xmlns:a="http://schemas.openxmlformats.org/drawingml/2006/main" xmlns:r="http://schemas.openxmlformats.org/officeDocument/2006/relationships" xmlns:p="http://schemas.openxmlformats.org/presentationml/2006/main">
   <p:cSld>
     <p:spTree>
@@ -11954,6 +11710,142 @@
           </a:prstGeom>
         </p:spPr>
       </p:pic>
+      <p:grpSp>
+        <p:nvGrpSpPr>
+          <p:cNvPr id="3" name="Gruppieren 2">
+            <a:extLst>
+              <a:ext uri="{FF2B5EF4-FFF2-40B4-BE49-F238E27FC236}">
+                <a16:creationId xmlns:a16="http://schemas.microsoft.com/office/drawing/2014/main" id="{38665136-E7F0-DAEE-D23B-94FA35ADE0FE}"/>
+              </a:ext>
+            </a:extLst>
+          </p:cNvPr>
+          <p:cNvGrpSpPr/>
+          <p:nvPr/>
+        </p:nvGrpSpPr>
+        <p:grpSpPr>
+          <a:xfrm>
+            <a:off x="-62746" y="1042573"/>
+            <a:ext cx="1766393" cy="1516245"/>
+            <a:chOff x="4781555" y="433131"/>
+            <a:chExt cx="1766393" cy="1516245"/>
+          </a:xfrm>
+        </p:grpSpPr>
+        <p:sp>
+          <p:nvSpPr>
+            <p:cNvPr id="4" name="Sechseck 3">
+              <a:extLst>
+                <a:ext uri="{FF2B5EF4-FFF2-40B4-BE49-F238E27FC236}">
+                  <a16:creationId xmlns:a16="http://schemas.microsoft.com/office/drawing/2014/main" id="{7676A045-17C9-AAAD-1B05-B9480D0308FA}"/>
+                </a:ext>
+              </a:extLst>
+            </p:cNvPr>
+            <p:cNvSpPr/>
+            <p:nvPr/>
+          </p:nvSpPr>
+          <p:spPr>
+            <a:xfrm>
+              <a:off x="4781555" y="433131"/>
+              <a:ext cx="1766393" cy="1516245"/>
+            </a:xfrm>
+            <a:prstGeom prst="hexagon">
+              <a:avLst>
+                <a:gd name="adj" fmla="val 25000"/>
+                <a:gd name="vf" fmla="val 115470"/>
+              </a:avLst>
+            </a:prstGeom>
+          </p:spPr>
+          <p:style>
+            <a:lnRef idx="2">
+              <a:schemeClr val="accent1">
+                <a:hueOff val="0"/>
+                <a:satOff val="0"/>
+                <a:lumOff val="0"/>
+                <a:alphaOff val="0"/>
+              </a:schemeClr>
+            </a:lnRef>
+            <a:fillRef idx="1">
+              <a:schemeClr val="accent1">
+                <a:hueOff val="0"/>
+                <a:satOff val="0"/>
+                <a:lumOff val="0"/>
+                <a:alphaOff val="0"/>
+              </a:schemeClr>
+            </a:fillRef>
+            <a:effectRef idx="0">
+              <a:schemeClr val="accent1">
+                <a:hueOff val="0"/>
+                <a:satOff val="0"/>
+                <a:lumOff val="0"/>
+                <a:alphaOff val="0"/>
+              </a:schemeClr>
+            </a:effectRef>
+            <a:fontRef idx="minor">
+              <a:schemeClr val="lt1"/>
+            </a:fontRef>
+          </p:style>
+        </p:sp>
+        <p:sp>
+          <p:nvSpPr>
+            <p:cNvPr id="5" name="Sechseck 8">
+              <a:extLst>
+                <a:ext uri="{FF2B5EF4-FFF2-40B4-BE49-F238E27FC236}">
+                  <a16:creationId xmlns:a16="http://schemas.microsoft.com/office/drawing/2014/main" id="{66E2562E-8510-0B91-D062-8967AB584F0C}"/>
+                </a:ext>
+              </a:extLst>
+            </p:cNvPr>
+            <p:cNvSpPr txBox="1"/>
+            <p:nvPr/>
+          </p:nvSpPr>
+          <p:spPr>
+            <a:xfrm>
+              <a:off x="4865137" y="667945"/>
+              <a:ext cx="1616189" cy="1046617"/>
+            </a:xfrm>
+            <a:prstGeom prst="rect">
+              <a:avLst/>
+            </a:prstGeom>
+          </p:spPr>
+          <p:style>
+            <a:lnRef idx="0">
+              <a:scrgbClr r="0" g="0" b="0"/>
+            </a:lnRef>
+            <a:fillRef idx="0">
+              <a:scrgbClr r="0" g="0" b="0"/>
+            </a:fillRef>
+            <a:effectRef idx="0">
+              <a:scrgbClr r="0" g="0" b="0"/>
+            </a:effectRef>
+            <a:fontRef idx="minor">
+              <a:schemeClr val="lt1"/>
+            </a:fontRef>
+          </p:style>
+          <p:txBody>
+            <a:bodyPr spcFirstLastPara="0" vert="horz" wrap="square" lIns="0" tIns="19050" rIns="0" bIns="19050" numCol="1" spcCol="1270" anchor="ctr" anchorCtr="0">
+              <a:noAutofit/>
+            </a:bodyPr>
+            <a:lstStyle/>
+            <a:p>
+              <a:pPr marL="0" lvl="0" indent="0" algn="ctr" defTabSz="666750">
+                <a:lnSpc>
+                  <a:spcPct val="90000"/>
+                </a:lnSpc>
+                <a:spcBef>
+                  <a:spcPct val="0"/>
+                </a:spcBef>
+                <a:spcAft>
+                  <a:spcPct val="35000"/>
+                </a:spcAft>
+                <a:buNone/>
+              </a:pPr>
+              <a:r>
+                <a:rPr lang="de-DE" sz="1500" dirty="0"/>
+                <a:t>Benachrichtigung</a:t>
+              </a:r>
+              <a:endParaRPr lang="de-DE" sz="1500" kern="1200" dirty="0"/>
+            </a:p>
+          </p:txBody>
+        </p:sp>
+      </p:grpSp>
     </p:spTree>
     <p:extLst>
       <p:ext uri="{BB962C8B-B14F-4D97-AF65-F5344CB8AC3E}">
@@ -13160,6 +13052,59 @@
                       </p:childTnLst>
                     </p:cTn>
                   </p:par>
+                  <p:par>
+                    <p:cTn id="115" fill="hold">
+                      <p:stCondLst>
+                        <p:cond delay="indefinite"/>
+                      </p:stCondLst>
+                      <p:childTnLst>
+                        <p:par>
+                          <p:cTn id="116" fill="hold">
+                            <p:stCondLst>
+                              <p:cond delay="0"/>
+                            </p:stCondLst>
+                            <p:childTnLst>
+                              <p:par>
+                                <p:cTn id="117" presetID="10" presetClass="entr" presetSubtype="0" fill="hold" nodeType="clickEffect">
+                                  <p:stCondLst>
+                                    <p:cond delay="0"/>
+                                  </p:stCondLst>
+                                  <p:childTnLst>
+                                    <p:set>
+                                      <p:cBhvr>
+                                        <p:cTn id="118" dur="1" fill="hold">
+                                          <p:stCondLst>
+                                            <p:cond delay="0"/>
+                                          </p:stCondLst>
+                                        </p:cTn>
+                                        <p:tgtEl>
+                                          <p:spTgt spid="3"/>
+                                        </p:tgtEl>
+                                        <p:attrNameLst>
+                                          <p:attrName>style.visibility</p:attrName>
+                                        </p:attrNameLst>
+                                      </p:cBhvr>
+                                      <p:to>
+                                        <p:strVal val="visible"/>
+                                      </p:to>
+                                    </p:set>
+                                    <p:animEffect transition="in" filter="fade">
+                                      <p:cBhvr>
+                                        <p:cTn id="119" dur="500"/>
+                                        <p:tgtEl>
+                                          <p:spTgt spid="3"/>
+                                        </p:tgtEl>
+                                      </p:cBhvr>
+                                    </p:animEffect>
+                                  </p:childTnLst>
+                                </p:cTn>
+                              </p:par>
+                            </p:childTnLst>
+                          </p:cTn>
+                        </p:par>
+                      </p:childTnLst>
+                    </p:cTn>
+                  </p:par>
                 </p:childTnLst>
               </p:cTn>
               <p:prevCondLst>

--- a/Praesentation/SuperSort.pptx
+++ b/Praesentation/SuperSort.pptx
@@ -3616,6 +3616,341 @@
   <p:clrMapOvr>
     <a:masterClrMapping/>
   </p:clrMapOvr>
+  <p:timing>
+    <p:tnLst>
+      <p:par>
+        <p:cTn id="1" dur="indefinite" restart="never" nodeType="tmRoot">
+          <p:childTnLst>
+            <p:seq concurrent="1" nextAc="seek">
+              <p:cTn id="2" dur="indefinite" nodeType="mainSeq">
+                <p:childTnLst>
+                  <p:par>
+                    <p:cTn id="3" fill="hold">
+                      <p:stCondLst>
+                        <p:cond delay="indefinite"/>
+                      </p:stCondLst>
+                      <p:childTnLst>
+                        <p:par>
+                          <p:cTn id="4" fill="hold">
+                            <p:stCondLst>
+                              <p:cond delay="0"/>
+                            </p:stCondLst>
+                            <p:childTnLst>
+                              <p:par>
+                                <p:cTn id="5" presetID="10" presetClass="entr" presetSubtype="0" fill="hold" nodeType="clickEffect">
+                                  <p:stCondLst>
+                                    <p:cond delay="0"/>
+                                  </p:stCondLst>
+                                  <p:childTnLst>
+                                    <p:set>
+                                      <p:cBhvr>
+                                        <p:cTn id="6" dur="1" fill="hold">
+                                          <p:stCondLst>
+                                            <p:cond delay="0"/>
+                                          </p:stCondLst>
+                                        </p:cTn>
+                                        <p:tgtEl>
+                                          <p:spTgt spid="3">
+                                            <p:txEl>
+                                              <p:pRg st="0" end="0"/>
+                                            </p:txEl>
+                                          </p:spTgt>
+                                        </p:tgtEl>
+                                        <p:attrNameLst>
+                                          <p:attrName>style.visibility</p:attrName>
+                                        </p:attrNameLst>
+                                      </p:cBhvr>
+                                      <p:to>
+                                        <p:strVal val="visible"/>
+                                      </p:to>
+                                    </p:set>
+                                    <p:animEffect transition="in" filter="fade">
+                                      <p:cBhvr>
+                                        <p:cTn id="7" dur="500"/>
+                                        <p:tgtEl>
+                                          <p:spTgt spid="3">
+                                            <p:txEl>
+                                              <p:pRg st="0" end="0"/>
+                                            </p:txEl>
+                                          </p:spTgt>
+                                        </p:tgtEl>
+                                      </p:cBhvr>
+                                    </p:animEffect>
+                                  </p:childTnLst>
+                                </p:cTn>
+                              </p:par>
+                            </p:childTnLst>
+                          </p:cTn>
+                        </p:par>
+                      </p:childTnLst>
+                    </p:cTn>
+                  </p:par>
+                  <p:par>
+                    <p:cTn id="8" fill="hold">
+                      <p:stCondLst>
+                        <p:cond delay="indefinite"/>
+                      </p:stCondLst>
+                      <p:childTnLst>
+                        <p:par>
+                          <p:cTn id="9" fill="hold">
+                            <p:stCondLst>
+                              <p:cond delay="0"/>
+                            </p:stCondLst>
+                            <p:childTnLst>
+                              <p:par>
+                                <p:cTn id="10" presetID="10" presetClass="entr" presetSubtype="0" fill="hold" nodeType="clickEffect">
+                                  <p:stCondLst>
+                                    <p:cond delay="0"/>
+                                  </p:stCondLst>
+                                  <p:childTnLst>
+                                    <p:set>
+                                      <p:cBhvr>
+                                        <p:cTn id="11" dur="1" fill="hold">
+                                          <p:stCondLst>
+                                            <p:cond delay="0"/>
+                                          </p:stCondLst>
+                                        </p:cTn>
+                                        <p:tgtEl>
+                                          <p:spTgt spid="3">
+                                            <p:txEl>
+                                              <p:pRg st="2" end="2"/>
+                                            </p:txEl>
+                                          </p:spTgt>
+                                        </p:tgtEl>
+                                        <p:attrNameLst>
+                                          <p:attrName>style.visibility</p:attrName>
+                                        </p:attrNameLst>
+                                      </p:cBhvr>
+                                      <p:to>
+                                        <p:strVal val="visible"/>
+                                      </p:to>
+                                    </p:set>
+                                    <p:animEffect transition="in" filter="fade">
+                                      <p:cBhvr>
+                                        <p:cTn id="12" dur="500"/>
+                                        <p:tgtEl>
+                                          <p:spTgt spid="3">
+                                            <p:txEl>
+                                              <p:pRg st="2" end="2"/>
+                                            </p:txEl>
+                                          </p:spTgt>
+                                        </p:tgtEl>
+                                      </p:cBhvr>
+                                    </p:animEffect>
+                                  </p:childTnLst>
+                                </p:cTn>
+                              </p:par>
+                            </p:childTnLst>
+                          </p:cTn>
+                        </p:par>
+                      </p:childTnLst>
+                    </p:cTn>
+                  </p:par>
+                  <p:par>
+                    <p:cTn id="13" fill="hold">
+                      <p:stCondLst>
+                        <p:cond delay="indefinite"/>
+                      </p:stCondLst>
+                      <p:childTnLst>
+                        <p:par>
+                          <p:cTn id="14" fill="hold">
+                            <p:stCondLst>
+                              <p:cond delay="0"/>
+                            </p:stCondLst>
+                            <p:childTnLst>
+                              <p:par>
+                                <p:cTn id="15" presetID="10" presetClass="entr" presetSubtype="0" fill="hold" nodeType="clickEffect">
+                                  <p:stCondLst>
+                                    <p:cond delay="0"/>
+                                  </p:stCondLst>
+                                  <p:childTnLst>
+                                    <p:set>
+                                      <p:cBhvr>
+                                        <p:cTn id="16" dur="1" fill="hold">
+                                          <p:stCondLst>
+                                            <p:cond delay="0"/>
+                                          </p:stCondLst>
+                                        </p:cTn>
+                                        <p:tgtEl>
+                                          <p:spTgt spid="3">
+                                            <p:txEl>
+                                              <p:pRg st="3" end="3"/>
+                                            </p:txEl>
+                                          </p:spTgt>
+                                        </p:tgtEl>
+                                        <p:attrNameLst>
+                                          <p:attrName>style.visibility</p:attrName>
+                                        </p:attrNameLst>
+                                      </p:cBhvr>
+                                      <p:to>
+                                        <p:strVal val="visible"/>
+                                      </p:to>
+                                    </p:set>
+                                    <p:animEffect transition="in" filter="fade">
+                                      <p:cBhvr>
+                                        <p:cTn id="17" dur="500"/>
+                                        <p:tgtEl>
+                                          <p:spTgt spid="3">
+                                            <p:txEl>
+                                              <p:pRg st="3" end="3"/>
+                                            </p:txEl>
+                                          </p:spTgt>
+                                        </p:tgtEl>
+                                      </p:cBhvr>
+                                    </p:animEffect>
+                                  </p:childTnLst>
+                                </p:cTn>
+                              </p:par>
+                            </p:childTnLst>
+                          </p:cTn>
+                        </p:par>
+                      </p:childTnLst>
+                    </p:cTn>
+                  </p:par>
+                  <p:par>
+                    <p:cTn id="18" fill="hold">
+                      <p:stCondLst>
+                        <p:cond delay="indefinite"/>
+                      </p:stCondLst>
+                      <p:childTnLst>
+                        <p:par>
+                          <p:cTn id="19" fill="hold">
+                            <p:stCondLst>
+                              <p:cond delay="0"/>
+                            </p:stCondLst>
+                            <p:childTnLst>
+                              <p:par>
+                                <p:cTn id="20" presetID="10" presetClass="entr" presetSubtype="0" fill="hold" nodeType="clickEffect">
+                                  <p:stCondLst>
+                                    <p:cond delay="0"/>
+                                  </p:stCondLst>
+                                  <p:childTnLst>
+                                    <p:set>
+                                      <p:cBhvr>
+                                        <p:cTn id="21" dur="1" fill="hold">
+                                          <p:stCondLst>
+                                            <p:cond delay="0"/>
+                                          </p:stCondLst>
+                                        </p:cTn>
+                                        <p:tgtEl>
+                                          <p:spTgt spid="3">
+                                            <p:txEl>
+                                              <p:pRg st="4" end="4"/>
+                                            </p:txEl>
+                                          </p:spTgt>
+                                        </p:tgtEl>
+                                        <p:attrNameLst>
+                                          <p:attrName>style.visibility</p:attrName>
+                                        </p:attrNameLst>
+                                      </p:cBhvr>
+                                      <p:to>
+                                        <p:strVal val="visible"/>
+                                      </p:to>
+                                    </p:set>
+                                    <p:animEffect transition="in" filter="fade">
+                                      <p:cBhvr>
+                                        <p:cTn id="22" dur="500"/>
+                                        <p:tgtEl>
+                                          <p:spTgt spid="3">
+                                            <p:txEl>
+                                              <p:pRg st="4" end="4"/>
+                                            </p:txEl>
+                                          </p:spTgt>
+                                        </p:tgtEl>
+                                      </p:cBhvr>
+                                    </p:animEffect>
+                                  </p:childTnLst>
+                                </p:cTn>
+                              </p:par>
+                            </p:childTnLst>
+                          </p:cTn>
+                        </p:par>
+                      </p:childTnLst>
+                    </p:cTn>
+                  </p:par>
+                  <p:par>
+                    <p:cTn id="23" fill="hold">
+                      <p:stCondLst>
+                        <p:cond delay="indefinite"/>
+                      </p:stCondLst>
+                      <p:childTnLst>
+                        <p:par>
+                          <p:cTn id="24" fill="hold">
+                            <p:stCondLst>
+                              <p:cond delay="0"/>
+                            </p:stCondLst>
+                            <p:childTnLst>
+                              <p:par>
+                                <p:cTn id="25" presetID="10" presetClass="entr" presetSubtype="0" fill="hold" nodeType="clickEffect">
+                                  <p:stCondLst>
+                                    <p:cond delay="0"/>
+                                  </p:stCondLst>
+                                  <p:childTnLst>
+                                    <p:set>
+                                      <p:cBhvr>
+                                        <p:cTn id="26" dur="1" fill="hold">
+                                          <p:stCondLst>
+                                            <p:cond delay="0"/>
+                                          </p:stCondLst>
+                                        </p:cTn>
+                                        <p:tgtEl>
+                                          <p:spTgt spid="3">
+                                            <p:txEl>
+                                              <p:pRg st="5" end="5"/>
+                                            </p:txEl>
+                                          </p:spTgt>
+                                        </p:tgtEl>
+                                        <p:attrNameLst>
+                                          <p:attrName>style.visibility</p:attrName>
+                                        </p:attrNameLst>
+                                      </p:cBhvr>
+                                      <p:to>
+                                        <p:strVal val="visible"/>
+                                      </p:to>
+                                    </p:set>
+                                    <p:animEffect transition="in" filter="fade">
+                                      <p:cBhvr>
+                                        <p:cTn id="27" dur="500"/>
+                                        <p:tgtEl>
+                                          <p:spTgt spid="3">
+                                            <p:txEl>
+                                              <p:pRg st="5" end="5"/>
+                                            </p:txEl>
+                                          </p:spTgt>
+                                        </p:tgtEl>
+                                      </p:cBhvr>
+                                    </p:animEffect>
+                                  </p:childTnLst>
+                                </p:cTn>
+                              </p:par>
+                            </p:childTnLst>
+                          </p:cTn>
+                        </p:par>
+                      </p:childTnLst>
+                    </p:cTn>
+                  </p:par>
+                </p:childTnLst>
+              </p:cTn>
+              <p:prevCondLst>
+                <p:cond evt="onPrev" delay="0">
+                  <p:tgtEl>
+                    <p:sldTgt/>
+                  </p:tgtEl>
+                </p:cond>
+              </p:prevCondLst>
+              <p:nextCondLst>
+                <p:cond evt="onNext" delay="0">
+                  <p:tgtEl>
+                    <p:sldTgt/>
+                  </p:tgtEl>
+                </p:cond>
+              </p:nextCondLst>
+            </p:seq>
+          </p:childTnLst>
+        </p:cTn>
+      </p:par>
+    </p:tnLst>
+  </p:timing>
 </p:sld>
 </file>
 
@@ -4323,6 +4658,219 @@
   <p:clrMapOvr>
     <a:masterClrMapping/>
   </p:clrMapOvr>
+  <p:timing>
+    <p:tnLst>
+      <p:par>
+        <p:cTn id="1" dur="indefinite" restart="never" nodeType="tmRoot">
+          <p:childTnLst>
+            <p:seq concurrent="1" nextAc="seek">
+              <p:cTn id="2" dur="indefinite" nodeType="mainSeq">
+                <p:childTnLst>
+                  <p:par>
+                    <p:cTn id="3" fill="hold">
+                      <p:stCondLst>
+                        <p:cond delay="indefinite"/>
+                      </p:stCondLst>
+                      <p:childTnLst>
+                        <p:par>
+                          <p:cTn id="4" fill="hold">
+                            <p:stCondLst>
+                              <p:cond delay="0"/>
+                            </p:stCondLst>
+                            <p:childTnLst>
+                              <p:par>
+                                <p:cTn id="5" presetID="10" presetClass="entr" presetSubtype="0" fill="hold" nodeType="clickEffect">
+                                  <p:stCondLst>
+                                    <p:cond delay="0"/>
+                                  </p:stCondLst>
+                                  <p:childTnLst>
+                                    <p:set>
+                                      <p:cBhvr>
+                                        <p:cTn id="6" dur="1" fill="hold">
+                                          <p:stCondLst>
+                                            <p:cond delay="0"/>
+                                          </p:stCondLst>
+                                        </p:cTn>
+                                        <p:tgtEl>
+                                          <p:spTgt spid="3">
+                                            <p:txEl>
+                                              <p:pRg st="0" end="0"/>
+                                            </p:txEl>
+                                          </p:spTgt>
+                                        </p:tgtEl>
+                                        <p:attrNameLst>
+                                          <p:attrName>style.visibility</p:attrName>
+                                        </p:attrNameLst>
+                                      </p:cBhvr>
+                                      <p:to>
+                                        <p:strVal val="visible"/>
+                                      </p:to>
+                                    </p:set>
+                                    <p:animEffect transition="in" filter="fade">
+                                      <p:cBhvr>
+                                        <p:cTn id="7" dur="500"/>
+                                        <p:tgtEl>
+                                          <p:spTgt spid="3">
+                                            <p:txEl>
+                                              <p:pRg st="0" end="0"/>
+                                            </p:txEl>
+                                          </p:spTgt>
+                                        </p:tgtEl>
+                                      </p:cBhvr>
+                                    </p:animEffect>
+                                  </p:childTnLst>
+                                </p:cTn>
+                              </p:par>
+                            </p:childTnLst>
+                          </p:cTn>
+                        </p:par>
+                      </p:childTnLst>
+                    </p:cTn>
+                  </p:par>
+                  <p:par>
+                    <p:cTn id="8" fill="hold">
+                      <p:stCondLst>
+                        <p:cond delay="indefinite"/>
+                      </p:stCondLst>
+                      <p:childTnLst>
+                        <p:par>
+                          <p:cTn id="9" fill="hold">
+                            <p:stCondLst>
+                              <p:cond delay="0"/>
+                            </p:stCondLst>
+                            <p:childTnLst>
+                              <p:par>
+                                <p:cTn id="10" presetID="10" presetClass="entr" presetSubtype="0" fill="hold" nodeType="clickEffect">
+                                  <p:stCondLst>
+                                    <p:cond delay="0"/>
+                                  </p:stCondLst>
+                                  <p:childTnLst>
+                                    <p:set>
+                                      <p:cBhvr>
+                                        <p:cTn id="11" dur="1" fill="hold">
+                                          <p:stCondLst>
+                                            <p:cond delay="0"/>
+                                          </p:stCondLst>
+                                        </p:cTn>
+                                        <p:tgtEl>
+                                          <p:spTgt spid="3">
+                                            <p:txEl>
+                                              <p:pRg st="2" end="2"/>
+                                            </p:txEl>
+                                          </p:spTgt>
+                                        </p:tgtEl>
+                                        <p:attrNameLst>
+                                          <p:attrName>style.visibility</p:attrName>
+                                        </p:attrNameLst>
+                                      </p:cBhvr>
+                                      <p:to>
+                                        <p:strVal val="visible"/>
+                                      </p:to>
+                                    </p:set>
+                                    <p:animEffect transition="in" filter="fade">
+                                      <p:cBhvr>
+                                        <p:cTn id="12" dur="500"/>
+                                        <p:tgtEl>
+                                          <p:spTgt spid="3">
+                                            <p:txEl>
+                                              <p:pRg st="2" end="2"/>
+                                            </p:txEl>
+                                          </p:spTgt>
+                                        </p:tgtEl>
+                                      </p:cBhvr>
+                                    </p:animEffect>
+                                  </p:childTnLst>
+                                </p:cTn>
+                              </p:par>
+                            </p:childTnLst>
+                          </p:cTn>
+                        </p:par>
+                      </p:childTnLst>
+                    </p:cTn>
+                  </p:par>
+                  <p:par>
+                    <p:cTn id="13" fill="hold">
+                      <p:stCondLst>
+                        <p:cond delay="indefinite"/>
+                      </p:stCondLst>
+                      <p:childTnLst>
+                        <p:par>
+                          <p:cTn id="14" fill="hold">
+                            <p:stCondLst>
+                              <p:cond delay="0"/>
+                            </p:stCondLst>
+                            <p:childTnLst>
+                              <p:par>
+                                <p:cTn id="15" presetID="10" presetClass="entr" presetSubtype="0" fill="hold" nodeType="clickEffect">
+                                  <p:stCondLst>
+                                    <p:cond delay="0"/>
+                                  </p:stCondLst>
+                                  <p:childTnLst>
+                                    <p:set>
+                                      <p:cBhvr>
+                                        <p:cTn id="16" dur="1" fill="hold">
+                                          <p:stCondLst>
+                                            <p:cond delay="0"/>
+                                          </p:stCondLst>
+                                        </p:cTn>
+                                        <p:tgtEl>
+                                          <p:spTgt spid="3">
+                                            <p:txEl>
+                                              <p:pRg st="3" end="3"/>
+                                            </p:txEl>
+                                          </p:spTgt>
+                                        </p:tgtEl>
+                                        <p:attrNameLst>
+                                          <p:attrName>style.visibility</p:attrName>
+                                        </p:attrNameLst>
+                                      </p:cBhvr>
+                                      <p:to>
+                                        <p:strVal val="visible"/>
+                                      </p:to>
+                                    </p:set>
+                                    <p:animEffect transition="in" filter="fade">
+                                      <p:cBhvr>
+                                        <p:cTn id="17" dur="500"/>
+                                        <p:tgtEl>
+                                          <p:spTgt spid="3">
+                                            <p:txEl>
+                                              <p:pRg st="3" end="3"/>
+                                            </p:txEl>
+                                          </p:spTgt>
+                                        </p:tgtEl>
+                                      </p:cBhvr>
+                                    </p:animEffect>
+                                  </p:childTnLst>
+                                </p:cTn>
+                              </p:par>
+                            </p:childTnLst>
+                          </p:cTn>
+                        </p:par>
+                      </p:childTnLst>
+                    </p:cTn>
+                  </p:par>
+                </p:childTnLst>
+              </p:cTn>
+              <p:prevCondLst>
+                <p:cond evt="onPrev" delay="0">
+                  <p:tgtEl>
+                    <p:sldTgt/>
+                  </p:tgtEl>
+                </p:cond>
+              </p:prevCondLst>
+              <p:nextCondLst>
+                <p:cond evt="onNext" delay="0">
+                  <p:tgtEl>
+                    <p:sldTgt/>
+                  </p:tgtEl>
+                </p:cond>
+              </p:nextCondLst>
+            </p:seq>
+          </p:childTnLst>
+        </p:cTn>
+      </p:par>
+    </p:tnLst>
+  </p:timing>
 </p:sld>
 </file>
 
@@ -12155,7 +12703,7 @@
                                           </p:stCondLst>
                                         </p:cTn>
                                         <p:tgtEl>
-                                          <p:spTgt spid="43"/>
+                                          <p:spTgt spid="3"/>
                                         </p:tgtEl>
                                         <p:attrNameLst>
                                           <p:attrName>style.visibility</p:attrName>
@@ -12169,7 +12717,7 @@
                                       <p:cBhvr>
                                         <p:cTn id="32" dur="500"/>
                                         <p:tgtEl>
-                                          <p:spTgt spid="43"/>
+                                          <p:spTgt spid="3"/>
                                         </p:tgtEl>
                                       </p:cBhvr>
                                     </p:animEffect>
@@ -12208,7 +12756,7 @@
                                           </p:stCondLst>
                                         </p:cTn>
                                         <p:tgtEl>
-                                          <p:spTgt spid="46"/>
+                                          <p:spTgt spid="43"/>
                                         </p:tgtEl>
                                         <p:attrNameLst>
                                           <p:attrName>style.visibility</p:attrName>
@@ -12222,32 +12770,10 @@
                                       <p:cBhvr>
                                         <p:cTn id="37" dur="500"/>
                                         <p:tgtEl>
-                                          <p:spTgt spid="46"/>
+                                          <p:spTgt spid="43"/>
                                         </p:tgtEl>
                                       </p:cBhvr>
                                     </p:animEffect>
-                                  </p:childTnLst>
-                                </p:cTn>
-                              </p:par>
-                              <p:par>
-                                <p:cTn id="38" presetID="50" presetClass="path" presetSubtype="0" accel="50000" decel="50000" fill="hold" grpId="0" nodeType="withEffect">
-                                  <p:stCondLst>
-                                    <p:cond delay="0"/>
-                                  </p:stCondLst>
-                                  <p:childTnLst>
-                                    <p:animMotion origin="layout" path="M -1.66667E-6 3.7037E-6 L 0.1806 3.7037E-6 C 0.26146 3.7037E-6 0.3612 0.22639 0.3612 0.41041 L 0.3612 0.82083 " pathEditMode="relative" rAng="0" ptsTypes="AAAA">
-                                      <p:cBhvr>
-                                        <p:cTn id="39" dur="2000" fill="hold"/>
-                                        <p:tgtEl>
-                                          <p:spTgt spid="2"/>
-                                        </p:tgtEl>
-                                        <p:attrNameLst>
-                                          <p:attrName>ppt_x</p:attrName>
-                                          <p:attrName>ppt_y</p:attrName>
-                                        </p:attrNameLst>
-                                      </p:cBhvr>
-                                      <p:rCtr x="18060" y="41042"/>
-                                    </p:animMotion>
                                   </p:childTnLst>
                                 </p:cTn>
                               </p:par>
@@ -12258,32 +12784,32 @@
                     </p:cTn>
                   </p:par>
                   <p:par>
-                    <p:cTn id="40" fill="hold">
+                    <p:cTn id="38" fill="hold">
                       <p:stCondLst>
                         <p:cond delay="indefinite"/>
                       </p:stCondLst>
                       <p:childTnLst>
                         <p:par>
-                          <p:cTn id="41" fill="hold">
+                          <p:cTn id="39" fill="hold">
                             <p:stCondLst>
                               <p:cond delay="0"/>
                             </p:stCondLst>
                             <p:childTnLst>
                               <p:par>
-                                <p:cTn id="42" presetID="10" presetClass="entr" presetSubtype="0" fill="hold" nodeType="clickEffect">
+                                <p:cTn id="40" presetID="10" presetClass="entr" presetSubtype="0" fill="hold" nodeType="clickEffect">
                                   <p:stCondLst>
                                     <p:cond delay="0"/>
                                   </p:stCondLst>
                                   <p:childTnLst>
                                     <p:set>
                                       <p:cBhvr>
-                                        <p:cTn id="43" dur="1" fill="hold">
+                                        <p:cTn id="41" dur="1" fill="hold">
                                           <p:stCondLst>
                                             <p:cond delay="0"/>
                                           </p:stCondLst>
                                         </p:cTn>
                                         <p:tgtEl>
-                                          <p:spTgt spid="9"/>
+                                          <p:spTgt spid="46"/>
                                         </p:tgtEl>
                                         <p:attrNameLst>
                                           <p:attrName>style.visibility</p:attrName>
@@ -12295,12 +12821,34 @@
                                     </p:set>
                                     <p:animEffect transition="in" filter="fade">
                                       <p:cBhvr>
-                                        <p:cTn id="44" dur="500"/>
-                                        <p:tgtEl>
-                                          <p:spTgt spid="9"/>
+                                        <p:cTn id="42" dur="500"/>
+                                        <p:tgtEl>
+                                          <p:spTgt spid="46"/>
                                         </p:tgtEl>
                                       </p:cBhvr>
                                     </p:animEffect>
+                                  </p:childTnLst>
+                                </p:cTn>
+                              </p:par>
+                              <p:par>
+                                <p:cTn id="43" presetID="50" presetClass="path" presetSubtype="0" accel="50000" decel="50000" fill="hold" grpId="0" nodeType="withEffect">
+                                  <p:stCondLst>
+                                    <p:cond delay="0"/>
+                                  </p:stCondLst>
+                                  <p:childTnLst>
+                                    <p:animMotion origin="layout" path="M -1.66667E-6 3.7037E-6 L 0.1806 3.7037E-6 C 0.26146 3.7037E-6 0.3612 0.22639 0.3612 0.41041 L 0.3612 0.82083 " pathEditMode="relative" rAng="0" ptsTypes="AAAA">
+                                      <p:cBhvr>
+                                        <p:cTn id="44" dur="2000" fill="hold"/>
+                                        <p:tgtEl>
+                                          <p:spTgt spid="2"/>
+                                        </p:tgtEl>
+                                        <p:attrNameLst>
+                                          <p:attrName>ppt_x</p:attrName>
+                                          <p:attrName>ppt_y</p:attrName>
+                                        </p:attrNameLst>
+                                      </p:cBhvr>
+                                      <p:rCtr x="18060" y="41042"/>
+                                    </p:animMotion>
                                   </p:childTnLst>
                                 </p:cTn>
                               </p:par>
@@ -12336,7 +12884,7 @@
                                           </p:stCondLst>
                                         </p:cTn>
                                         <p:tgtEl>
-                                          <p:spTgt spid="25"/>
+                                          <p:spTgt spid="9"/>
                                         </p:tgtEl>
                                         <p:attrNameLst>
                                           <p:attrName>style.visibility</p:attrName>
@@ -12350,7 +12898,7 @@
                                       <p:cBhvr>
                                         <p:cTn id="49" dur="500"/>
                                         <p:tgtEl>
-                                          <p:spTgt spid="25"/>
+                                          <p:spTgt spid="9"/>
                                         </p:tgtEl>
                                       </p:cBhvr>
                                     </p:animEffect>
@@ -12389,7 +12937,7 @@
                                           </p:stCondLst>
                                         </p:cTn>
                                         <p:tgtEl>
-                                          <p:spTgt spid="22"/>
+                                          <p:spTgt spid="25"/>
                                         </p:tgtEl>
                                         <p:attrNameLst>
                                           <p:attrName>style.visibility</p:attrName>
@@ -12403,7 +12951,7 @@
                                       <p:cBhvr>
                                         <p:cTn id="54" dur="500"/>
                                         <p:tgtEl>
-                                          <p:spTgt spid="22"/>
+                                          <p:spTgt spid="25"/>
                                         </p:tgtEl>
                                       </p:cBhvr>
                                     </p:animEffect>
@@ -12442,7 +12990,7 @@
                                           </p:stCondLst>
                                         </p:cTn>
                                         <p:tgtEl>
-                                          <p:spTgt spid="19"/>
+                                          <p:spTgt spid="22"/>
                                         </p:tgtEl>
                                         <p:attrNameLst>
                                           <p:attrName>style.visibility</p:attrName>
@@ -12456,7 +13004,7 @@
                                       <p:cBhvr>
                                         <p:cTn id="59" dur="500"/>
                                         <p:tgtEl>
-                                          <p:spTgt spid="19"/>
+                                          <p:spTgt spid="22"/>
                                         </p:tgtEl>
                                       </p:cBhvr>
                                     </p:animEffect>
@@ -12495,7 +13043,7 @@
                                           </p:stCondLst>
                                         </p:cTn>
                                         <p:tgtEl>
-                                          <p:spTgt spid="31"/>
+                                          <p:spTgt spid="19"/>
                                         </p:tgtEl>
                                         <p:attrNameLst>
                                           <p:attrName>style.visibility</p:attrName>
@@ -12509,7 +13057,7 @@
                                       <p:cBhvr>
                                         <p:cTn id="64" dur="500"/>
                                         <p:tgtEl>
-                                          <p:spTgt spid="31"/>
+                                          <p:spTgt spid="19"/>
                                         </p:tgtEl>
                                       </p:cBhvr>
                                     </p:animEffect>
@@ -12548,7 +13096,7 @@
                                           </p:stCondLst>
                                         </p:cTn>
                                         <p:tgtEl>
-                                          <p:spTgt spid="37"/>
+                                          <p:spTgt spid="31"/>
                                         </p:tgtEl>
                                         <p:attrNameLst>
                                           <p:attrName>style.visibility</p:attrName>
@@ -12562,7 +13110,7 @@
                                       <p:cBhvr>
                                         <p:cTn id="69" dur="500"/>
                                         <p:tgtEl>
-                                          <p:spTgt spid="37"/>
+                                          <p:spTgt spid="31"/>
                                         </p:tgtEl>
                                       </p:cBhvr>
                                     </p:animEffect>
@@ -12601,7 +13149,7 @@
                                           </p:stCondLst>
                                         </p:cTn>
                                         <p:tgtEl>
-                                          <p:spTgt spid="67"/>
+                                          <p:spTgt spid="37"/>
                                         </p:tgtEl>
                                         <p:attrNameLst>
                                           <p:attrName>style.visibility</p:attrName>
@@ -12615,7 +13163,7 @@
                                       <p:cBhvr>
                                         <p:cTn id="74" dur="500"/>
                                         <p:tgtEl>
-                                          <p:spTgt spid="67"/>
+                                          <p:spTgt spid="37"/>
                                         </p:tgtEl>
                                       </p:cBhvr>
                                     </p:animEffect>
@@ -12654,7 +13202,7 @@
                                           </p:stCondLst>
                                         </p:cTn>
                                         <p:tgtEl>
-                                          <p:spTgt spid="61"/>
+                                          <p:spTgt spid="67"/>
                                         </p:tgtEl>
                                         <p:attrNameLst>
                                           <p:attrName>style.visibility</p:attrName>
@@ -12668,7 +13216,7 @@
                                       <p:cBhvr>
                                         <p:cTn id="79" dur="500"/>
                                         <p:tgtEl>
-                                          <p:spTgt spid="61"/>
+                                          <p:spTgt spid="67"/>
                                         </p:tgtEl>
                                       </p:cBhvr>
                                     </p:animEffect>
@@ -12707,7 +13255,7 @@
                                           </p:stCondLst>
                                         </p:cTn>
                                         <p:tgtEl>
-                                          <p:spTgt spid="64"/>
+                                          <p:spTgt spid="61"/>
                                         </p:tgtEl>
                                         <p:attrNameLst>
                                           <p:attrName>style.visibility</p:attrName>
@@ -12721,7 +13269,7 @@
                                       <p:cBhvr>
                                         <p:cTn id="84" dur="500"/>
                                         <p:tgtEl>
-                                          <p:spTgt spid="64"/>
+                                          <p:spTgt spid="61"/>
                                         </p:tgtEl>
                                       </p:cBhvr>
                                     </p:animEffect>
@@ -12760,7 +13308,7 @@
                                           </p:stCondLst>
                                         </p:cTn>
                                         <p:tgtEl>
-                                          <p:spTgt spid="58"/>
+                                          <p:spTgt spid="64"/>
                                         </p:tgtEl>
                                         <p:attrNameLst>
                                           <p:attrName>style.visibility</p:attrName>
@@ -12774,7 +13322,7 @@
                                       <p:cBhvr>
                                         <p:cTn id="89" dur="500"/>
                                         <p:tgtEl>
-                                          <p:spTgt spid="58"/>
+                                          <p:spTgt spid="64"/>
                                         </p:tgtEl>
                                       </p:cBhvr>
                                     </p:animEffect>
@@ -12813,7 +13361,7 @@
                                           </p:stCondLst>
                                         </p:cTn>
                                         <p:tgtEl>
-                                          <p:spTgt spid="55"/>
+                                          <p:spTgt spid="58"/>
                                         </p:tgtEl>
                                         <p:attrNameLst>
                                           <p:attrName>style.visibility</p:attrName>
@@ -12827,7 +13375,7 @@
                                       <p:cBhvr>
                                         <p:cTn id="94" dur="500"/>
                                         <p:tgtEl>
-                                          <p:spTgt spid="55"/>
+                                          <p:spTgt spid="58"/>
                                         </p:tgtEl>
                                       </p:cBhvr>
                                     </p:animEffect>
@@ -12866,7 +13414,7 @@
                                           </p:stCondLst>
                                         </p:cTn>
                                         <p:tgtEl>
-                                          <p:spTgt spid="70"/>
+                                          <p:spTgt spid="55"/>
                                         </p:tgtEl>
                                         <p:attrNameLst>
                                           <p:attrName>style.visibility</p:attrName>
@@ -12880,7 +13428,7 @@
                                       <p:cBhvr>
                                         <p:cTn id="99" dur="500"/>
                                         <p:tgtEl>
-                                          <p:spTgt spid="70"/>
+                                          <p:spTgt spid="55"/>
                                         </p:tgtEl>
                                       </p:cBhvr>
                                     </p:animEffect>
@@ -12919,7 +13467,7 @@
                                           </p:stCondLst>
                                         </p:cTn>
                                         <p:tgtEl>
-                                          <p:spTgt spid="52"/>
+                                          <p:spTgt spid="70"/>
                                         </p:tgtEl>
                                         <p:attrNameLst>
                                           <p:attrName>style.visibility</p:attrName>
@@ -12933,7 +13481,7 @@
                                       <p:cBhvr>
                                         <p:cTn id="104" dur="500"/>
                                         <p:tgtEl>
-                                          <p:spTgt spid="52"/>
+                                          <p:spTgt spid="70"/>
                                         </p:tgtEl>
                                       </p:cBhvr>
                                     </p:animEffect>
@@ -12972,7 +13520,7 @@
                                           </p:stCondLst>
                                         </p:cTn>
                                         <p:tgtEl>
-                                          <p:spTgt spid="73"/>
+                                          <p:spTgt spid="52"/>
                                         </p:tgtEl>
                                         <p:attrNameLst>
                                           <p:attrName>style.visibility</p:attrName>
@@ -12986,7 +13534,7 @@
                                       <p:cBhvr>
                                         <p:cTn id="109" dur="500"/>
                                         <p:tgtEl>
-                                          <p:spTgt spid="73"/>
+                                          <p:spTgt spid="52"/>
                                         </p:tgtEl>
                                       </p:cBhvr>
                                     </p:animEffect>
@@ -13025,7 +13573,7 @@
                                           </p:stCondLst>
                                         </p:cTn>
                                         <p:tgtEl>
-                                          <p:spTgt spid="77"/>
+                                          <p:spTgt spid="73"/>
                                         </p:tgtEl>
                                         <p:attrNameLst>
                                           <p:attrName>style.visibility</p:attrName>
@@ -13039,7 +13587,7 @@
                                       <p:cBhvr>
                                         <p:cTn id="114" dur="500"/>
                                         <p:tgtEl>
-                                          <p:spTgt spid="77"/>
+                                          <p:spTgt spid="73"/>
                                         </p:tgtEl>
                                       </p:cBhvr>
                                     </p:animEffect>
@@ -13078,7 +13626,7 @@
                                           </p:stCondLst>
                                         </p:cTn>
                                         <p:tgtEl>
-                                          <p:spTgt spid="3"/>
+                                          <p:spTgt spid="77"/>
                                         </p:tgtEl>
                                         <p:attrNameLst>
                                           <p:attrName>style.visibility</p:attrName>
@@ -13092,7 +13640,7 @@
                                       <p:cBhvr>
                                         <p:cTn id="119" dur="500"/>
                                         <p:tgtEl>
-                                          <p:spTgt spid="3"/>
+                                          <p:spTgt spid="77"/>
                                         </p:tgtEl>
                                       </p:cBhvr>
                                     </p:animEffect>

--- a/Praesentation/SuperSort.pptx
+++ b/Praesentation/SuperSort.pptx
@@ -15,9 +15,9 @@
     <p:sldId id="268" r:id="rId9"/>
     <p:sldId id="263" r:id="rId10"/>
     <p:sldId id="269" r:id="rId11"/>
-    <p:sldId id="261" r:id="rId12"/>
-    <p:sldId id="270" r:id="rId13"/>
-    <p:sldId id="264" r:id="rId14"/>
+    <p:sldId id="264" r:id="rId12"/>
+    <p:sldId id="261" r:id="rId13"/>
+    <p:sldId id="270" r:id="rId14"/>
     <p:sldId id="265" r:id="rId15"/>
   </p:sldIdLst>
   <p:sldSz cx="12192000" cy="6858000"/>
@@ -272,7 +272,7 @@
           <a:p>
             <a:fld id="{AEBCA739-919E-4F44-8D27-30D310F4C35C}" type="datetimeFigureOut">
               <a:rPr lang="de-DE" smtClean="0"/>
-              <a:t>12.05.2024</a:t>
+              <a:t>13.05.2024</a:t>
             </a:fld>
             <a:endParaRPr lang="de-DE"/>
           </a:p>
@@ -470,7 +470,7 @@
           <a:p>
             <a:fld id="{AEBCA739-919E-4F44-8D27-30D310F4C35C}" type="datetimeFigureOut">
               <a:rPr lang="de-DE" smtClean="0"/>
-              <a:t>12.05.2024</a:t>
+              <a:t>13.05.2024</a:t>
             </a:fld>
             <a:endParaRPr lang="de-DE"/>
           </a:p>
@@ -678,7 +678,7 @@
           <a:p>
             <a:fld id="{AEBCA739-919E-4F44-8D27-30D310F4C35C}" type="datetimeFigureOut">
               <a:rPr lang="de-DE" smtClean="0"/>
-              <a:t>12.05.2024</a:t>
+              <a:t>13.05.2024</a:t>
             </a:fld>
             <a:endParaRPr lang="de-DE"/>
           </a:p>
@@ -876,7 +876,7 @@
           <a:p>
             <a:fld id="{AEBCA739-919E-4F44-8D27-30D310F4C35C}" type="datetimeFigureOut">
               <a:rPr lang="de-DE" smtClean="0"/>
-              <a:t>12.05.2024</a:t>
+              <a:t>13.05.2024</a:t>
             </a:fld>
             <a:endParaRPr lang="de-DE"/>
           </a:p>
@@ -1151,7 +1151,7 @@
           <a:p>
             <a:fld id="{AEBCA739-919E-4F44-8D27-30D310F4C35C}" type="datetimeFigureOut">
               <a:rPr lang="de-DE" smtClean="0"/>
-              <a:t>12.05.2024</a:t>
+              <a:t>13.05.2024</a:t>
             </a:fld>
             <a:endParaRPr lang="de-DE"/>
           </a:p>
@@ -1416,7 +1416,7 @@
           <a:p>
             <a:fld id="{AEBCA739-919E-4F44-8D27-30D310F4C35C}" type="datetimeFigureOut">
               <a:rPr lang="de-DE" smtClean="0"/>
-              <a:t>12.05.2024</a:t>
+              <a:t>13.05.2024</a:t>
             </a:fld>
             <a:endParaRPr lang="de-DE"/>
           </a:p>
@@ -1828,7 +1828,7 @@
           <a:p>
             <a:fld id="{AEBCA739-919E-4F44-8D27-30D310F4C35C}" type="datetimeFigureOut">
               <a:rPr lang="de-DE" smtClean="0"/>
-              <a:t>12.05.2024</a:t>
+              <a:t>13.05.2024</a:t>
             </a:fld>
             <a:endParaRPr lang="de-DE"/>
           </a:p>
@@ -1969,7 +1969,7 @@
           <a:p>
             <a:fld id="{AEBCA739-919E-4F44-8D27-30D310F4C35C}" type="datetimeFigureOut">
               <a:rPr lang="de-DE" smtClean="0"/>
-              <a:t>12.05.2024</a:t>
+              <a:t>13.05.2024</a:t>
             </a:fld>
             <a:endParaRPr lang="de-DE"/>
           </a:p>
@@ -2082,7 +2082,7 @@
           <a:p>
             <a:fld id="{AEBCA739-919E-4F44-8D27-30D310F4C35C}" type="datetimeFigureOut">
               <a:rPr lang="de-DE" smtClean="0"/>
-              <a:t>12.05.2024</a:t>
+              <a:t>13.05.2024</a:t>
             </a:fld>
             <a:endParaRPr lang="de-DE"/>
           </a:p>
@@ -2393,7 +2393,7 @@
           <a:p>
             <a:fld id="{AEBCA739-919E-4F44-8D27-30D310F4C35C}" type="datetimeFigureOut">
               <a:rPr lang="de-DE" smtClean="0"/>
-              <a:t>12.05.2024</a:t>
+              <a:t>13.05.2024</a:t>
             </a:fld>
             <a:endParaRPr lang="de-DE"/>
           </a:p>
@@ -2681,7 +2681,7 @@
           <a:p>
             <a:fld id="{AEBCA739-919E-4F44-8D27-30D310F4C35C}" type="datetimeFigureOut">
               <a:rPr lang="de-DE" smtClean="0"/>
-              <a:t>12.05.2024</a:t>
+              <a:t>13.05.2024</a:t>
             </a:fld>
             <a:endParaRPr lang="de-DE"/>
           </a:p>
@@ -2951,7 +2951,7 @@
           <a:p>
             <a:fld id="{AEBCA739-919E-4F44-8D27-30D310F4C35C}" type="datetimeFigureOut">
               <a:rPr lang="de-DE" smtClean="0"/>
-              <a:t>12.05.2024</a:t>
+              <a:t>13.05.2024</a:t>
             </a:fld>
             <a:endParaRPr lang="de-DE"/>
           </a:p>
@@ -3976,7 +3976,7 @@
           <p:cNvPr id="2" name="Titel 1">
             <a:extLst>
               <a:ext uri="{FF2B5EF4-FFF2-40B4-BE49-F238E27FC236}">
-                <a16:creationId xmlns:a16="http://schemas.microsoft.com/office/drawing/2014/main" id="{636AF43D-66EB-EF61-3A62-EA00537EFAD7}"/>
+                <a16:creationId xmlns:a16="http://schemas.microsoft.com/office/drawing/2014/main" id="{E880CFA0-4959-E17A-DBD8-231B5D146E77}"/>
               </a:ext>
             </a:extLst>
           </p:cNvPr>
@@ -3994,929 +3994,10 @@
           <a:p>
             <a:pPr algn="ctr"/>
             <a:r>
-              <a:rPr lang="de-DE" dirty="0"/>
-              <a:t>Fazit</a:t>
+              <a:rPr lang="de-DE"/>
+              <a:t>Fazit - Aufwand</a:t>
             </a:r>
-          </a:p>
-        </p:txBody>
-      </p:sp>
-      <p:sp>
-        <p:nvSpPr>
-          <p:cNvPr id="3" name="Inhaltsplatzhalter 2">
-            <a:extLst>
-              <a:ext uri="{FF2B5EF4-FFF2-40B4-BE49-F238E27FC236}">
-                <a16:creationId xmlns:a16="http://schemas.microsoft.com/office/drawing/2014/main" id="{884FE433-C78A-490E-2644-80B24B2158DB}"/>
-              </a:ext>
-            </a:extLst>
-          </p:cNvPr>
-          <p:cNvSpPr>
-            <a:spLocks noGrp="1"/>
-          </p:cNvSpPr>
-          <p:nvPr>
-            <p:ph idx="1"/>
-          </p:nvPr>
-        </p:nvSpPr>
-        <p:spPr>
-          <a:xfrm>
-            <a:off x="838200" y="1466662"/>
-            <a:ext cx="10515600" cy="5241956"/>
-          </a:xfrm>
-        </p:spPr>
-        <p:txBody>
-          <a:bodyPr>
-            <a:normAutofit/>
-          </a:bodyPr>
-          <a:lstStyle/>
-          <a:p>
-            <a:pPr marL="0" indent="0">
-              <a:buNone/>
-            </a:pPr>
-            <a:r>
-              <a:rPr lang="de-DE" dirty="0"/>
-              <a:t>Innerhalb von </a:t>
-            </a:r>
-            <a:r>
-              <a:rPr lang="de-DE" u="sng" dirty="0"/>
-              <a:t>43</a:t>
-            </a:r>
-            <a:r>
-              <a:rPr lang="de-DE" dirty="0"/>
-              <a:t> Stunden folgende Ziele erreicht:</a:t>
-            </a:r>
-          </a:p>
-          <a:p>
             <a:endParaRPr lang="de-DE" dirty="0"/>
-          </a:p>
-          <a:p>
-            <a:r>
-              <a:rPr lang="de-DE" dirty="0"/>
-              <a:t>GUI ohne Funktion</a:t>
-            </a:r>
-          </a:p>
-          <a:p>
-            <a:r>
-              <a:rPr lang="de-DE" dirty="0"/>
-              <a:t>Aufruf einer API (ohne Header)</a:t>
-            </a:r>
-          </a:p>
-          <a:p>
-            <a:r>
-              <a:rPr lang="de-DE" dirty="0"/>
-              <a:t>Kompilierung der Abhängigkeiten mit Nix-Shell</a:t>
-            </a:r>
-          </a:p>
-          <a:p>
-            <a:r>
-              <a:rPr lang="de-DE" dirty="0"/>
-              <a:t>Grundfunktion des Programms ist gegeben</a:t>
-            </a:r>
-          </a:p>
-          <a:p>
-            <a:r>
-              <a:rPr lang="de-DE" dirty="0"/>
-              <a:t>Gute Zusammenarbeit mit </a:t>
-            </a:r>
-            <a:r>
-              <a:rPr lang="de-DE" dirty="0" err="1"/>
-              <a:t>Git</a:t>
-            </a:r>
-            <a:r>
-              <a:rPr lang="de-DE" dirty="0"/>
-              <a:t> (via </a:t>
-            </a:r>
-            <a:r>
-              <a:rPr lang="de-DE" dirty="0" err="1"/>
-              <a:t>Github</a:t>
-            </a:r>
-            <a:r>
-              <a:rPr lang="de-DE" dirty="0"/>
-              <a:t>)</a:t>
-            </a:r>
-          </a:p>
-          <a:p>
-            <a:pPr marL="0" indent="0">
-              <a:buNone/>
-            </a:pPr>
-            <a:endParaRPr lang="de-DE" dirty="0"/>
-          </a:p>
-          <a:p>
-            <a:pPr marL="0" indent="0">
-              <a:buNone/>
-            </a:pPr>
-            <a:endParaRPr lang="de-DE" dirty="0"/>
-          </a:p>
-          <a:p>
-            <a:endParaRPr lang="de-DE" dirty="0"/>
-          </a:p>
-        </p:txBody>
-      </p:sp>
-    </p:spTree>
-    <p:extLst>
-      <p:ext uri="{BB962C8B-B14F-4D97-AF65-F5344CB8AC3E}">
-        <p14:creationId xmlns:p14="http://schemas.microsoft.com/office/powerpoint/2010/main" val="609048910"/>
-      </p:ext>
-    </p:extLst>
-  </p:cSld>
-  <p:clrMapOvr>
-    <a:masterClrMapping/>
-  </p:clrMapOvr>
-  <p:timing>
-    <p:tnLst>
-      <p:par>
-        <p:cTn id="1" dur="indefinite" restart="never" nodeType="tmRoot">
-          <p:childTnLst>
-            <p:seq concurrent="1" nextAc="seek">
-              <p:cTn id="2" dur="indefinite" nodeType="mainSeq">
-                <p:childTnLst>
-                  <p:par>
-                    <p:cTn id="3" fill="hold">
-                      <p:stCondLst>
-                        <p:cond delay="indefinite"/>
-                      </p:stCondLst>
-                      <p:childTnLst>
-                        <p:par>
-                          <p:cTn id="4" fill="hold">
-                            <p:stCondLst>
-                              <p:cond delay="0"/>
-                            </p:stCondLst>
-                            <p:childTnLst>
-                              <p:par>
-                                <p:cTn id="5" presetID="10" presetClass="entr" presetSubtype="0" fill="hold" grpId="0" nodeType="clickEffect">
-                                  <p:stCondLst>
-                                    <p:cond delay="0"/>
-                                  </p:stCondLst>
-                                  <p:childTnLst>
-                                    <p:set>
-                                      <p:cBhvr>
-                                        <p:cTn id="6" dur="1" fill="hold">
-                                          <p:stCondLst>
-                                            <p:cond delay="0"/>
-                                          </p:stCondLst>
-                                        </p:cTn>
-                                        <p:tgtEl>
-                                          <p:spTgt spid="3">
-                                            <p:txEl>
-                                              <p:pRg st="0" end="0"/>
-                                            </p:txEl>
-                                          </p:spTgt>
-                                        </p:tgtEl>
-                                        <p:attrNameLst>
-                                          <p:attrName>style.visibility</p:attrName>
-                                        </p:attrNameLst>
-                                      </p:cBhvr>
-                                      <p:to>
-                                        <p:strVal val="visible"/>
-                                      </p:to>
-                                    </p:set>
-                                    <p:animEffect transition="in" filter="fade">
-                                      <p:cBhvr>
-                                        <p:cTn id="7" dur="500"/>
-                                        <p:tgtEl>
-                                          <p:spTgt spid="3">
-                                            <p:txEl>
-                                              <p:pRg st="0" end="0"/>
-                                            </p:txEl>
-                                          </p:spTgt>
-                                        </p:tgtEl>
-                                      </p:cBhvr>
-                                    </p:animEffect>
-                                  </p:childTnLst>
-                                </p:cTn>
-                              </p:par>
-                            </p:childTnLst>
-                          </p:cTn>
-                        </p:par>
-                      </p:childTnLst>
-                    </p:cTn>
-                  </p:par>
-                  <p:par>
-                    <p:cTn id="8" fill="hold">
-                      <p:stCondLst>
-                        <p:cond delay="indefinite"/>
-                      </p:stCondLst>
-                      <p:childTnLst>
-                        <p:par>
-                          <p:cTn id="9" fill="hold">
-                            <p:stCondLst>
-                              <p:cond delay="0"/>
-                            </p:stCondLst>
-                            <p:childTnLst>
-                              <p:par>
-                                <p:cTn id="10" presetID="10" presetClass="entr" presetSubtype="0" fill="hold" grpId="0" nodeType="clickEffect">
-                                  <p:stCondLst>
-                                    <p:cond delay="0"/>
-                                  </p:stCondLst>
-                                  <p:childTnLst>
-                                    <p:set>
-                                      <p:cBhvr>
-                                        <p:cTn id="11" dur="1" fill="hold">
-                                          <p:stCondLst>
-                                            <p:cond delay="0"/>
-                                          </p:stCondLst>
-                                        </p:cTn>
-                                        <p:tgtEl>
-                                          <p:spTgt spid="3">
-                                            <p:txEl>
-                                              <p:pRg st="2" end="2"/>
-                                            </p:txEl>
-                                          </p:spTgt>
-                                        </p:tgtEl>
-                                        <p:attrNameLst>
-                                          <p:attrName>style.visibility</p:attrName>
-                                        </p:attrNameLst>
-                                      </p:cBhvr>
-                                      <p:to>
-                                        <p:strVal val="visible"/>
-                                      </p:to>
-                                    </p:set>
-                                    <p:animEffect transition="in" filter="fade">
-                                      <p:cBhvr>
-                                        <p:cTn id="12" dur="500"/>
-                                        <p:tgtEl>
-                                          <p:spTgt spid="3">
-                                            <p:txEl>
-                                              <p:pRg st="2" end="2"/>
-                                            </p:txEl>
-                                          </p:spTgt>
-                                        </p:tgtEl>
-                                      </p:cBhvr>
-                                    </p:animEffect>
-                                  </p:childTnLst>
-                                </p:cTn>
-                              </p:par>
-                            </p:childTnLst>
-                          </p:cTn>
-                        </p:par>
-                      </p:childTnLst>
-                    </p:cTn>
-                  </p:par>
-                  <p:par>
-                    <p:cTn id="13" fill="hold">
-                      <p:stCondLst>
-                        <p:cond delay="indefinite"/>
-                      </p:stCondLst>
-                      <p:childTnLst>
-                        <p:par>
-                          <p:cTn id="14" fill="hold">
-                            <p:stCondLst>
-                              <p:cond delay="0"/>
-                            </p:stCondLst>
-                            <p:childTnLst>
-                              <p:par>
-                                <p:cTn id="15" presetID="10" presetClass="entr" presetSubtype="0" fill="hold" grpId="0" nodeType="clickEffect">
-                                  <p:stCondLst>
-                                    <p:cond delay="0"/>
-                                  </p:stCondLst>
-                                  <p:childTnLst>
-                                    <p:set>
-                                      <p:cBhvr>
-                                        <p:cTn id="16" dur="1" fill="hold">
-                                          <p:stCondLst>
-                                            <p:cond delay="0"/>
-                                          </p:stCondLst>
-                                        </p:cTn>
-                                        <p:tgtEl>
-                                          <p:spTgt spid="3">
-                                            <p:txEl>
-                                              <p:pRg st="3" end="3"/>
-                                            </p:txEl>
-                                          </p:spTgt>
-                                        </p:tgtEl>
-                                        <p:attrNameLst>
-                                          <p:attrName>style.visibility</p:attrName>
-                                        </p:attrNameLst>
-                                      </p:cBhvr>
-                                      <p:to>
-                                        <p:strVal val="visible"/>
-                                      </p:to>
-                                    </p:set>
-                                    <p:animEffect transition="in" filter="fade">
-                                      <p:cBhvr>
-                                        <p:cTn id="17" dur="500"/>
-                                        <p:tgtEl>
-                                          <p:spTgt spid="3">
-                                            <p:txEl>
-                                              <p:pRg st="3" end="3"/>
-                                            </p:txEl>
-                                          </p:spTgt>
-                                        </p:tgtEl>
-                                      </p:cBhvr>
-                                    </p:animEffect>
-                                  </p:childTnLst>
-                                </p:cTn>
-                              </p:par>
-                            </p:childTnLst>
-                          </p:cTn>
-                        </p:par>
-                      </p:childTnLst>
-                    </p:cTn>
-                  </p:par>
-                  <p:par>
-                    <p:cTn id="18" fill="hold">
-                      <p:stCondLst>
-                        <p:cond delay="indefinite"/>
-                      </p:stCondLst>
-                      <p:childTnLst>
-                        <p:par>
-                          <p:cTn id="19" fill="hold">
-                            <p:stCondLst>
-                              <p:cond delay="0"/>
-                            </p:stCondLst>
-                            <p:childTnLst>
-                              <p:par>
-                                <p:cTn id="20" presetID="10" presetClass="entr" presetSubtype="0" fill="hold" grpId="0" nodeType="clickEffect">
-                                  <p:stCondLst>
-                                    <p:cond delay="0"/>
-                                  </p:stCondLst>
-                                  <p:childTnLst>
-                                    <p:set>
-                                      <p:cBhvr>
-                                        <p:cTn id="21" dur="1" fill="hold">
-                                          <p:stCondLst>
-                                            <p:cond delay="0"/>
-                                          </p:stCondLst>
-                                        </p:cTn>
-                                        <p:tgtEl>
-                                          <p:spTgt spid="3">
-                                            <p:txEl>
-                                              <p:pRg st="4" end="4"/>
-                                            </p:txEl>
-                                          </p:spTgt>
-                                        </p:tgtEl>
-                                        <p:attrNameLst>
-                                          <p:attrName>style.visibility</p:attrName>
-                                        </p:attrNameLst>
-                                      </p:cBhvr>
-                                      <p:to>
-                                        <p:strVal val="visible"/>
-                                      </p:to>
-                                    </p:set>
-                                    <p:animEffect transition="in" filter="fade">
-                                      <p:cBhvr>
-                                        <p:cTn id="22" dur="500"/>
-                                        <p:tgtEl>
-                                          <p:spTgt spid="3">
-                                            <p:txEl>
-                                              <p:pRg st="4" end="4"/>
-                                            </p:txEl>
-                                          </p:spTgt>
-                                        </p:tgtEl>
-                                      </p:cBhvr>
-                                    </p:animEffect>
-                                  </p:childTnLst>
-                                </p:cTn>
-                              </p:par>
-                            </p:childTnLst>
-                          </p:cTn>
-                        </p:par>
-                      </p:childTnLst>
-                    </p:cTn>
-                  </p:par>
-                  <p:par>
-                    <p:cTn id="23" fill="hold">
-                      <p:stCondLst>
-                        <p:cond delay="indefinite"/>
-                      </p:stCondLst>
-                      <p:childTnLst>
-                        <p:par>
-                          <p:cTn id="24" fill="hold">
-                            <p:stCondLst>
-                              <p:cond delay="0"/>
-                            </p:stCondLst>
-                            <p:childTnLst>
-                              <p:par>
-                                <p:cTn id="25" presetID="10" presetClass="entr" presetSubtype="0" fill="hold" grpId="0" nodeType="clickEffect">
-                                  <p:stCondLst>
-                                    <p:cond delay="0"/>
-                                  </p:stCondLst>
-                                  <p:childTnLst>
-                                    <p:set>
-                                      <p:cBhvr>
-                                        <p:cTn id="26" dur="1" fill="hold">
-                                          <p:stCondLst>
-                                            <p:cond delay="0"/>
-                                          </p:stCondLst>
-                                        </p:cTn>
-                                        <p:tgtEl>
-                                          <p:spTgt spid="3">
-                                            <p:txEl>
-                                              <p:pRg st="5" end="5"/>
-                                            </p:txEl>
-                                          </p:spTgt>
-                                        </p:tgtEl>
-                                        <p:attrNameLst>
-                                          <p:attrName>style.visibility</p:attrName>
-                                        </p:attrNameLst>
-                                      </p:cBhvr>
-                                      <p:to>
-                                        <p:strVal val="visible"/>
-                                      </p:to>
-                                    </p:set>
-                                    <p:animEffect transition="in" filter="fade">
-                                      <p:cBhvr>
-                                        <p:cTn id="27" dur="500"/>
-                                        <p:tgtEl>
-                                          <p:spTgt spid="3">
-                                            <p:txEl>
-                                              <p:pRg st="5" end="5"/>
-                                            </p:txEl>
-                                          </p:spTgt>
-                                        </p:tgtEl>
-                                      </p:cBhvr>
-                                    </p:animEffect>
-                                  </p:childTnLst>
-                                </p:cTn>
-                              </p:par>
-                            </p:childTnLst>
-                          </p:cTn>
-                        </p:par>
-                      </p:childTnLst>
-                    </p:cTn>
-                  </p:par>
-                  <p:par>
-                    <p:cTn id="28" fill="hold">
-                      <p:stCondLst>
-                        <p:cond delay="indefinite"/>
-                      </p:stCondLst>
-                      <p:childTnLst>
-                        <p:par>
-                          <p:cTn id="29" fill="hold">
-                            <p:stCondLst>
-                              <p:cond delay="0"/>
-                            </p:stCondLst>
-                            <p:childTnLst>
-                              <p:par>
-                                <p:cTn id="30" presetID="10" presetClass="entr" presetSubtype="0" fill="hold" grpId="0" nodeType="clickEffect">
-                                  <p:stCondLst>
-                                    <p:cond delay="0"/>
-                                  </p:stCondLst>
-                                  <p:childTnLst>
-                                    <p:set>
-                                      <p:cBhvr>
-                                        <p:cTn id="31" dur="1" fill="hold">
-                                          <p:stCondLst>
-                                            <p:cond delay="0"/>
-                                          </p:stCondLst>
-                                        </p:cTn>
-                                        <p:tgtEl>
-                                          <p:spTgt spid="3">
-                                            <p:txEl>
-                                              <p:pRg st="6" end="6"/>
-                                            </p:txEl>
-                                          </p:spTgt>
-                                        </p:tgtEl>
-                                        <p:attrNameLst>
-                                          <p:attrName>style.visibility</p:attrName>
-                                        </p:attrNameLst>
-                                      </p:cBhvr>
-                                      <p:to>
-                                        <p:strVal val="visible"/>
-                                      </p:to>
-                                    </p:set>
-                                    <p:animEffect transition="in" filter="fade">
-                                      <p:cBhvr>
-                                        <p:cTn id="32" dur="500"/>
-                                        <p:tgtEl>
-                                          <p:spTgt spid="3">
-                                            <p:txEl>
-                                              <p:pRg st="6" end="6"/>
-                                            </p:txEl>
-                                          </p:spTgt>
-                                        </p:tgtEl>
-                                      </p:cBhvr>
-                                    </p:animEffect>
-                                  </p:childTnLst>
-                                </p:cTn>
-                              </p:par>
-                            </p:childTnLst>
-                          </p:cTn>
-                        </p:par>
-                      </p:childTnLst>
-                    </p:cTn>
-                  </p:par>
-                </p:childTnLst>
-              </p:cTn>
-              <p:prevCondLst>
-                <p:cond evt="onPrev" delay="0">
-                  <p:tgtEl>
-                    <p:sldTgt/>
-                  </p:tgtEl>
-                </p:cond>
-              </p:prevCondLst>
-              <p:nextCondLst>
-                <p:cond evt="onNext" delay="0">
-                  <p:tgtEl>
-                    <p:sldTgt/>
-                  </p:tgtEl>
-                </p:cond>
-              </p:nextCondLst>
-            </p:seq>
-          </p:childTnLst>
-        </p:cTn>
-      </p:par>
-    </p:tnLst>
-    <p:bldLst>
-      <p:bldP spid="3" grpId="0" build="p"/>
-    </p:bldLst>
-  </p:timing>
-</p:sld>
-</file>
-
-<file path=ppt/slides/slide12.xml><?xml version="1.0" encoding="utf-8"?>
-<p:sld xmlns:a="http://schemas.openxmlformats.org/drawingml/2006/main" xmlns:r="http://schemas.openxmlformats.org/officeDocument/2006/relationships" xmlns:p="http://schemas.openxmlformats.org/presentationml/2006/main">
-  <p:cSld>
-    <p:spTree>
-      <p:nvGrpSpPr>
-        <p:cNvPr id="1" name=""/>
-        <p:cNvGrpSpPr/>
-        <p:nvPr/>
-      </p:nvGrpSpPr>
-      <p:grpSpPr>
-        <a:xfrm>
-          <a:off x="0" y="0"/>
-          <a:ext cx="0" cy="0"/>
-          <a:chOff x="0" y="0"/>
-          <a:chExt cx="0" cy="0"/>
-        </a:xfrm>
-      </p:grpSpPr>
-      <p:sp>
-        <p:nvSpPr>
-          <p:cNvPr id="2" name="Titel 1">
-            <a:extLst>
-              <a:ext uri="{FF2B5EF4-FFF2-40B4-BE49-F238E27FC236}">
-                <a16:creationId xmlns:a16="http://schemas.microsoft.com/office/drawing/2014/main" id="{6BA8B8C0-BC04-59CF-7F27-0F3F9363D57B}"/>
-              </a:ext>
-            </a:extLst>
-          </p:cNvPr>
-          <p:cNvSpPr>
-            <a:spLocks noGrp="1"/>
-          </p:cNvSpPr>
-          <p:nvPr>
-            <p:ph type="title"/>
-          </p:nvPr>
-        </p:nvSpPr>
-        <p:spPr/>
-        <p:txBody>
-          <a:bodyPr/>
-          <a:lstStyle/>
-          <a:p>
-            <a:pPr algn="ctr"/>
-            <a:r>
-              <a:rPr lang="de-DE" dirty="0"/>
-              <a:t>Fazit</a:t>
-            </a:r>
-          </a:p>
-        </p:txBody>
-      </p:sp>
-      <p:sp>
-        <p:nvSpPr>
-          <p:cNvPr id="3" name="Inhaltsplatzhalter 2">
-            <a:extLst>
-              <a:ext uri="{FF2B5EF4-FFF2-40B4-BE49-F238E27FC236}">
-                <a16:creationId xmlns:a16="http://schemas.microsoft.com/office/drawing/2014/main" id="{6FA4D540-6E2D-C10E-B709-6EC954995DB7}"/>
-              </a:ext>
-            </a:extLst>
-          </p:cNvPr>
-          <p:cNvSpPr>
-            <a:spLocks noGrp="1"/>
-          </p:cNvSpPr>
-          <p:nvPr>
-            <p:ph idx="1"/>
-          </p:nvPr>
-        </p:nvSpPr>
-        <p:spPr/>
-        <p:txBody>
-          <a:bodyPr/>
-          <a:lstStyle/>
-          <a:p>
-            <a:pPr marL="0" indent="0">
-              <a:buNone/>
-            </a:pPr>
-            <a:r>
-              <a:rPr lang="de-DE" dirty="0" err="1"/>
-              <a:t>Has</a:t>
-            </a:r>
-            <a:r>
-              <a:rPr lang="de-DE" u="sng" dirty="0" err="1"/>
-              <a:t>s</a:t>
-            </a:r>
-            <a:r>
-              <a:rPr lang="de-DE" dirty="0" err="1"/>
-              <a:t>kell</a:t>
-            </a:r>
-            <a:r>
-              <a:rPr lang="de-DE" dirty="0"/>
-              <a:t> als Programmiersprache?!</a:t>
-            </a:r>
-          </a:p>
-          <a:p>
-            <a:pPr marL="0" indent="0">
-              <a:buNone/>
-            </a:pPr>
-            <a:endParaRPr lang="de-DE" dirty="0"/>
-          </a:p>
-          <a:p>
-            <a:r>
-              <a:rPr lang="de-DE" dirty="0"/>
-              <a:t>Bleibt und ist eine Nische für spezielle Anwendungsfälle</a:t>
-            </a:r>
-          </a:p>
-          <a:p>
-            <a:r>
-              <a:rPr lang="de-DE" dirty="0"/>
-              <a:t>Ist so </a:t>
-            </a:r>
-            <a:r>
-              <a:rPr lang="de-DE" dirty="0" err="1"/>
-              <a:t>unintuitiv</a:t>
-            </a:r>
-            <a:r>
-              <a:rPr lang="de-DE" dirty="0"/>
-              <a:t> das drei Erwachsene </a:t>
-            </a:r>
-            <a:r>
-              <a:rPr lang="de-DE" dirty="0" err="1"/>
-              <a:t>ITler</a:t>
-            </a:r>
-            <a:r>
-              <a:rPr lang="de-DE" dirty="0"/>
-              <a:t> nicht in der Lage sind simpelste RL-Tools mit vertretbaren Zeitaufwand zu erstellen</a:t>
-            </a:r>
-          </a:p>
-          <a:p>
-            <a:endParaRPr lang="de-DE" dirty="0"/>
-          </a:p>
-        </p:txBody>
-      </p:sp>
-    </p:spTree>
-    <p:extLst>
-      <p:ext uri="{BB962C8B-B14F-4D97-AF65-F5344CB8AC3E}">
-        <p14:creationId xmlns:p14="http://schemas.microsoft.com/office/powerpoint/2010/main" val="1030915866"/>
-      </p:ext>
-    </p:extLst>
-  </p:cSld>
-  <p:clrMapOvr>
-    <a:masterClrMapping/>
-  </p:clrMapOvr>
-  <p:timing>
-    <p:tnLst>
-      <p:par>
-        <p:cTn id="1" dur="indefinite" restart="never" nodeType="tmRoot">
-          <p:childTnLst>
-            <p:seq concurrent="1" nextAc="seek">
-              <p:cTn id="2" dur="indefinite" nodeType="mainSeq">
-                <p:childTnLst>
-                  <p:par>
-                    <p:cTn id="3" fill="hold">
-                      <p:stCondLst>
-                        <p:cond delay="indefinite"/>
-                      </p:stCondLst>
-                      <p:childTnLst>
-                        <p:par>
-                          <p:cTn id="4" fill="hold">
-                            <p:stCondLst>
-                              <p:cond delay="0"/>
-                            </p:stCondLst>
-                            <p:childTnLst>
-                              <p:par>
-                                <p:cTn id="5" presetID="10" presetClass="entr" presetSubtype="0" fill="hold" nodeType="clickEffect">
-                                  <p:stCondLst>
-                                    <p:cond delay="0"/>
-                                  </p:stCondLst>
-                                  <p:childTnLst>
-                                    <p:set>
-                                      <p:cBhvr>
-                                        <p:cTn id="6" dur="1" fill="hold">
-                                          <p:stCondLst>
-                                            <p:cond delay="0"/>
-                                          </p:stCondLst>
-                                        </p:cTn>
-                                        <p:tgtEl>
-                                          <p:spTgt spid="3">
-                                            <p:txEl>
-                                              <p:pRg st="0" end="0"/>
-                                            </p:txEl>
-                                          </p:spTgt>
-                                        </p:tgtEl>
-                                        <p:attrNameLst>
-                                          <p:attrName>style.visibility</p:attrName>
-                                        </p:attrNameLst>
-                                      </p:cBhvr>
-                                      <p:to>
-                                        <p:strVal val="visible"/>
-                                      </p:to>
-                                    </p:set>
-                                    <p:animEffect transition="in" filter="fade">
-                                      <p:cBhvr>
-                                        <p:cTn id="7" dur="500"/>
-                                        <p:tgtEl>
-                                          <p:spTgt spid="3">
-                                            <p:txEl>
-                                              <p:pRg st="0" end="0"/>
-                                            </p:txEl>
-                                          </p:spTgt>
-                                        </p:tgtEl>
-                                      </p:cBhvr>
-                                    </p:animEffect>
-                                  </p:childTnLst>
-                                </p:cTn>
-                              </p:par>
-                            </p:childTnLst>
-                          </p:cTn>
-                        </p:par>
-                      </p:childTnLst>
-                    </p:cTn>
-                  </p:par>
-                  <p:par>
-                    <p:cTn id="8" fill="hold">
-                      <p:stCondLst>
-                        <p:cond delay="indefinite"/>
-                      </p:stCondLst>
-                      <p:childTnLst>
-                        <p:par>
-                          <p:cTn id="9" fill="hold">
-                            <p:stCondLst>
-                              <p:cond delay="0"/>
-                            </p:stCondLst>
-                            <p:childTnLst>
-                              <p:par>
-                                <p:cTn id="10" presetID="10" presetClass="entr" presetSubtype="0" fill="hold" nodeType="clickEffect">
-                                  <p:stCondLst>
-                                    <p:cond delay="0"/>
-                                  </p:stCondLst>
-                                  <p:childTnLst>
-                                    <p:set>
-                                      <p:cBhvr>
-                                        <p:cTn id="11" dur="1" fill="hold">
-                                          <p:stCondLst>
-                                            <p:cond delay="0"/>
-                                          </p:stCondLst>
-                                        </p:cTn>
-                                        <p:tgtEl>
-                                          <p:spTgt spid="3">
-                                            <p:txEl>
-                                              <p:pRg st="2" end="2"/>
-                                            </p:txEl>
-                                          </p:spTgt>
-                                        </p:tgtEl>
-                                        <p:attrNameLst>
-                                          <p:attrName>style.visibility</p:attrName>
-                                        </p:attrNameLst>
-                                      </p:cBhvr>
-                                      <p:to>
-                                        <p:strVal val="visible"/>
-                                      </p:to>
-                                    </p:set>
-                                    <p:animEffect transition="in" filter="fade">
-                                      <p:cBhvr>
-                                        <p:cTn id="12" dur="500"/>
-                                        <p:tgtEl>
-                                          <p:spTgt spid="3">
-                                            <p:txEl>
-                                              <p:pRg st="2" end="2"/>
-                                            </p:txEl>
-                                          </p:spTgt>
-                                        </p:tgtEl>
-                                      </p:cBhvr>
-                                    </p:animEffect>
-                                  </p:childTnLst>
-                                </p:cTn>
-                              </p:par>
-                            </p:childTnLst>
-                          </p:cTn>
-                        </p:par>
-                      </p:childTnLst>
-                    </p:cTn>
-                  </p:par>
-                  <p:par>
-                    <p:cTn id="13" fill="hold">
-                      <p:stCondLst>
-                        <p:cond delay="indefinite"/>
-                      </p:stCondLst>
-                      <p:childTnLst>
-                        <p:par>
-                          <p:cTn id="14" fill="hold">
-                            <p:stCondLst>
-                              <p:cond delay="0"/>
-                            </p:stCondLst>
-                            <p:childTnLst>
-                              <p:par>
-                                <p:cTn id="15" presetID="10" presetClass="entr" presetSubtype="0" fill="hold" nodeType="clickEffect">
-                                  <p:stCondLst>
-                                    <p:cond delay="0"/>
-                                  </p:stCondLst>
-                                  <p:childTnLst>
-                                    <p:set>
-                                      <p:cBhvr>
-                                        <p:cTn id="16" dur="1" fill="hold">
-                                          <p:stCondLst>
-                                            <p:cond delay="0"/>
-                                          </p:stCondLst>
-                                        </p:cTn>
-                                        <p:tgtEl>
-                                          <p:spTgt spid="3">
-                                            <p:txEl>
-                                              <p:pRg st="3" end="3"/>
-                                            </p:txEl>
-                                          </p:spTgt>
-                                        </p:tgtEl>
-                                        <p:attrNameLst>
-                                          <p:attrName>style.visibility</p:attrName>
-                                        </p:attrNameLst>
-                                      </p:cBhvr>
-                                      <p:to>
-                                        <p:strVal val="visible"/>
-                                      </p:to>
-                                    </p:set>
-                                    <p:animEffect transition="in" filter="fade">
-                                      <p:cBhvr>
-                                        <p:cTn id="17" dur="500"/>
-                                        <p:tgtEl>
-                                          <p:spTgt spid="3">
-                                            <p:txEl>
-                                              <p:pRg st="3" end="3"/>
-                                            </p:txEl>
-                                          </p:spTgt>
-                                        </p:tgtEl>
-                                      </p:cBhvr>
-                                    </p:animEffect>
-                                  </p:childTnLst>
-                                </p:cTn>
-                              </p:par>
-                            </p:childTnLst>
-                          </p:cTn>
-                        </p:par>
-                      </p:childTnLst>
-                    </p:cTn>
-                  </p:par>
-                </p:childTnLst>
-              </p:cTn>
-              <p:prevCondLst>
-                <p:cond evt="onPrev" delay="0">
-                  <p:tgtEl>
-                    <p:sldTgt/>
-                  </p:tgtEl>
-                </p:cond>
-              </p:prevCondLst>
-              <p:nextCondLst>
-                <p:cond evt="onNext" delay="0">
-                  <p:tgtEl>
-                    <p:sldTgt/>
-                  </p:tgtEl>
-                </p:cond>
-              </p:nextCondLst>
-            </p:seq>
-          </p:childTnLst>
-        </p:cTn>
-      </p:par>
-    </p:tnLst>
-  </p:timing>
-</p:sld>
-</file>
-
-<file path=ppt/slides/slide13.xml><?xml version="1.0" encoding="utf-8"?>
-<p:sld xmlns:a="http://schemas.openxmlformats.org/drawingml/2006/main" xmlns:r="http://schemas.openxmlformats.org/officeDocument/2006/relationships" xmlns:p="http://schemas.openxmlformats.org/presentationml/2006/main">
-  <p:cSld>
-    <p:spTree>
-      <p:nvGrpSpPr>
-        <p:cNvPr id="1" name=""/>
-        <p:cNvGrpSpPr/>
-        <p:nvPr/>
-      </p:nvGrpSpPr>
-      <p:grpSpPr>
-        <a:xfrm>
-          <a:off x="0" y="0"/>
-          <a:ext cx="0" cy="0"/>
-          <a:chOff x="0" y="0"/>
-          <a:chExt cx="0" cy="0"/>
-        </a:xfrm>
-      </p:grpSpPr>
-      <p:sp>
-        <p:nvSpPr>
-          <p:cNvPr id="2" name="Titel 1">
-            <a:extLst>
-              <a:ext uri="{FF2B5EF4-FFF2-40B4-BE49-F238E27FC236}">
-                <a16:creationId xmlns:a16="http://schemas.microsoft.com/office/drawing/2014/main" id="{E880CFA0-4959-E17A-DBD8-231B5D146E77}"/>
-              </a:ext>
-            </a:extLst>
-          </p:cNvPr>
-          <p:cNvSpPr>
-            <a:spLocks noGrp="1"/>
-          </p:cNvSpPr>
-          <p:nvPr>
-            <p:ph type="title"/>
-          </p:nvPr>
-        </p:nvSpPr>
-        <p:spPr/>
-        <p:txBody>
-          <a:bodyPr/>
-          <a:lstStyle/>
-          <a:p>
-            <a:pPr algn="ctr"/>
-            <a:r>
-              <a:rPr lang="de-DE" dirty="0"/>
-              <a:t>Aufwand</a:t>
-            </a:r>
           </a:p>
         </p:txBody>
       </p:sp>
@@ -5664,6 +4745,926 @@
 </p:sld>
 </file>
 
+<file path=ppt/slides/slide12.xml><?xml version="1.0" encoding="utf-8"?>
+<p:sld xmlns:a="http://schemas.openxmlformats.org/drawingml/2006/main" xmlns:r="http://schemas.openxmlformats.org/officeDocument/2006/relationships" xmlns:p="http://schemas.openxmlformats.org/presentationml/2006/main">
+  <p:cSld>
+    <p:spTree>
+      <p:nvGrpSpPr>
+        <p:cNvPr id="1" name=""/>
+        <p:cNvGrpSpPr/>
+        <p:nvPr/>
+      </p:nvGrpSpPr>
+      <p:grpSpPr>
+        <a:xfrm>
+          <a:off x="0" y="0"/>
+          <a:ext cx="0" cy="0"/>
+          <a:chOff x="0" y="0"/>
+          <a:chExt cx="0" cy="0"/>
+        </a:xfrm>
+      </p:grpSpPr>
+      <p:sp>
+        <p:nvSpPr>
+          <p:cNvPr id="2" name="Titel 1">
+            <a:extLst>
+              <a:ext uri="{FF2B5EF4-FFF2-40B4-BE49-F238E27FC236}">
+                <a16:creationId xmlns:a16="http://schemas.microsoft.com/office/drawing/2014/main" id="{636AF43D-66EB-EF61-3A62-EA00537EFAD7}"/>
+              </a:ext>
+            </a:extLst>
+          </p:cNvPr>
+          <p:cNvSpPr>
+            <a:spLocks noGrp="1"/>
+          </p:cNvSpPr>
+          <p:nvPr>
+            <p:ph type="title"/>
+          </p:nvPr>
+        </p:nvSpPr>
+        <p:spPr/>
+        <p:txBody>
+          <a:bodyPr/>
+          <a:lstStyle/>
+          <a:p>
+            <a:pPr algn="ctr"/>
+            <a:r>
+              <a:rPr lang="de-DE" dirty="0"/>
+              <a:t>Fazit</a:t>
+            </a:r>
+          </a:p>
+        </p:txBody>
+      </p:sp>
+      <p:sp>
+        <p:nvSpPr>
+          <p:cNvPr id="3" name="Inhaltsplatzhalter 2">
+            <a:extLst>
+              <a:ext uri="{FF2B5EF4-FFF2-40B4-BE49-F238E27FC236}">
+                <a16:creationId xmlns:a16="http://schemas.microsoft.com/office/drawing/2014/main" id="{884FE433-C78A-490E-2644-80B24B2158DB}"/>
+              </a:ext>
+            </a:extLst>
+          </p:cNvPr>
+          <p:cNvSpPr>
+            <a:spLocks noGrp="1"/>
+          </p:cNvSpPr>
+          <p:nvPr>
+            <p:ph idx="1"/>
+          </p:nvPr>
+        </p:nvSpPr>
+        <p:spPr>
+          <a:xfrm>
+            <a:off x="838200" y="1466662"/>
+            <a:ext cx="10515600" cy="5241956"/>
+          </a:xfrm>
+        </p:spPr>
+        <p:txBody>
+          <a:bodyPr>
+            <a:normAutofit/>
+          </a:bodyPr>
+          <a:lstStyle/>
+          <a:p>
+            <a:pPr marL="0" indent="0">
+              <a:buNone/>
+            </a:pPr>
+            <a:r>
+              <a:rPr lang="de-DE" dirty="0"/>
+              <a:t>Innerhalb von </a:t>
+            </a:r>
+            <a:r>
+              <a:rPr lang="de-DE" u="sng" dirty="0"/>
+              <a:t>43</a:t>
+            </a:r>
+            <a:r>
+              <a:rPr lang="de-DE" dirty="0"/>
+              <a:t> Stunden folgende Ziele erreicht:</a:t>
+            </a:r>
+          </a:p>
+          <a:p>
+            <a:endParaRPr lang="de-DE" dirty="0"/>
+          </a:p>
+          <a:p>
+            <a:r>
+              <a:rPr lang="de-DE" dirty="0"/>
+              <a:t>GUI ohne Funktion</a:t>
+            </a:r>
+          </a:p>
+          <a:p>
+            <a:r>
+              <a:rPr lang="de-DE" dirty="0"/>
+              <a:t>Aufruf einer API (ohne Header)</a:t>
+            </a:r>
+          </a:p>
+          <a:p>
+            <a:r>
+              <a:rPr lang="de-DE" dirty="0"/>
+              <a:t>Kompilierung der Abhängigkeiten mit Nix-Shell</a:t>
+            </a:r>
+          </a:p>
+          <a:p>
+            <a:r>
+              <a:rPr lang="de-DE" dirty="0"/>
+              <a:t>Grundfunktion des Programms ist gegeben</a:t>
+            </a:r>
+          </a:p>
+          <a:p>
+            <a:r>
+              <a:rPr lang="de-DE" dirty="0"/>
+              <a:t>Gute Zusammenarbeit mit </a:t>
+            </a:r>
+            <a:r>
+              <a:rPr lang="de-DE" dirty="0" err="1"/>
+              <a:t>Git</a:t>
+            </a:r>
+            <a:r>
+              <a:rPr lang="de-DE" dirty="0"/>
+              <a:t> (via </a:t>
+            </a:r>
+            <a:r>
+              <a:rPr lang="de-DE" dirty="0" err="1"/>
+              <a:t>Github</a:t>
+            </a:r>
+            <a:r>
+              <a:rPr lang="de-DE" dirty="0"/>
+              <a:t>)</a:t>
+            </a:r>
+          </a:p>
+          <a:p>
+            <a:pPr marL="0" indent="0">
+              <a:buNone/>
+            </a:pPr>
+            <a:endParaRPr lang="de-DE" dirty="0"/>
+          </a:p>
+          <a:p>
+            <a:pPr marL="0" indent="0">
+              <a:buNone/>
+            </a:pPr>
+            <a:endParaRPr lang="de-DE" dirty="0"/>
+          </a:p>
+          <a:p>
+            <a:endParaRPr lang="de-DE" dirty="0"/>
+          </a:p>
+        </p:txBody>
+      </p:sp>
+    </p:spTree>
+    <p:extLst>
+      <p:ext uri="{BB962C8B-B14F-4D97-AF65-F5344CB8AC3E}">
+        <p14:creationId xmlns:p14="http://schemas.microsoft.com/office/powerpoint/2010/main" val="609048910"/>
+      </p:ext>
+    </p:extLst>
+  </p:cSld>
+  <p:clrMapOvr>
+    <a:masterClrMapping/>
+  </p:clrMapOvr>
+  <p:timing>
+    <p:tnLst>
+      <p:par>
+        <p:cTn id="1" dur="indefinite" restart="never" nodeType="tmRoot">
+          <p:childTnLst>
+            <p:seq concurrent="1" nextAc="seek">
+              <p:cTn id="2" dur="indefinite" nodeType="mainSeq">
+                <p:childTnLst>
+                  <p:par>
+                    <p:cTn id="3" fill="hold">
+                      <p:stCondLst>
+                        <p:cond delay="indefinite"/>
+                      </p:stCondLst>
+                      <p:childTnLst>
+                        <p:par>
+                          <p:cTn id="4" fill="hold">
+                            <p:stCondLst>
+                              <p:cond delay="0"/>
+                            </p:stCondLst>
+                            <p:childTnLst>
+                              <p:par>
+                                <p:cTn id="5" presetID="10" presetClass="entr" presetSubtype="0" fill="hold" grpId="0" nodeType="clickEffect">
+                                  <p:stCondLst>
+                                    <p:cond delay="0"/>
+                                  </p:stCondLst>
+                                  <p:childTnLst>
+                                    <p:set>
+                                      <p:cBhvr>
+                                        <p:cTn id="6" dur="1" fill="hold">
+                                          <p:stCondLst>
+                                            <p:cond delay="0"/>
+                                          </p:stCondLst>
+                                        </p:cTn>
+                                        <p:tgtEl>
+                                          <p:spTgt spid="3">
+                                            <p:txEl>
+                                              <p:pRg st="0" end="0"/>
+                                            </p:txEl>
+                                          </p:spTgt>
+                                        </p:tgtEl>
+                                        <p:attrNameLst>
+                                          <p:attrName>style.visibility</p:attrName>
+                                        </p:attrNameLst>
+                                      </p:cBhvr>
+                                      <p:to>
+                                        <p:strVal val="visible"/>
+                                      </p:to>
+                                    </p:set>
+                                    <p:animEffect transition="in" filter="fade">
+                                      <p:cBhvr>
+                                        <p:cTn id="7" dur="500"/>
+                                        <p:tgtEl>
+                                          <p:spTgt spid="3">
+                                            <p:txEl>
+                                              <p:pRg st="0" end="0"/>
+                                            </p:txEl>
+                                          </p:spTgt>
+                                        </p:tgtEl>
+                                      </p:cBhvr>
+                                    </p:animEffect>
+                                  </p:childTnLst>
+                                </p:cTn>
+                              </p:par>
+                            </p:childTnLst>
+                          </p:cTn>
+                        </p:par>
+                      </p:childTnLst>
+                    </p:cTn>
+                  </p:par>
+                  <p:par>
+                    <p:cTn id="8" fill="hold">
+                      <p:stCondLst>
+                        <p:cond delay="indefinite"/>
+                      </p:stCondLst>
+                      <p:childTnLst>
+                        <p:par>
+                          <p:cTn id="9" fill="hold">
+                            <p:stCondLst>
+                              <p:cond delay="0"/>
+                            </p:stCondLst>
+                            <p:childTnLst>
+                              <p:par>
+                                <p:cTn id="10" presetID="10" presetClass="entr" presetSubtype="0" fill="hold" grpId="0" nodeType="clickEffect">
+                                  <p:stCondLst>
+                                    <p:cond delay="0"/>
+                                  </p:stCondLst>
+                                  <p:childTnLst>
+                                    <p:set>
+                                      <p:cBhvr>
+                                        <p:cTn id="11" dur="1" fill="hold">
+                                          <p:stCondLst>
+                                            <p:cond delay="0"/>
+                                          </p:stCondLst>
+                                        </p:cTn>
+                                        <p:tgtEl>
+                                          <p:spTgt spid="3">
+                                            <p:txEl>
+                                              <p:pRg st="2" end="2"/>
+                                            </p:txEl>
+                                          </p:spTgt>
+                                        </p:tgtEl>
+                                        <p:attrNameLst>
+                                          <p:attrName>style.visibility</p:attrName>
+                                        </p:attrNameLst>
+                                      </p:cBhvr>
+                                      <p:to>
+                                        <p:strVal val="visible"/>
+                                      </p:to>
+                                    </p:set>
+                                    <p:animEffect transition="in" filter="fade">
+                                      <p:cBhvr>
+                                        <p:cTn id="12" dur="500"/>
+                                        <p:tgtEl>
+                                          <p:spTgt spid="3">
+                                            <p:txEl>
+                                              <p:pRg st="2" end="2"/>
+                                            </p:txEl>
+                                          </p:spTgt>
+                                        </p:tgtEl>
+                                      </p:cBhvr>
+                                    </p:animEffect>
+                                  </p:childTnLst>
+                                </p:cTn>
+                              </p:par>
+                            </p:childTnLst>
+                          </p:cTn>
+                        </p:par>
+                      </p:childTnLst>
+                    </p:cTn>
+                  </p:par>
+                  <p:par>
+                    <p:cTn id="13" fill="hold">
+                      <p:stCondLst>
+                        <p:cond delay="indefinite"/>
+                      </p:stCondLst>
+                      <p:childTnLst>
+                        <p:par>
+                          <p:cTn id="14" fill="hold">
+                            <p:stCondLst>
+                              <p:cond delay="0"/>
+                            </p:stCondLst>
+                            <p:childTnLst>
+                              <p:par>
+                                <p:cTn id="15" presetID="10" presetClass="entr" presetSubtype="0" fill="hold" grpId="0" nodeType="clickEffect">
+                                  <p:stCondLst>
+                                    <p:cond delay="0"/>
+                                  </p:stCondLst>
+                                  <p:childTnLst>
+                                    <p:set>
+                                      <p:cBhvr>
+                                        <p:cTn id="16" dur="1" fill="hold">
+                                          <p:stCondLst>
+                                            <p:cond delay="0"/>
+                                          </p:stCondLst>
+                                        </p:cTn>
+                                        <p:tgtEl>
+                                          <p:spTgt spid="3">
+                                            <p:txEl>
+                                              <p:pRg st="3" end="3"/>
+                                            </p:txEl>
+                                          </p:spTgt>
+                                        </p:tgtEl>
+                                        <p:attrNameLst>
+                                          <p:attrName>style.visibility</p:attrName>
+                                        </p:attrNameLst>
+                                      </p:cBhvr>
+                                      <p:to>
+                                        <p:strVal val="visible"/>
+                                      </p:to>
+                                    </p:set>
+                                    <p:animEffect transition="in" filter="fade">
+                                      <p:cBhvr>
+                                        <p:cTn id="17" dur="500"/>
+                                        <p:tgtEl>
+                                          <p:spTgt spid="3">
+                                            <p:txEl>
+                                              <p:pRg st="3" end="3"/>
+                                            </p:txEl>
+                                          </p:spTgt>
+                                        </p:tgtEl>
+                                      </p:cBhvr>
+                                    </p:animEffect>
+                                  </p:childTnLst>
+                                </p:cTn>
+                              </p:par>
+                            </p:childTnLst>
+                          </p:cTn>
+                        </p:par>
+                      </p:childTnLst>
+                    </p:cTn>
+                  </p:par>
+                  <p:par>
+                    <p:cTn id="18" fill="hold">
+                      <p:stCondLst>
+                        <p:cond delay="indefinite"/>
+                      </p:stCondLst>
+                      <p:childTnLst>
+                        <p:par>
+                          <p:cTn id="19" fill="hold">
+                            <p:stCondLst>
+                              <p:cond delay="0"/>
+                            </p:stCondLst>
+                            <p:childTnLst>
+                              <p:par>
+                                <p:cTn id="20" presetID="10" presetClass="entr" presetSubtype="0" fill="hold" grpId="0" nodeType="clickEffect">
+                                  <p:stCondLst>
+                                    <p:cond delay="0"/>
+                                  </p:stCondLst>
+                                  <p:childTnLst>
+                                    <p:set>
+                                      <p:cBhvr>
+                                        <p:cTn id="21" dur="1" fill="hold">
+                                          <p:stCondLst>
+                                            <p:cond delay="0"/>
+                                          </p:stCondLst>
+                                        </p:cTn>
+                                        <p:tgtEl>
+                                          <p:spTgt spid="3">
+                                            <p:txEl>
+                                              <p:pRg st="4" end="4"/>
+                                            </p:txEl>
+                                          </p:spTgt>
+                                        </p:tgtEl>
+                                        <p:attrNameLst>
+                                          <p:attrName>style.visibility</p:attrName>
+                                        </p:attrNameLst>
+                                      </p:cBhvr>
+                                      <p:to>
+                                        <p:strVal val="visible"/>
+                                      </p:to>
+                                    </p:set>
+                                    <p:animEffect transition="in" filter="fade">
+                                      <p:cBhvr>
+                                        <p:cTn id="22" dur="500"/>
+                                        <p:tgtEl>
+                                          <p:spTgt spid="3">
+                                            <p:txEl>
+                                              <p:pRg st="4" end="4"/>
+                                            </p:txEl>
+                                          </p:spTgt>
+                                        </p:tgtEl>
+                                      </p:cBhvr>
+                                    </p:animEffect>
+                                  </p:childTnLst>
+                                </p:cTn>
+                              </p:par>
+                            </p:childTnLst>
+                          </p:cTn>
+                        </p:par>
+                      </p:childTnLst>
+                    </p:cTn>
+                  </p:par>
+                  <p:par>
+                    <p:cTn id="23" fill="hold">
+                      <p:stCondLst>
+                        <p:cond delay="indefinite"/>
+                      </p:stCondLst>
+                      <p:childTnLst>
+                        <p:par>
+                          <p:cTn id="24" fill="hold">
+                            <p:stCondLst>
+                              <p:cond delay="0"/>
+                            </p:stCondLst>
+                            <p:childTnLst>
+                              <p:par>
+                                <p:cTn id="25" presetID="10" presetClass="entr" presetSubtype="0" fill="hold" grpId="0" nodeType="clickEffect">
+                                  <p:stCondLst>
+                                    <p:cond delay="0"/>
+                                  </p:stCondLst>
+                                  <p:childTnLst>
+                                    <p:set>
+                                      <p:cBhvr>
+                                        <p:cTn id="26" dur="1" fill="hold">
+                                          <p:stCondLst>
+                                            <p:cond delay="0"/>
+                                          </p:stCondLst>
+                                        </p:cTn>
+                                        <p:tgtEl>
+                                          <p:spTgt spid="3">
+                                            <p:txEl>
+                                              <p:pRg st="5" end="5"/>
+                                            </p:txEl>
+                                          </p:spTgt>
+                                        </p:tgtEl>
+                                        <p:attrNameLst>
+                                          <p:attrName>style.visibility</p:attrName>
+                                        </p:attrNameLst>
+                                      </p:cBhvr>
+                                      <p:to>
+                                        <p:strVal val="visible"/>
+                                      </p:to>
+                                    </p:set>
+                                    <p:animEffect transition="in" filter="fade">
+                                      <p:cBhvr>
+                                        <p:cTn id="27" dur="500"/>
+                                        <p:tgtEl>
+                                          <p:spTgt spid="3">
+                                            <p:txEl>
+                                              <p:pRg st="5" end="5"/>
+                                            </p:txEl>
+                                          </p:spTgt>
+                                        </p:tgtEl>
+                                      </p:cBhvr>
+                                    </p:animEffect>
+                                  </p:childTnLst>
+                                </p:cTn>
+                              </p:par>
+                            </p:childTnLst>
+                          </p:cTn>
+                        </p:par>
+                      </p:childTnLst>
+                    </p:cTn>
+                  </p:par>
+                  <p:par>
+                    <p:cTn id="28" fill="hold">
+                      <p:stCondLst>
+                        <p:cond delay="indefinite"/>
+                      </p:stCondLst>
+                      <p:childTnLst>
+                        <p:par>
+                          <p:cTn id="29" fill="hold">
+                            <p:stCondLst>
+                              <p:cond delay="0"/>
+                            </p:stCondLst>
+                            <p:childTnLst>
+                              <p:par>
+                                <p:cTn id="30" presetID="10" presetClass="entr" presetSubtype="0" fill="hold" grpId="0" nodeType="clickEffect">
+                                  <p:stCondLst>
+                                    <p:cond delay="0"/>
+                                  </p:stCondLst>
+                                  <p:childTnLst>
+                                    <p:set>
+                                      <p:cBhvr>
+                                        <p:cTn id="31" dur="1" fill="hold">
+                                          <p:stCondLst>
+                                            <p:cond delay="0"/>
+                                          </p:stCondLst>
+                                        </p:cTn>
+                                        <p:tgtEl>
+                                          <p:spTgt spid="3">
+                                            <p:txEl>
+                                              <p:pRg st="6" end="6"/>
+                                            </p:txEl>
+                                          </p:spTgt>
+                                        </p:tgtEl>
+                                        <p:attrNameLst>
+                                          <p:attrName>style.visibility</p:attrName>
+                                        </p:attrNameLst>
+                                      </p:cBhvr>
+                                      <p:to>
+                                        <p:strVal val="visible"/>
+                                      </p:to>
+                                    </p:set>
+                                    <p:animEffect transition="in" filter="fade">
+                                      <p:cBhvr>
+                                        <p:cTn id="32" dur="500"/>
+                                        <p:tgtEl>
+                                          <p:spTgt spid="3">
+                                            <p:txEl>
+                                              <p:pRg st="6" end="6"/>
+                                            </p:txEl>
+                                          </p:spTgt>
+                                        </p:tgtEl>
+                                      </p:cBhvr>
+                                    </p:animEffect>
+                                  </p:childTnLst>
+                                </p:cTn>
+                              </p:par>
+                            </p:childTnLst>
+                          </p:cTn>
+                        </p:par>
+                      </p:childTnLst>
+                    </p:cTn>
+                  </p:par>
+                </p:childTnLst>
+              </p:cTn>
+              <p:prevCondLst>
+                <p:cond evt="onPrev" delay="0">
+                  <p:tgtEl>
+                    <p:sldTgt/>
+                  </p:tgtEl>
+                </p:cond>
+              </p:prevCondLst>
+              <p:nextCondLst>
+                <p:cond evt="onNext" delay="0">
+                  <p:tgtEl>
+                    <p:sldTgt/>
+                  </p:tgtEl>
+                </p:cond>
+              </p:nextCondLst>
+            </p:seq>
+          </p:childTnLst>
+        </p:cTn>
+      </p:par>
+    </p:tnLst>
+    <p:bldLst>
+      <p:bldP spid="3" grpId="0" build="p"/>
+    </p:bldLst>
+  </p:timing>
+</p:sld>
+</file>
+
+<file path=ppt/slides/slide13.xml><?xml version="1.0" encoding="utf-8"?>
+<p:sld xmlns:a="http://schemas.openxmlformats.org/drawingml/2006/main" xmlns:r="http://schemas.openxmlformats.org/officeDocument/2006/relationships" xmlns:p="http://schemas.openxmlformats.org/presentationml/2006/main">
+  <p:cSld>
+    <p:spTree>
+      <p:nvGrpSpPr>
+        <p:cNvPr id="1" name=""/>
+        <p:cNvGrpSpPr/>
+        <p:nvPr/>
+      </p:nvGrpSpPr>
+      <p:grpSpPr>
+        <a:xfrm>
+          <a:off x="0" y="0"/>
+          <a:ext cx="0" cy="0"/>
+          <a:chOff x="0" y="0"/>
+          <a:chExt cx="0" cy="0"/>
+        </a:xfrm>
+      </p:grpSpPr>
+      <p:sp>
+        <p:nvSpPr>
+          <p:cNvPr id="2" name="Titel 1">
+            <a:extLst>
+              <a:ext uri="{FF2B5EF4-FFF2-40B4-BE49-F238E27FC236}">
+                <a16:creationId xmlns:a16="http://schemas.microsoft.com/office/drawing/2014/main" id="{6BA8B8C0-BC04-59CF-7F27-0F3F9363D57B}"/>
+              </a:ext>
+            </a:extLst>
+          </p:cNvPr>
+          <p:cNvSpPr>
+            <a:spLocks noGrp="1"/>
+          </p:cNvSpPr>
+          <p:nvPr>
+            <p:ph type="title"/>
+          </p:nvPr>
+        </p:nvSpPr>
+        <p:spPr/>
+        <p:txBody>
+          <a:bodyPr/>
+          <a:lstStyle/>
+          <a:p>
+            <a:pPr algn="ctr"/>
+            <a:r>
+              <a:rPr lang="de-DE" dirty="0"/>
+              <a:t>Fazit</a:t>
+            </a:r>
+          </a:p>
+        </p:txBody>
+      </p:sp>
+      <p:sp>
+        <p:nvSpPr>
+          <p:cNvPr id="3" name="Inhaltsplatzhalter 2">
+            <a:extLst>
+              <a:ext uri="{FF2B5EF4-FFF2-40B4-BE49-F238E27FC236}">
+                <a16:creationId xmlns:a16="http://schemas.microsoft.com/office/drawing/2014/main" id="{6FA4D540-6E2D-C10E-B709-6EC954995DB7}"/>
+              </a:ext>
+            </a:extLst>
+          </p:cNvPr>
+          <p:cNvSpPr>
+            <a:spLocks noGrp="1"/>
+          </p:cNvSpPr>
+          <p:nvPr>
+            <p:ph idx="1"/>
+          </p:nvPr>
+        </p:nvSpPr>
+        <p:spPr/>
+        <p:txBody>
+          <a:bodyPr/>
+          <a:lstStyle/>
+          <a:p>
+            <a:pPr marL="0" indent="0">
+              <a:buNone/>
+            </a:pPr>
+            <a:r>
+              <a:rPr lang="de-DE" dirty="0" err="1"/>
+              <a:t>Has</a:t>
+            </a:r>
+            <a:r>
+              <a:rPr lang="de-DE" u="sng" dirty="0" err="1"/>
+              <a:t>s</a:t>
+            </a:r>
+            <a:r>
+              <a:rPr lang="de-DE" dirty="0" err="1"/>
+              <a:t>kell</a:t>
+            </a:r>
+            <a:r>
+              <a:rPr lang="de-DE" dirty="0"/>
+              <a:t> als Programmiersprache?!</a:t>
+            </a:r>
+          </a:p>
+          <a:p>
+            <a:pPr marL="0" indent="0">
+              <a:buNone/>
+            </a:pPr>
+            <a:endParaRPr lang="de-DE" dirty="0"/>
+          </a:p>
+          <a:p>
+            <a:r>
+              <a:rPr lang="de-DE" dirty="0"/>
+              <a:t>Bleibt und ist eine Nische für spezielle Anwendungsfälle</a:t>
+            </a:r>
+          </a:p>
+          <a:p>
+            <a:r>
+              <a:rPr lang="de-DE" dirty="0"/>
+              <a:t>Ist so </a:t>
+            </a:r>
+            <a:r>
+              <a:rPr lang="de-DE" dirty="0" err="1"/>
+              <a:t>unintuitiv</a:t>
+            </a:r>
+            <a:r>
+              <a:rPr lang="de-DE" dirty="0"/>
+              <a:t> das drei Erwachsene </a:t>
+            </a:r>
+            <a:r>
+              <a:rPr lang="de-DE" dirty="0" err="1"/>
+              <a:t>ITler</a:t>
+            </a:r>
+            <a:r>
+              <a:rPr lang="de-DE" dirty="0"/>
+              <a:t> nicht in der Lage sind simpelste RL-Tools mit vertretbaren Zeitaufwand zu erstellen</a:t>
+            </a:r>
+          </a:p>
+          <a:p>
+            <a:endParaRPr lang="de-DE" dirty="0"/>
+          </a:p>
+        </p:txBody>
+      </p:sp>
+    </p:spTree>
+    <p:extLst>
+      <p:ext uri="{BB962C8B-B14F-4D97-AF65-F5344CB8AC3E}">
+        <p14:creationId xmlns:p14="http://schemas.microsoft.com/office/powerpoint/2010/main" val="1030915866"/>
+      </p:ext>
+    </p:extLst>
+  </p:cSld>
+  <p:clrMapOvr>
+    <a:masterClrMapping/>
+  </p:clrMapOvr>
+  <p:timing>
+    <p:tnLst>
+      <p:par>
+        <p:cTn id="1" dur="indefinite" restart="never" nodeType="tmRoot">
+          <p:childTnLst>
+            <p:seq concurrent="1" nextAc="seek">
+              <p:cTn id="2" dur="indefinite" nodeType="mainSeq">
+                <p:childTnLst>
+                  <p:par>
+                    <p:cTn id="3" fill="hold">
+                      <p:stCondLst>
+                        <p:cond delay="indefinite"/>
+                      </p:stCondLst>
+                      <p:childTnLst>
+                        <p:par>
+                          <p:cTn id="4" fill="hold">
+                            <p:stCondLst>
+                              <p:cond delay="0"/>
+                            </p:stCondLst>
+                            <p:childTnLst>
+                              <p:par>
+                                <p:cTn id="5" presetID="10" presetClass="entr" presetSubtype="0" fill="hold" nodeType="clickEffect">
+                                  <p:stCondLst>
+                                    <p:cond delay="0"/>
+                                  </p:stCondLst>
+                                  <p:childTnLst>
+                                    <p:set>
+                                      <p:cBhvr>
+                                        <p:cTn id="6" dur="1" fill="hold">
+                                          <p:stCondLst>
+                                            <p:cond delay="0"/>
+                                          </p:stCondLst>
+                                        </p:cTn>
+                                        <p:tgtEl>
+                                          <p:spTgt spid="3">
+                                            <p:txEl>
+                                              <p:pRg st="0" end="0"/>
+                                            </p:txEl>
+                                          </p:spTgt>
+                                        </p:tgtEl>
+                                        <p:attrNameLst>
+                                          <p:attrName>style.visibility</p:attrName>
+                                        </p:attrNameLst>
+                                      </p:cBhvr>
+                                      <p:to>
+                                        <p:strVal val="visible"/>
+                                      </p:to>
+                                    </p:set>
+                                    <p:animEffect transition="in" filter="fade">
+                                      <p:cBhvr>
+                                        <p:cTn id="7" dur="500"/>
+                                        <p:tgtEl>
+                                          <p:spTgt spid="3">
+                                            <p:txEl>
+                                              <p:pRg st="0" end="0"/>
+                                            </p:txEl>
+                                          </p:spTgt>
+                                        </p:tgtEl>
+                                      </p:cBhvr>
+                                    </p:animEffect>
+                                  </p:childTnLst>
+                                </p:cTn>
+                              </p:par>
+                            </p:childTnLst>
+                          </p:cTn>
+                        </p:par>
+                      </p:childTnLst>
+                    </p:cTn>
+                  </p:par>
+                  <p:par>
+                    <p:cTn id="8" fill="hold">
+                      <p:stCondLst>
+                        <p:cond delay="indefinite"/>
+                      </p:stCondLst>
+                      <p:childTnLst>
+                        <p:par>
+                          <p:cTn id="9" fill="hold">
+                            <p:stCondLst>
+                              <p:cond delay="0"/>
+                            </p:stCondLst>
+                            <p:childTnLst>
+                              <p:par>
+                                <p:cTn id="10" presetID="10" presetClass="entr" presetSubtype="0" fill="hold" nodeType="clickEffect">
+                                  <p:stCondLst>
+                                    <p:cond delay="0"/>
+                                  </p:stCondLst>
+                                  <p:childTnLst>
+                                    <p:set>
+                                      <p:cBhvr>
+                                        <p:cTn id="11" dur="1" fill="hold">
+                                          <p:stCondLst>
+                                            <p:cond delay="0"/>
+                                          </p:stCondLst>
+                                        </p:cTn>
+                                        <p:tgtEl>
+                                          <p:spTgt spid="3">
+                                            <p:txEl>
+                                              <p:pRg st="2" end="2"/>
+                                            </p:txEl>
+                                          </p:spTgt>
+                                        </p:tgtEl>
+                                        <p:attrNameLst>
+                                          <p:attrName>style.visibility</p:attrName>
+                                        </p:attrNameLst>
+                                      </p:cBhvr>
+                                      <p:to>
+                                        <p:strVal val="visible"/>
+                                      </p:to>
+                                    </p:set>
+                                    <p:animEffect transition="in" filter="fade">
+                                      <p:cBhvr>
+                                        <p:cTn id="12" dur="500"/>
+                                        <p:tgtEl>
+                                          <p:spTgt spid="3">
+                                            <p:txEl>
+                                              <p:pRg st="2" end="2"/>
+                                            </p:txEl>
+                                          </p:spTgt>
+                                        </p:tgtEl>
+                                      </p:cBhvr>
+                                    </p:animEffect>
+                                  </p:childTnLst>
+                                </p:cTn>
+                              </p:par>
+                            </p:childTnLst>
+                          </p:cTn>
+                        </p:par>
+                      </p:childTnLst>
+                    </p:cTn>
+                  </p:par>
+                  <p:par>
+                    <p:cTn id="13" fill="hold">
+                      <p:stCondLst>
+                        <p:cond delay="indefinite"/>
+                      </p:stCondLst>
+                      <p:childTnLst>
+                        <p:par>
+                          <p:cTn id="14" fill="hold">
+                            <p:stCondLst>
+                              <p:cond delay="0"/>
+                            </p:stCondLst>
+                            <p:childTnLst>
+                              <p:par>
+                                <p:cTn id="15" presetID="10" presetClass="entr" presetSubtype="0" fill="hold" nodeType="clickEffect">
+                                  <p:stCondLst>
+                                    <p:cond delay="0"/>
+                                  </p:stCondLst>
+                                  <p:childTnLst>
+                                    <p:set>
+                                      <p:cBhvr>
+                                        <p:cTn id="16" dur="1" fill="hold">
+                                          <p:stCondLst>
+                                            <p:cond delay="0"/>
+                                          </p:stCondLst>
+                                        </p:cTn>
+                                        <p:tgtEl>
+                                          <p:spTgt spid="3">
+                                            <p:txEl>
+                                              <p:pRg st="3" end="3"/>
+                                            </p:txEl>
+                                          </p:spTgt>
+                                        </p:tgtEl>
+                                        <p:attrNameLst>
+                                          <p:attrName>style.visibility</p:attrName>
+                                        </p:attrNameLst>
+                                      </p:cBhvr>
+                                      <p:to>
+                                        <p:strVal val="visible"/>
+                                      </p:to>
+                                    </p:set>
+                                    <p:animEffect transition="in" filter="fade">
+                                      <p:cBhvr>
+                                        <p:cTn id="17" dur="500"/>
+                                        <p:tgtEl>
+                                          <p:spTgt spid="3">
+                                            <p:txEl>
+                                              <p:pRg st="3" end="3"/>
+                                            </p:txEl>
+                                          </p:spTgt>
+                                        </p:tgtEl>
+                                      </p:cBhvr>
+                                    </p:animEffect>
+                                  </p:childTnLst>
+                                </p:cTn>
+                              </p:par>
+                            </p:childTnLst>
+                          </p:cTn>
+                        </p:par>
+                      </p:childTnLst>
+                    </p:cTn>
+                  </p:par>
+                </p:childTnLst>
+              </p:cTn>
+              <p:prevCondLst>
+                <p:cond evt="onPrev" delay="0">
+                  <p:tgtEl>
+                    <p:sldTgt/>
+                  </p:tgtEl>
+                </p:cond>
+              </p:prevCondLst>
+              <p:nextCondLst>
+                <p:cond evt="onNext" delay="0">
+                  <p:tgtEl>
+                    <p:sldTgt/>
+                  </p:tgtEl>
+                </p:cond>
+              </p:nextCondLst>
+            </p:seq>
+          </p:childTnLst>
+        </p:cTn>
+      </p:par>
+    </p:tnLst>
+  </p:timing>
+</p:sld>
+</file>
+
 <file path=ppt/slides/slide14.xml><?xml version="1.0" encoding="utf-8"?>
 <p:sld xmlns:a="http://schemas.openxmlformats.org/drawingml/2006/main" xmlns:r="http://schemas.openxmlformats.org/officeDocument/2006/relationships" xmlns:p="http://schemas.openxmlformats.org/presentationml/2006/main">
   <p:cSld>

--- a/Praesentation/SuperSort.pptx
+++ b/Praesentation/SuperSort.pptx
@@ -3432,9 +3432,6 @@
           <a:p>
             <a:r>
               <a:rPr lang="de-DE" dirty="0" err="1">
-                <a:solidFill>
-                  <a:schemeClr val="bg1"/>
-                </a:solidFill>
                 <a:effectLst>
                   <a:outerShdw blurRad="38100" dist="38100" dir="2700000" algn="tl">
                     <a:srgbClr val="000000">
@@ -3442,13 +3439,13 @@
                     </a:srgbClr>
                   </a:outerShdw>
                 </a:effectLst>
+                <a:highlight>
+                  <a:srgbClr val="FFFF00"/>
+                </a:highlight>
               </a:rPr>
               <a:t>SuperSort</a:t>
             </a:r>
             <a:endParaRPr lang="de-DE" dirty="0">
-              <a:solidFill>
-                <a:schemeClr val="bg1"/>
-              </a:solidFill>
               <a:effectLst>
                 <a:outerShdw blurRad="38100" dist="38100" dir="2700000" algn="tl">
                   <a:srgbClr val="000000">
@@ -3456,6 +3453,9 @@
                   </a:srgbClr>
                 </a:outerShdw>
               </a:effectLst>
+              <a:highlight>
+                <a:srgbClr val="FFFF00"/>
+              </a:highlight>
             </a:endParaRPr>
           </a:p>
         </p:txBody>
@@ -3602,6 +3602,12 @@
             <a:r>
               <a:rPr lang="de-DE" dirty="0"/>
               <a:t>Funktionsumfang nicht erreicht</a:t>
+            </a:r>
+          </a:p>
+          <a:p>
+            <a:r>
+              <a:rPr lang="de-DE" dirty="0"/>
+              <a:t>Viel Zeit durch Problembehebung verloren</a:t>
             </a:r>
           </a:p>
         </p:txBody>
@@ -3915,6 +3921,67 @@
                                           <p:spTgt spid="3">
                                             <p:txEl>
                                               <p:pRg st="5" end="5"/>
+                                            </p:txEl>
+                                          </p:spTgt>
+                                        </p:tgtEl>
+                                      </p:cBhvr>
+                                    </p:animEffect>
+                                  </p:childTnLst>
+                                </p:cTn>
+                              </p:par>
+                            </p:childTnLst>
+                          </p:cTn>
+                        </p:par>
+                      </p:childTnLst>
+                    </p:cTn>
+                  </p:par>
+                  <p:par>
+                    <p:cTn id="28" fill="hold">
+                      <p:stCondLst>
+                        <p:cond delay="indefinite"/>
+                      </p:stCondLst>
+                      <p:childTnLst>
+                        <p:par>
+                          <p:cTn id="29" fill="hold">
+                            <p:stCondLst>
+                              <p:cond delay="0"/>
+                            </p:stCondLst>
+                            <p:childTnLst>
+                              <p:par>
+                                <p:cTn id="30" presetID="10" presetClass="entr" presetSubtype="0" fill="hold" nodeType="clickEffect">
+                                  <p:stCondLst>
+                                    <p:cond delay="0"/>
+                                  </p:stCondLst>
+                                  <p:childTnLst>
+                                    <p:set>
+                                      <p:cBhvr>
+                                        <p:cTn id="31" dur="1" fill="hold">
+                                          <p:stCondLst>
+                                            <p:cond delay="0"/>
+                                          </p:stCondLst>
+                                        </p:cTn>
+                                        <p:tgtEl>
+                                          <p:spTgt spid="3">
+                                            <p:txEl>
+                                              <p:pRg st="6" end="6"/>
+                                            </p:txEl>
+                                          </p:spTgt>
+                                        </p:tgtEl>
+                                        <p:attrNameLst>
+                                          <p:attrName>style.visibility</p:attrName>
+                                        </p:attrNameLst>
+                                      </p:cBhvr>
+                                      <p:to>
+                                        <p:strVal val="visible"/>
+                                      </p:to>
+                                    </p:set>
+                                    <p:animEffect transition="in" filter="fade">
+                                      <p:cBhvr>
+                                        <p:cTn id="32" dur="500"/>
+                                        <p:tgtEl>
+                                          <p:spTgt spid="3">
+                                            <p:txEl>
+                                              <p:pRg st="6" end="6"/>
                                             </p:txEl>
                                           </p:spTgt>
                                         </p:tgtEl>
@@ -4885,6 +4952,23 @@
             </a:r>
           </a:p>
           <a:p>
+            <a:r>
+              <a:rPr lang="de-DE" dirty="0"/>
+              <a:t>Einige Module sind fertig, aber das </a:t>
+            </a:r>
+            <a:r>
+              <a:rPr lang="de-DE"/>
+              <a:t>Gesamtprogramm nicht</a:t>
+            </a:r>
+            <a:endParaRPr lang="de-DE" dirty="0"/>
+          </a:p>
+          <a:p>
+            <a:pPr marL="0" indent="0">
+              <a:buNone/>
+            </a:pPr>
+            <a:endParaRPr lang="de-DE" dirty="0"/>
+          </a:p>
+          <a:p>
             <a:pPr marL="0" indent="0">
               <a:buNone/>
             </a:pPr>
@@ -5271,6 +5355,67 @@
                                           <p:spTgt spid="3">
                                             <p:txEl>
                                               <p:pRg st="6" end="6"/>
+                                            </p:txEl>
+                                          </p:spTgt>
+                                        </p:tgtEl>
+                                      </p:cBhvr>
+                                    </p:animEffect>
+                                  </p:childTnLst>
+                                </p:cTn>
+                              </p:par>
+                            </p:childTnLst>
+                          </p:cTn>
+                        </p:par>
+                      </p:childTnLst>
+                    </p:cTn>
+                  </p:par>
+                  <p:par>
+                    <p:cTn id="33" fill="hold">
+                      <p:stCondLst>
+                        <p:cond delay="indefinite"/>
+                      </p:stCondLst>
+                      <p:childTnLst>
+                        <p:par>
+                          <p:cTn id="34" fill="hold">
+                            <p:stCondLst>
+                              <p:cond delay="0"/>
+                            </p:stCondLst>
+                            <p:childTnLst>
+                              <p:par>
+                                <p:cTn id="35" presetID="10" presetClass="entr" presetSubtype="0" fill="hold" grpId="0" nodeType="clickEffect">
+                                  <p:stCondLst>
+                                    <p:cond delay="0"/>
+                                  </p:stCondLst>
+                                  <p:childTnLst>
+                                    <p:set>
+                                      <p:cBhvr>
+                                        <p:cTn id="36" dur="1" fill="hold">
+                                          <p:stCondLst>
+                                            <p:cond delay="0"/>
+                                          </p:stCondLst>
+                                        </p:cTn>
+                                        <p:tgtEl>
+                                          <p:spTgt spid="3">
+                                            <p:txEl>
+                                              <p:pRg st="7" end="7"/>
+                                            </p:txEl>
+                                          </p:spTgt>
+                                        </p:tgtEl>
+                                        <p:attrNameLst>
+                                          <p:attrName>style.visibility</p:attrName>
+                                        </p:attrNameLst>
+                                      </p:cBhvr>
+                                      <p:to>
+                                        <p:strVal val="visible"/>
+                                      </p:to>
+                                    </p:set>
+                                    <p:animEffect transition="in" filter="fade">
+                                      <p:cBhvr>
+                                        <p:cTn id="37" dur="500"/>
+                                        <p:tgtEl>
+                                          <p:spTgt spid="3">
+                                            <p:txEl>
+                                              <p:pRg st="7" end="7"/>
                                             </p:txEl>
                                           </p:spTgt>
                                         </p:tgtEl>
@@ -5435,6 +5580,15 @@
             </a:r>
           </a:p>
           <a:p>
+            <a:r>
+              <a:rPr lang="de-DE" dirty="0"/>
+              <a:t>Gutes Einstiegsprojekt</a:t>
+            </a:r>
+          </a:p>
+          <a:p>
+            <a:pPr marL="0" indent="0">
+              <a:buNone/>
+            </a:pPr>
             <a:endParaRPr lang="de-DE" dirty="0"/>
           </a:p>
         </p:txBody>
@@ -5626,6 +5780,67 @@
                                           <p:spTgt spid="3">
                                             <p:txEl>
                                               <p:pRg st="3" end="3"/>
+                                            </p:txEl>
+                                          </p:spTgt>
+                                        </p:tgtEl>
+                                      </p:cBhvr>
+                                    </p:animEffect>
+                                  </p:childTnLst>
+                                </p:cTn>
+                              </p:par>
+                            </p:childTnLst>
+                          </p:cTn>
+                        </p:par>
+                      </p:childTnLst>
+                    </p:cTn>
+                  </p:par>
+                  <p:par>
+                    <p:cTn id="18" fill="hold">
+                      <p:stCondLst>
+                        <p:cond delay="indefinite"/>
+                      </p:stCondLst>
+                      <p:childTnLst>
+                        <p:par>
+                          <p:cTn id="19" fill="hold">
+                            <p:stCondLst>
+                              <p:cond delay="0"/>
+                            </p:stCondLst>
+                            <p:childTnLst>
+                              <p:par>
+                                <p:cTn id="20" presetID="10" presetClass="entr" presetSubtype="0" fill="hold" nodeType="clickEffect">
+                                  <p:stCondLst>
+                                    <p:cond delay="0"/>
+                                  </p:stCondLst>
+                                  <p:childTnLst>
+                                    <p:set>
+                                      <p:cBhvr>
+                                        <p:cTn id="21" dur="1" fill="hold">
+                                          <p:stCondLst>
+                                            <p:cond delay="0"/>
+                                          </p:stCondLst>
+                                        </p:cTn>
+                                        <p:tgtEl>
+                                          <p:spTgt spid="3">
+                                            <p:txEl>
+                                              <p:pRg st="4" end="4"/>
+                                            </p:txEl>
+                                          </p:spTgt>
+                                        </p:tgtEl>
+                                        <p:attrNameLst>
+                                          <p:attrName>style.visibility</p:attrName>
+                                        </p:attrNameLst>
+                                      </p:cBhvr>
+                                      <p:to>
+                                        <p:strVal val="visible"/>
+                                      </p:to>
+                                    </p:set>
+                                    <p:animEffect transition="in" filter="fade">
+                                      <p:cBhvr>
+                                        <p:cTn id="22" dur="500"/>
+                                        <p:tgtEl>
+                                          <p:spTgt spid="3">
+                                            <p:txEl>
+                                              <p:pRg st="4" end="4"/>
                                             </p:txEl>
                                           </p:spTgt>
                                         </p:tgtEl>
